--- a/presentation.pptx
+++ b/presentation.pptx
@@ -3,11 +3,13 @@
 <p:presentation xmlns:a="http://schemas.openxmlformats.org/drawingml/2006/main" xmlns:p="http://schemas.openxmlformats.org/presentationml/2006/main" xmlns:r="http://schemas.openxmlformats.org/officeDocument/2006/relationships">
   <p:sldMasterIdLst>
     <p:sldMasterId id="2147483648" r:id="rId2"/>
+    <p:sldMasterId id="2147483661" r:id="rId3"/>
+    <p:sldMasterId id="2147483674" r:id="rId4"/>
   </p:sldMasterIdLst>
   <p:sldIdLst>
-    <p:sldId id="256" r:id="rId3"/>
-    <p:sldId id="257" r:id="rId4"/>
-    <p:sldId id="258" r:id="rId5"/>
+    <p:sldId id="256" r:id="rId5"/>
+    <p:sldId id="257" r:id="rId6"/>
+    <p:sldId id="258" r:id="rId7"/>
   </p:sldIdLst>
   <p:sldSz cx="10080625" cy="7559675"/>
   <p:notesSz cx="7772400" cy="10058400"/>
@@ -55,7 +57,7 @@
       </p:grpSpPr>
       <p:sp>
         <p:nvSpPr>
-          <p:cNvPr id="26" name="PlaceHolder 1"/>
+          <p:cNvPr id="23" name="PlaceHolder 1"/>
           <p:cNvSpPr>
             <a:spLocks noGrp="1"/>
           </p:cNvSpPr>
@@ -66,7 +68,7 @@
         <p:spPr>
           <a:xfrm>
             <a:off x="504000" y="301320"/>
-            <a:ext cx="9071640" cy="1262160"/>
+            <a:ext cx="9072000" cy="1261800"/>
           </a:xfrm>
           <a:prstGeom prst="rect">
             <a:avLst/>
@@ -82,44 +84,44 @@
       </p:sp>
       <p:sp>
         <p:nvSpPr>
-          <p:cNvPr id="27" name="PlaceHolder 2"/>
-          <p:cNvSpPr>
-            <a:spLocks noGrp="1"/>
-          </p:cNvSpPr>
-          <p:nvPr>
-            <p:ph type="body"/>
-          </p:nvPr>
-        </p:nvSpPr>
-        <p:spPr>
-          <a:xfrm>
-            <a:off x="504000" y="1769040"/>
-            <a:ext cx="9071640" cy="2091240"/>
-          </a:xfrm>
-          <a:prstGeom prst="rect">
-            <a:avLst/>
-          </a:prstGeom>
-        </p:spPr>
-        <p:txBody>
-          <a:bodyPr lIns="0" rIns="0" tIns="0" bIns="0"/>
-          <a:p>
-            <a:endParaRPr/>
-          </a:p>
-        </p:txBody>
-      </p:sp>
-      <p:sp>
-        <p:nvSpPr>
-          <p:cNvPr id="28" name="PlaceHolder 3"/>
-          <p:cNvSpPr>
-            <a:spLocks noGrp="1"/>
-          </p:cNvSpPr>
-          <p:nvPr>
-            <p:ph type="body"/>
-          </p:nvPr>
-        </p:nvSpPr>
-        <p:spPr>
-          <a:xfrm>
-            <a:off x="504000" y="4059360"/>
-            <a:ext cx="9071640" cy="2091240"/>
+          <p:cNvPr id="24" name="PlaceHolder 2"/>
+          <p:cNvSpPr>
+            <a:spLocks noGrp="1"/>
+          </p:cNvSpPr>
+          <p:nvPr>
+            <p:ph type="body"/>
+          </p:nvPr>
+        </p:nvSpPr>
+        <p:spPr>
+          <a:xfrm>
+            <a:off x="504000" y="1768680"/>
+            <a:ext cx="9072000" cy="2090880"/>
+          </a:xfrm>
+          <a:prstGeom prst="rect">
+            <a:avLst/>
+          </a:prstGeom>
+        </p:spPr>
+        <p:txBody>
+          <a:bodyPr lIns="0" rIns="0" tIns="0" bIns="0"/>
+          <a:p>
+            <a:endParaRPr/>
+          </a:p>
+        </p:txBody>
+      </p:sp>
+      <p:sp>
+        <p:nvSpPr>
+          <p:cNvPr id="25" name="PlaceHolder 3"/>
+          <p:cNvSpPr>
+            <a:spLocks noGrp="1"/>
+          </p:cNvSpPr>
+          <p:nvPr>
+            <p:ph type="body"/>
+          </p:nvPr>
+        </p:nvSpPr>
+        <p:spPr>
+          <a:xfrm>
+            <a:off x="504000" y="4058640"/>
+            <a:ext cx="9072000" cy="2090880"/>
           </a:xfrm>
           <a:prstGeom prst="rect">
             <a:avLst/>
@@ -156,7 +158,7 @@
       </p:grpSpPr>
       <p:sp>
         <p:nvSpPr>
-          <p:cNvPr id="29" name="PlaceHolder 1"/>
+          <p:cNvPr id="26" name="PlaceHolder 1"/>
           <p:cNvSpPr>
             <a:spLocks noGrp="1"/>
           </p:cNvSpPr>
@@ -167,7 +169,7 @@
         <p:spPr>
           <a:xfrm>
             <a:off x="504000" y="301320"/>
-            <a:ext cx="9071640" cy="1262160"/>
+            <a:ext cx="9072000" cy="1261800"/>
           </a:xfrm>
           <a:prstGeom prst="rect">
             <a:avLst/>
@@ -183,96 +185,96 @@
       </p:sp>
       <p:sp>
         <p:nvSpPr>
-          <p:cNvPr id="30" name="PlaceHolder 2"/>
-          <p:cNvSpPr>
-            <a:spLocks noGrp="1"/>
-          </p:cNvSpPr>
-          <p:nvPr>
-            <p:ph type="body"/>
-          </p:nvPr>
-        </p:nvSpPr>
-        <p:spPr>
-          <a:xfrm>
-            <a:off x="504000" y="1769040"/>
-            <a:ext cx="4426920" cy="2091240"/>
-          </a:xfrm>
-          <a:prstGeom prst="rect">
-            <a:avLst/>
-          </a:prstGeom>
-        </p:spPr>
-        <p:txBody>
-          <a:bodyPr lIns="0" rIns="0" tIns="0" bIns="0"/>
-          <a:p>
-            <a:endParaRPr/>
-          </a:p>
-        </p:txBody>
-      </p:sp>
-      <p:sp>
-        <p:nvSpPr>
-          <p:cNvPr id="31" name="PlaceHolder 3"/>
-          <p:cNvSpPr>
-            <a:spLocks noGrp="1"/>
-          </p:cNvSpPr>
-          <p:nvPr>
-            <p:ph type="body"/>
-          </p:nvPr>
-        </p:nvSpPr>
-        <p:spPr>
-          <a:xfrm>
-            <a:off x="5152680" y="1769040"/>
-            <a:ext cx="4426920" cy="2091240"/>
-          </a:xfrm>
-          <a:prstGeom prst="rect">
-            <a:avLst/>
-          </a:prstGeom>
-        </p:spPr>
-        <p:txBody>
-          <a:bodyPr lIns="0" rIns="0" tIns="0" bIns="0"/>
-          <a:p>
-            <a:endParaRPr/>
-          </a:p>
-        </p:txBody>
-      </p:sp>
-      <p:sp>
-        <p:nvSpPr>
-          <p:cNvPr id="32" name="PlaceHolder 4"/>
-          <p:cNvSpPr>
-            <a:spLocks noGrp="1"/>
-          </p:cNvSpPr>
-          <p:nvPr>
-            <p:ph type="body"/>
-          </p:nvPr>
-        </p:nvSpPr>
-        <p:spPr>
-          <a:xfrm>
-            <a:off x="5152680" y="4059360"/>
-            <a:ext cx="4426920" cy="2091240"/>
-          </a:xfrm>
-          <a:prstGeom prst="rect">
-            <a:avLst/>
-          </a:prstGeom>
-        </p:spPr>
-        <p:txBody>
-          <a:bodyPr lIns="0" rIns="0" tIns="0" bIns="0"/>
-          <a:p>
-            <a:endParaRPr/>
-          </a:p>
-        </p:txBody>
-      </p:sp>
-      <p:sp>
-        <p:nvSpPr>
-          <p:cNvPr id="33" name="PlaceHolder 5"/>
-          <p:cNvSpPr>
-            <a:spLocks noGrp="1"/>
-          </p:cNvSpPr>
-          <p:nvPr>
-            <p:ph type="body"/>
-          </p:nvPr>
-        </p:nvSpPr>
-        <p:spPr>
-          <a:xfrm>
-            <a:off x="504000" y="4059360"/>
-            <a:ext cx="4426920" cy="2091240"/>
+          <p:cNvPr id="27" name="PlaceHolder 2"/>
+          <p:cNvSpPr>
+            <a:spLocks noGrp="1"/>
+          </p:cNvSpPr>
+          <p:nvPr>
+            <p:ph type="body"/>
+          </p:nvPr>
+        </p:nvSpPr>
+        <p:spPr>
+          <a:xfrm>
+            <a:off x="504000" y="1768680"/>
+            <a:ext cx="4426920" cy="2090880"/>
+          </a:xfrm>
+          <a:prstGeom prst="rect">
+            <a:avLst/>
+          </a:prstGeom>
+        </p:spPr>
+        <p:txBody>
+          <a:bodyPr lIns="0" rIns="0" tIns="0" bIns="0"/>
+          <a:p>
+            <a:endParaRPr/>
+          </a:p>
+        </p:txBody>
+      </p:sp>
+      <p:sp>
+        <p:nvSpPr>
+          <p:cNvPr id="28" name="PlaceHolder 3"/>
+          <p:cNvSpPr>
+            <a:spLocks noGrp="1"/>
+          </p:cNvSpPr>
+          <p:nvPr>
+            <p:ph type="body"/>
+          </p:nvPr>
+        </p:nvSpPr>
+        <p:spPr>
+          <a:xfrm>
+            <a:off x="5152680" y="1768680"/>
+            <a:ext cx="4426920" cy="2090880"/>
+          </a:xfrm>
+          <a:prstGeom prst="rect">
+            <a:avLst/>
+          </a:prstGeom>
+        </p:spPr>
+        <p:txBody>
+          <a:bodyPr lIns="0" rIns="0" tIns="0" bIns="0"/>
+          <a:p>
+            <a:endParaRPr/>
+          </a:p>
+        </p:txBody>
+      </p:sp>
+      <p:sp>
+        <p:nvSpPr>
+          <p:cNvPr id="29" name="PlaceHolder 4"/>
+          <p:cNvSpPr>
+            <a:spLocks noGrp="1"/>
+          </p:cNvSpPr>
+          <p:nvPr>
+            <p:ph type="body"/>
+          </p:nvPr>
+        </p:nvSpPr>
+        <p:spPr>
+          <a:xfrm>
+            <a:off x="5152680" y="4058640"/>
+            <a:ext cx="4426920" cy="2090880"/>
+          </a:xfrm>
+          <a:prstGeom prst="rect">
+            <a:avLst/>
+          </a:prstGeom>
+        </p:spPr>
+        <p:txBody>
+          <a:bodyPr lIns="0" rIns="0" tIns="0" bIns="0"/>
+          <a:p>
+            <a:endParaRPr/>
+          </a:p>
+        </p:txBody>
+      </p:sp>
+      <p:sp>
+        <p:nvSpPr>
+          <p:cNvPr id="30" name="PlaceHolder 5"/>
+          <p:cNvSpPr>
+            <a:spLocks noGrp="1"/>
+          </p:cNvSpPr>
+          <p:nvPr>
+            <p:ph type="body"/>
+          </p:nvPr>
+        </p:nvSpPr>
+        <p:spPr>
+          <a:xfrm>
+            <a:off x="504000" y="4058640"/>
+            <a:ext cx="4426920" cy="2090880"/>
           </a:xfrm>
           <a:prstGeom prst="rect">
             <a:avLst/>
@@ -309,7 +311,7 @@
       </p:grpSpPr>
       <p:sp>
         <p:nvSpPr>
-          <p:cNvPr id="34" name="PlaceHolder 1"/>
+          <p:cNvPr id="31" name="PlaceHolder 1"/>
           <p:cNvSpPr>
             <a:spLocks noGrp="1"/>
           </p:cNvSpPr>
@@ -320,7 +322,7 @@
         <p:spPr>
           <a:xfrm>
             <a:off x="504000" y="301320"/>
-            <a:ext cx="9071640" cy="1262160"/>
+            <a:ext cx="9072000" cy="1261800"/>
           </a:xfrm>
           <a:prstGeom prst="rect">
             <a:avLst/>
@@ -336,44 +338,44 @@
       </p:sp>
       <p:sp>
         <p:nvSpPr>
-          <p:cNvPr id="35" name="PlaceHolder 2"/>
-          <p:cNvSpPr>
-            <a:spLocks noGrp="1"/>
-          </p:cNvSpPr>
-          <p:nvPr>
-            <p:ph type="body"/>
-          </p:nvPr>
-        </p:nvSpPr>
-        <p:spPr>
-          <a:xfrm>
-            <a:off x="504000" y="1769040"/>
-            <a:ext cx="9071640" cy="4384440"/>
-          </a:xfrm>
-          <a:prstGeom prst="rect">
-            <a:avLst/>
-          </a:prstGeom>
-        </p:spPr>
-        <p:txBody>
-          <a:bodyPr lIns="0" rIns="0" tIns="0" bIns="0"/>
-          <a:p>
-            <a:endParaRPr/>
-          </a:p>
-        </p:txBody>
-      </p:sp>
-      <p:sp>
-        <p:nvSpPr>
-          <p:cNvPr id="36" name="PlaceHolder 3"/>
-          <p:cNvSpPr>
-            <a:spLocks noGrp="1"/>
-          </p:cNvSpPr>
-          <p:nvPr>
-            <p:ph type="body"/>
-          </p:nvPr>
-        </p:nvSpPr>
-        <p:spPr>
-          <a:xfrm>
-            <a:off x="504000" y="1769040"/>
-            <a:ext cx="9071640" cy="4384440"/>
+          <p:cNvPr id="32" name="PlaceHolder 2"/>
+          <p:cNvSpPr>
+            <a:spLocks noGrp="1"/>
+          </p:cNvSpPr>
+          <p:nvPr>
+            <p:ph type="body"/>
+          </p:nvPr>
+        </p:nvSpPr>
+        <p:spPr>
+          <a:xfrm>
+            <a:off x="504000" y="1768680"/>
+            <a:ext cx="9072000" cy="4384080"/>
+          </a:xfrm>
+          <a:prstGeom prst="rect">
+            <a:avLst/>
+          </a:prstGeom>
+        </p:spPr>
+        <p:txBody>
+          <a:bodyPr lIns="0" rIns="0" tIns="0" bIns="0"/>
+          <a:p>
+            <a:endParaRPr/>
+          </a:p>
+        </p:txBody>
+      </p:sp>
+      <p:sp>
+        <p:nvSpPr>
+          <p:cNvPr id="33" name="PlaceHolder 3"/>
+          <p:cNvSpPr>
+            <a:spLocks noGrp="1"/>
+          </p:cNvSpPr>
+          <p:nvPr>
+            <p:ph type="body"/>
+          </p:nvPr>
+        </p:nvSpPr>
+        <p:spPr>
+          <a:xfrm>
+            <a:off x="504000" y="1768680"/>
+            <a:ext cx="9072000" cy="4384080"/>
           </a:xfrm>
           <a:prstGeom prst="rect">
             <a:avLst/>
@@ -388,7 +390,7 @@
       </p:sp>
       <p:pic>
         <p:nvPicPr>
-          <p:cNvPr id="37" name="" descr=""/>
+          <p:cNvPr id="34" name="" descr=""/>
           <p:cNvPicPr/>
           <p:nvPr/>
         </p:nvPicPr>
@@ -398,8 +400,8 @@
         </p:blipFill>
         <p:spPr>
           <a:xfrm>
-            <a:off x="2292120" y="1768680"/>
-            <a:ext cx="5495040" cy="4384440"/>
+            <a:off x="2292480" y="1768680"/>
+            <a:ext cx="5494680" cy="4384080"/>
           </a:xfrm>
           <a:prstGeom prst="rect">
             <a:avLst/>
@@ -411,7 +413,7 @@
       </p:pic>
       <p:pic>
         <p:nvPicPr>
-          <p:cNvPr id="38" name="" descr=""/>
+          <p:cNvPr id="35" name="" descr=""/>
           <p:cNvPicPr/>
           <p:nvPr/>
         </p:nvPicPr>
@@ -421,8 +423,8 @@
         </p:blipFill>
         <p:spPr>
           <a:xfrm>
-            <a:off x="2292120" y="1768680"/>
-            <a:ext cx="5495040" cy="4384440"/>
+            <a:off x="2292480" y="1768680"/>
+            <a:ext cx="5494680" cy="4384080"/>
           </a:xfrm>
           <a:prstGeom prst="rect">
             <a:avLst/>
@@ -432,6 +434,505 @@
           </a:ln>
         </p:spPr>
       </p:pic>
+    </p:spTree>
+  </p:cSld>
+</p:sldLayout>
+</file>
+
+<file path=ppt/slideLayouts/slideLayout13.xml><?xml version="1.0" encoding="utf-8"?>
+<p:sldLayout xmlns:a="http://schemas.openxmlformats.org/drawingml/2006/main" xmlns:p="http://schemas.openxmlformats.org/presentationml/2006/main" xmlns:r="http://schemas.openxmlformats.org/officeDocument/2006/relationships" type="blank" preserve="1">
+  <p:cSld name="Blank Slide">
+    <p:spTree>
+      <p:nvGrpSpPr>
+        <p:cNvPr id="1" name=""/>
+        <p:cNvGrpSpPr/>
+        <p:nvPr/>
+      </p:nvGrpSpPr>
+      <p:grpSpPr>
+        <a:xfrm>
+          <a:off x="0" y="0"/>
+          <a:ext cx="0" cy="0"/>
+          <a:chOff x="0" y="0"/>
+          <a:chExt cx="0" cy="0"/>
+        </a:xfrm>
+      </p:grpSpPr>
+    </p:spTree>
+  </p:cSld>
+</p:sldLayout>
+</file>
+
+<file path=ppt/slideLayouts/slideLayout14.xml><?xml version="1.0" encoding="utf-8"?>
+<p:sldLayout xmlns:a="http://schemas.openxmlformats.org/drawingml/2006/main" xmlns:p="http://schemas.openxmlformats.org/presentationml/2006/main" xmlns:r="http://schemas.openxmlformats.org/officeDocument/2006/relationships" type="tx" preserve="1">
+  <p:cSld name="Title Slide">
+    <p:spTree>
+      <p:nvGrpSpPr>
+        <p:cNvPr id="1" name=""/>
+        <p:cNvGrpSpPr/>
+        <p:nvPr/>
+      </p:nvGrpSpPr>
+      <p:grpSpPr>
+        <a:xfrm>
+          <a:off x="0" y="0"/>
+          <a:ext cx="0" cy="0"/>
+          <a:chOff x="0" y="0"/>
+          <a:chExt cx="0" cy="0"/>
+        </a:xfrm>
+      </p:grpSpPr>
+      <p:sp>
+        <p:nvSpPr>
+          <p:cNvPr id="38" name="PlaceHolder 1"/>
+          <p:cNvSpPr>
+            <a:spLocks noGrp="1"/>
+          </p:cNvSpPr>
+          <p:nvPr>
+            <p:ph type="title"/>
+          </p:nvPr>
+        </p:nvSpPr>
+        <p:spPr>
+          <a:xfrm>
+            <a:off x="504000" y="301320"/>
+            <a:ext cx="9072000" cy="1261800"/>
+          </a:xfrm>
+          <a:prstGeom prst="rect">
+            <a:avLst/>
+          </a:prstGeom>
+        </p:spPr>
+        <p:txBody>
+          <a:bodyPr lIns="0" rIns="0" tIns="0" bIns="0" anchor="ctr"/>
+          <a:p>
+            <a:pPr algn="ctr"/>
+            <a:endParaRPr/>
+          </a:p>
+        </p:txBody>
+      </p:sp>
+      <p:sp>
+        <p:nvSpPr>
+          <p:cNvPr id="39" name="PlaceHolder 2"/>
+          <p:cNvSpPr>
+            <a:spLocks noGrp="1"/>
+          </p:cNvSpPr>
+          <p:nvPr>
+            <p:ph type="subTitle"/>
+          </p:nvPr>
+        </p:nvSpPr>
+        <p:spPr>
+          <a:xfrm>
+            <a:off x="504000" y="1768680"/>
+            <a:ext cx="9072000" cy="4384080"/>
+          </a:xfrm>
+          <a:prstGeom prst="rect">
+            <a:avLst/>
+          </a:prstGeom>
+        </p:spPr>
+        <p:txBody>
+          <a:bodyPr lIns="0" rIns="0" tIns="0" bIns="0" anchor="ctr"/>
+          <a:p>
+            <a:pPr algn="ctr"/>
+            <a:endParaRPr/>
+          </a:p>
+        </p:txBody>
+      </p:sp>
+    </p:spTree>
+  </p:cSld>
+</p:sldLayout>
+</file>
+
+<file path=ppt/slideLayouts/slideLayout15.xml><?xml version="1.0" encoding="utf-8"?>
+<p:sldLayout xmlns:a="http://schemas.openxmlformats.org/drawingml/2006/main" xmlns:p="http://schemas.openxmlformats.org/presentationml/2006/main" xmlns:r="http://schemas.openxmlformats.org/officeDocument/2006/relationships" type="obj" preserve="1">
+  <p:cSld name="Title, Content">
+    <p:spTree>
+      <p:nvGrpSpPr>
+        <p:cNvPr id="1" name=""/>
+        <p:cNvGrpSpPr/>
+        <p:nvPr/>
+      </p:nvGrpSpPr>
+      <p:grpSpPr>
+        <a:xfrm>
+          <a:off x="0" y="0"/>
+          <a:ext cx="0" cy="0"/>
+          <a:chOff x="0" y="0"/>
+          <a:chExt cx="0" cy="0"/>
+        </a:xfrm>
+      </p:grpSpPr>
+      <p:sp>
+        <p:nvSpPr>
+          <p:cNvPr id="40" name="PlaceHolder 1"/>
+          <p:cNvSpPr>
+            <a:spLocks noGrp="1"/>
+          </p:cNvSpPr>
+          <p:nvPr>
+            <p:ph type="title"/>
+          </p:nvPr>
+        </p:nvSpPr>
+        <p:spPr>
+          <a:xfrm>
+            <a:off x="504000" y="301320"/>
+            <a:ext cx="9072000" cy="1261800"/>
+          </a:xfrm>
+          <a:prstGeom prst="rect">
+            <a:avLst/>
+          </a:prstGeom>
+        </p:spPr>
+        <p:txBody>
+          <a:bodyPr lIns="0" rIns="0" tIns="0" bIns="0" anchor="ctr"/>
+          <a:p>
+            <a:pPr algn="ctr"/>
+            <a:endParaRPr/>
+          </a:p>
+        </p:txBody>
+      </p:sp>
+      <p:sp>
+        <p:nvSpPr>
+          <p:cNvPr id="41" name="PlaceHolder 2"/>
+          <p:cNvSpPr>
+            <a:spLocks noGrp="1"/>
+          </p:cNvSpPr>
+          <p:nvPr>
+            <p:ph type="body"/>
+          </p:nvPr>
+        </p:nvSpPr>
+        <p:spPr>
+          <a:xfrm>
+            <a:off x="504000" y="1768680"/>
+            <a:ext cx="9072000" cy="4384080"/>
+          </a:xfrm>
+          <a:prstGeom prst="rect">
+            <a:avLst/>
+          </a:prstGeom>
+        </p:spPr>
+        <p:txBody>
+          <a:bodyPr lIns="0" rIns="0" tIns="0" bIns="0"/>
+          <a:p>
+            <a:endParaRPr/>
+          </a:p>
+        </p:txBody>
+      </p:sp>
+    </p:spTree>
+  </p:cSld>
+</p:sldLayout>
+</file>
+
+<file path=ppt/slideLayouts/slideLayout16.xml><?xml version="1.0" encoding="utf-8"?>
+<p:sldLayout xmlns:a="http://schemas.openxmlformats.org/drawingml/2006/main" xmlns:p="http://schemas.openxmlformats.org/presentationml/2006/main" xmlns:r="http://schemas.openxmlformats.org/officeDocument/2006/relationships" type="twoObj" preserve="1">
+  <p:cSld name="Title, 2 Content">
+    <p:spTree>
+      <p:nvGrpSpPr>
+        <p:cNvPr id="1" name=""/>
+        <p:cNvGrpSpPr/>
+        <p:nvPr/>
+      </p:nvGrpSpPr>
+      <p:grpSpPr>
+        <a:xfrm>
+          <a:off x="0" y="0"/>
+          <a:ext cx="0" cy="0"/>
+          <a:chOff x="0" y="0"/>
+          <a:chExt cx="0" cy="0"/>
+        </a:xfrm>
+      </p:grpSpPr>
+      <p:sp>
+        <p:nvSpPr>
+          <p:cNvPr id="42" name="PlaceHolder 1"/>
+          <p:cNvSpPr>
+            <a:spLocks noGrp="1"/>
+          </p:cNvSpPr>
+          <p:nvPr>
+            <p:ph type="title"/>
+          </p:nvPr>
+        </p:nvSpPr>
+        <p:spPr>
+          <a:xfrm>
+            <a:off x="504000" y="301320"/>
+            <a:ext cx="9072000" cy="1261800"/>
+          </a:xfrm>
+          <a:prstGeom prst="rect">
+            <a:avLst/>
+          </a:prstGeom>
+        </p:spPr>
+        <p:txBody>
+          <a:bodyPr lIns="0" rIns="0" tIns="0" bIns="0" anchor="ctr"/>
+          <a:p>
+            <a:pPr algn="ctr"/>
+            <a:endParaRPr/>
+          </a:p>
+        </p:txBody>
+      </p:sp>
+      <p:sp>
+        <p:nvSpPr>
+          <p:cNvPr id="43" name="PlaceHolder 2"/>
+          <p:cNvSpPr>
+            <a:spLocks noGrp="1"/>
+          </p:cNvSpPr>
+          <p:nvPr>
+            <p:ph type="body"/>
+          </p:nvPr>
+        </p:nvSpPr>
+        <p:spPr>
+          <a:xfrm>
+            <a:off x="504000" y="1768680"/>
+            <a:ext cx="4426920" cy="4384080"/>
+          </a:xfrm>
+          <a:prstGeom prst="rect">
+            <a:avLst/>
+          </a:prstGeom>
+        </p:spPr>
+        <p:txBody>
+          <a:bodyPr lIns="0" rIns="0" tIns="0" bIns="0"/>
+          <a:p>
+            <a:endParaRPr/>
+          </a:p>
+        </p:txBody>
+      </p:sp>
+      <p:sp>
+        <p:nvSpPr>
+          <p:cNvPr id="44" name="PlaceHolder 3"/>
+          <p:cNvSpPr>
+            <a:spLocks noGrp="1"/>
+          </p:cNvSpPr>
+          <p:nvPr>
+            <p:ph type="body"/>
+          </p:nvPr>
+        </p:nvSpPr>
+        <p:spPr>
+          <a:xfrm>
+            <a:off x="5152680" y="1768680"/>
+            <a:ext cx="4426920" cy="4384080"/>
+          </a:xfrm>
+          <a:prstGeom prst="rect">
+            <a:avLst/>
+          </a:prstGeom>
+        </p:spPr>
+        <p:txBody>
+          <a:bodyPr lIns="0" rIns="0" tIns="0" bIns="0"/>
+          <a:p>
+            <a:endParaRPr/>
+          </a:p>
+        </p:txBody>
+      </p:sp>
+    </p:spTree>
+  </p:cSld>
+</p:sldLayout>
+</file>
+
+<file path=ppt/slideLayouts/slideLayout17.xml><?xml version="1.0" encoding="utf-8"?>
+<p:sldLayout xmlns:a="http://schemas.openxmlformats.org/drawingml/2006/main" xmlns:p="http://schemas.openxmlformats.org/presentationml/2006/main" xmlns:r="http://schemas.openxmlformats.org/officeDocument/2006/relationships" type="titleOnly" preserve="1">
+  <p:cSld name="Title Only">
+    <p:spTree>
+      <p:nvGrpSpPr>
+        <p:cNvPr id="1" name=""/>
+        <p:cNvGrpSpPr/>
+        <p:nvPr/>
+      </p:nvGrpSpPr>
+      <p:grpSpPr>
+        <a:xfrm>
+          <a:off x="0" y="0"/>
+          <a:ext cx="0" cy="0"/>
+          <a:chOff x="0" y="0"/>
+          <a:chExt cx="0" cy="0"/>
+        </a:xfrm>
+      </p:grpSpPr>
+      <p:sp>
+        <p:nvSpPr>
+          <p:cNvPr id="45" name="PlaceHolder 1"/>
+          <p:cNvSpPr>
+            <a:spLocks noGrp="1"/>
+          </p:cNvSpPr>
+          <p:nvPr>
+            <p:ph type="title"/>
+          </p:nvPr>
+        </p:nvSpPr>
+        <p:spPr>
+          <a:xfrm>
+            <a:off x="504000" y="301320"/>
+            <a:ext cx="9072000" cy="1261800"/>
+          </a:xfrm>
+          <a:prstGeom prst="rect">
+            <a:avLst/>
+          </a:prstGeom>
+        </p:spPr>
+        <p:txBody>
+          <a:bodyPr lIns="0" rIns="0" tIns="0" bIns="0" anchor="ctr"/>
+          <a:p>
+            <a:pPr algn="ctr"/>
+            <a:endParaRPr/>
+          </a:p>
+        </p:txBody>
+      </p:sp>
+    </p:spTree>
+  </p:cSld>
+</p:sldLayout>
+</file>
+
+<file path=ppt/slideLayouts/slideLayout18.xml><?xml version="1.0" encoding="utf-8"?>
+<p:sldLayout xmlns:a="http://schemas.openxmlformats.org/drawingml/2006/main" xmlns:p="http://schemas.openxmlformats.org/presentationml/2006/main" xmlns:r="http://schemas.openxmlformats.org/officeDocument/2006/relationships" type="objOnly" preserve="1">
+  <p:cSld name="Centered Text">
+    <p:spTree>
+      <p:nvGrpSpPr>
+        <p:cNvPr id="1" name=""/>
+        <p:cNvGrpSpPr/>
+        <p:nvPr/>
+      </p:nvGrpSpPr>
+      <p:grpSpPr>
+        <a:xfrm>
+          <a:off x="0" y="0"/>
+          <a:ext cx="0" cy="0"/>
+          <a:chOff x="0" y="0"/>
+          <a:chExt cx="0" cy="0"/>
+        </a:xfrm>
+      </p:grpSpPr>
+      <p:sp>
+        <p:nvSpPr>
+          <p:cNvPr id="46" name="PlaceHolder 1"/>
+          <p:cNvSpPr>
+            <a:spLocks noGrp="1"/>
+          </p:cNvSpPr>
+          <p:nvPr>
+            <p:ph type="subTitle"/>
+          </p:nvPr>
+        </p:nvSpPr>
+        <p:spPr>
+          <a:xfrm>
+            <a:off x="504000" y="301320"/>
+            <a:ext cx="9072000" cy="5850360"/>
+          </a:xfrm>
+          <a:prstGeom prst="rect">
+            <a:avLst/>
+          </a:prstGeom>
+        </p:spPr>
+        <p:txBody>
+          <a:bodyPr lIns="0" rIns="0" tIns="0" bIns="0" anchor="ctr"/>
+          <a:p>
+            <a:pPr algn="ctr"/>
+            <a:endParaRPr/>
+          </a:p>
+        </p:txBody>
+      </p:sp>
+    </p:spTree>
+  </p:cSld>
+</p:sldLayout>
+</file>
+
+<file path=ppt/slideLayouts/slideLayout19.xml><?xml version="1.0" encoding="utf-8"?>
+<p:sldLayout xmlns:a="http://schemas.openxmlformats.org/drawingml/2006/main" xmlns:p="http://schemas.openxmlformats.org/presentationml/2006/main" xmlns:r="http://schemas.openxmlformats.org/officeDocument/2006/relationships" type="twoObjAndObj" preserve="1">
+  <p:cSld name="Title, 2 Content and Content">
+    <p:spTree>
+      <p:nvGrpSpPr>
+        <p:cNvPr id="1" name=""/>
+        <p:cNvGrpSpPr/>
+        <p:nvPr/>
+      </p:nvGrpSpPr>
+      <p:grpSpPr>
+        <a:xfrm>
+          <a:off x="0" y="0"/>
+          <a:ext cx="0" cy="0"/>
+          <a:chOff x="0" y="0"/>
+          <a:chExt cx="0" cy="0"/>
+        </a:xfrm>
+      </p:grpSpPr>
+      <p:sp>
+        <p:nvSpPr>
+          <p:cNvPr id="47" name="PlaceHolder 1"/>
+          <p:cNvSpPr>
+            <a:spLocks noGrp="1"/>
+          </p:cNvSpPr>
+          <p:nvPr>
+            <p:ph type="title"/>
+          </p:nvPr>
+        </p:nvSpPr>
+        <p:spPr>
+          <a:xfrm>
+            <a:off x="504000" y="301320"/>
+            <a:ext cx="9072000" cy="1261800"/>
+          </a:xfrm>
+          <a:prstGeom prst="rect">
+            <a:avLst/>
+          </a:prstGeom>
+        </p:spPr>
+        <p:txBody>
+          <a:bodyPr lIns="0" rIns="0" tIns="0" bIns="0" anchor="ctr"/>
+          <a:p>
+            <a:pPr algn="ctr"/>
+            <a:endParaRPr/>
+          </a:p>
+        </p:txBody>
+      </p:sp>
+      <p:sp>
+        <p:nvSpPr>
+          <p:cNvPr id="48" name="PlaceHolder 2"/>
+          <p:cNvSpPr>
+            <a:spLocks noGrp="1"/>
+          </p:cNvSpPr>
+          <p:nvPr>
+            <p:ph type="body"/>
+          </p:nvPr>
+        </p:nvSpPr>
+        <p:spPr>
+          <a:xfrm>
+            <a:off x="504000" y="1768680"/>
+            <a:ext cx="4426920" cy="2090880"/>
+          </a:xfrm>
+          <a:prstGeom prst="rect">
+            <a:avLst/>
+          </a:prstGeom>
+        </p:spPr>
+        <p:txBody>
+          <a:bodyPr lIns="0" rIns="0" tIns="0" bIns="0"/>
+          <a:p>
+            <a:endParaRPr/>
+          </a:p>
+        </p:txBody>
+      </p:sp>
+      <p:sp>
+        <p:nvSpPr>
+          <p:cNvPr id="49" name="PlaceHolder 3"/>
+          <p:cNvSpPr>
+            <a:spLocks noGrp="1"/>
+          </p:cNvSpPr>
+          <p:nvPr>
+            <p:ph type="body"/>
+          </p:nvPr>
+        </p:nvSpPr>
+        <p:spPr>
+          <a:xfrm>
+            <a:off x="504000" y="4058640"/>
+            <a:ext cx="4426920" cy="2090880"/>
+          </a:xfrm>
+          <a:prstGeom prst="rect">
+            <a:avLst/>
+          </a:prstGeom>
+        </p:spPr>
+        <p:txBody>
+          <a:bodyPr lIns="0" rIns="0" tIns="0" bIns="0"/>
+          <a:p>
+            <a:endParaRPr/>
+          </a:p>
+        </p:txBody>
+      </p:sp>
+      <p:sp>
+        <p:nvSpPr>
+          <p:cNvPr id="50" name="PlaceHolder 4"/>
+          <p:cNvSpPr>
+            <a:spLocks noGrp="1"/>
+          </p:cNvSpPr>
+          <p:nvPr>
+            <p:ph type="body"/>
+          </p:nvPr>
+        </p:nvSpPr>
+        <p:spPr>
+          <a:xfrm>
+            <a:off x="5152680" y="1768680"/>
+            <a:ext cx="4426920" cy="4384080"/>
+          </a:xfrm>
+          <a:prstGeom prst="rect">
+            <a:avLst/>
+          </a:prstGeom>
+        </p:spPr>
+        <p:txBody>
+          <a:bodyPr lIns="0" rIns="0" tIns="0" bIns="0"/>
+          <a:p>
+            <a:endParaRPr/>
+          </a:p>
+        </p:txBody>
+      </p:sp>
     </p:spTree>
   </p:cSld>
 </p:sldLayout>
@@ -456,7 +957,7 @@
       </p:grpSpPr>
       <p:sp>
         <p:nvSpPr>
-          <p:cNvPr id="5" name="PlaceHolder 1"/>
+          <p:cNvPr id="2" name="PlaceHolder 1"/>
           <p:cNvSpPr>
             <a:spLocks noGrp="1"/>
           </p:cNvSpPr>
@@ -467,7 +968,7 @@
         <p:spPr>
           <a:xfrm>
             <a:off x="504000" y="301320"/>
-            <a:ext cx="9071640" cy="1262160"/>
+            <a:ext cx="9072000" cy="1261800"/>
           </a:xfrm>
           <a:prstGeom prst="rect">
             <a:avLst/>
@@ -483,7 +984,7 @@
       </p:sp>
       <p:sp>
         <p:nvSpPr>
-          <p:cNvPr id="6" name="PlaceHolder 2"/>
+          <p:cNvPr id="3" name="PlaceHolder 2"/>
           <p:cNvSpPr>
             <a:spLocks noGrp="1"/>
           </p:cNvSpPr>
@@ -493,8 +994,986 @@
         </p:nvSpPr>
         <p:spPr>
           <a:xfrm>
-            <a:off x="504000" y="1769040"/>
-            <a:ext cx="9071640" cy="4384440"/>
+            <a:off x="504000" y="1768680"/>
+            <a:ext cx="9072000" cy="4384080"/>
+          </a:xfrm>
+          <a:prstGeom prst="rect">
+            <a:avLst/>
+          </a:prstGeom>
+        </p:spPr>
+        <p:txBody>
+          <a:bodyPr lIns="0" rIns="0" tIns="0" bIns="0" anchor="ctr"/>
+          <a:p>
+            <a:pPr algn="ctr"/>
+            <a:endParaRPr/>
+          </a:p>
+        </p:txBody>
+      </p:sp>
+    </p:spTree>
+  </p:cSld>
+</p:sldLayout>
+</file>
+
+<file path=ppt/slideLayouts/slideLayout20.xml><?xml version="1.0" encoding="utf-8"?>
+<p:sldLayout xmlns:a="http://schemas.openxmlformats.org/drawingml/2006/main" xmlns:p="http://schemas.openxmlformats.org/presentationml/2006/main" xmlns:r="http://schemas.openxmlformats.org/officeDocument/2006/relationships" type="objAndTwoObj" preserve="1">
+  <p:cSld name="Title Content and 2 Content">
+    <p:spTree>
+      <p:nvGrpSpPr>
+        <p:cNvPr id="1" name=""/>
+        <p:cNvGrpSpPr/>
+        <p:nvPr/>
+      </p:nvGrpSpPr>
+      <p:grpSpPr>
+        <a:xfrm>
+          <a:off x="0" y="0"/>
+          <a:ext cx="0" cy="0"/>
+          <a:chOff x="0" y="0"/>
+          <a:chExt cx="0" cy="0"/>
+        </a:xfrm>
+      </p:grpSpPr>
+      <p:sp>
+        <p:nvSpPr>
+          <p:cNvPr id="51" name="PlaceHolder 1"/>
+          <p:cNvSpPr>
+            <a:spLocks noGrp="1"/>
+          </p:cNvSpPr>
+          <p:nvPr>
+            <p:ph type="title"/>
+          </p:nvPr>
+        </p:nvSpPr>
+        <p:spPr>
+          <a:xfrm>
+            <a:off x="504000" y="301320"/>
+            <a:ext cx="9072000" cy="1261800"/>
+          </a:xfrm>
+          <a:prstGeom prst="rect">
+            <a:avLst/>
+          </a:prstGeom>
+        </p:spPr>
+        <p:txBody>
+          <a:bodyPr lIns="0" rIns="0" tIns="0" bIns="0" anchor="ctr"/>
+          <a:p>
+            <a:pPr algn="ctr"/>
+            <a:endParaRPr/>
+          </a:p>
+        </p:txBody>
+      </p:sp>
+      <p:sp>
+        <p:nvSpPr>
+          <p:cNvPr id="52" name="PlaceHolder 2"/>
+          <p:cNvSpPr>
+            <a:spLocks noGrp="1"/>
+          </p:cNvSpPr>
+          <p:nvPr>
+            <p:ph type="body"/>
+          </p:nvPr>
+        </p:nvSpPr>
+        <p:spPr>
+          <a:xfrm>
+            <a:off x="504000" y="1768680"/>
+            <a:ext cx="4426920" cy="4384080"/>
+          </a:xfrm>
+          <a:prstGeom prst="rect">
+            <a:avLst/>
+          </a:prstGeom>
+        </p:spPr>
+        <p:txBody>
+          <a:bodyPr lIns="0" rIns="0" tIns="0" bIns="0"/>
+          <a:p>
+            <a:endParaRPr/>
+          </a:p>
+        </p:txBody>
+      </p:sp>
+      <p:sp>
+        <p:nvSpPr>
+          <p:cNvPr id="53" name="PlaceHolder 3"/>
+          <p:cNvSpPr>
+            <a:spLocks noGrp="1"/>
+          </p:cNvSpPr>
+          <p:nvPr>
+            <p:ph type="body"/>
+          </p:nvPr>
+        </p:nvSpPr>
+        <p:spPr>
+          <a:xfrm>
+            <a:off x="5152680" y="1768680"/>
+            <a:ext cx="4426920" cy="2090880"/>
+          </a:xfrm>
+          <a:prstGeom prst="rect">
+            <a:avLst/>
+          </a:prstGeom>
+        </p:spPr>
+        <p:txBody>
+          <a:bodyPr lIns="0" rIns="0" tIns="0" bIns="0"/>
+          <a:p>
+            <a:endParaRPr/>
+          </a:p>
+        </p:txBody>
+      </p:sp>
+      <p:sp>
+        <p:nvSpPr>
+          <p:cNvPr id="54" name="PlaceHolder 4"/>
+          <p:cNvSpPr>
+            <a:spLocks noGrp="1"/>
+          </p:cNvSpPr>
+          <p:nvPr>
+            <p:ph type="body"/>
+          </p:nvPr>
+        </p:nvSpPr>
+        <p:spPr>
+          <a:xfrm>
+            <a:off x="5152680" y="4058640"/>
+            <a:ext cx="4426920" cy="2090880"/>
+          </a:xfrm>
+          <a:prstGeom prst="rect">
+            <a:avLst/>
+          </a:prstGeom>
+        </p:spPr>
+        <p:txBody>
+          <a:bodyPr lIns="0" rIns="0" tIns="0" bIns="0"/>
+          <a:p>
+            <a:endParaRPr/>
+          </a:p>
+        </p:txBody>
+      </p:sp>
+    </p:spTree>
+  </p:cSld>
+</p:sldLayout>
+</file>
+
+<file path=ppt/slideLayouts/slideLayout21.xml><?xml version="1.0" encoding="utf-8"?>
+<p:sldLayout xmlns:a="http://schemas.openxmlformats.org/drawingml/2006/main" xmlns:p="http://schemas.openxmlformats.org/presentationml/2006/main" xmlns:r="http://schemas.openxmlformats.org/officeDocument/2006/relationships" type="twoObjOverTx" preserve="1">
+  <p:cSld name="Title, 2 Content over Content">
+    <p:spTree>
+      <p:nvGrpSpPr>
+        <p:cNvPr id="1" name=""/>
+        <p:cNvGrpSpPr/>
+        <p:nvPr/>
+      </p:nvGrpSpPr>
+      <p:grpSpPr>
+        <a:xfrm>
+          <a:off x="0" y="0"/>
+          <a:ext cx="0" cy="0"/>
+          <a:chOff x="0" y="0"/>
+          <a:chExt cx="0" cy="0"/>
+        </a:xfrm>
+      </p:grpSpPr>
+      <p:sp>
+        <p:nvSpPr>
+          <p:cNvPr id="55" name="PlaceHolder 1"/>
+          <p:cNvSpPr>
+            <a:spLocks noGrp="1"/>
+          </p:cNvSpPr>
+          <p:nvPr>
+            <p:ph type="title"/>
+          </p:nvPr>
+        </p:nvSpPr>
+        <p:spPr>
+          <a:xfrm>
+            <a:off x="504000" y="301320"/>
+            <a:ext cx="9072000" cy="1261800"/>
+          </a:xfrm>
+          <a:prstGeom prst="rect">
+            <a:avLst/>
+          </a:prstGeom>
+        </p:spPr>
+        <p:txBody>
+          <a:bodyPr lIns="0" rIns="0" tIns="0" bIns="0" anchor="ctr"/>
+          <a:p>
+            <a:pPr algn="ctr"/>
+            <a:endParaRPr/>
+          </a:p>
+        </p:txBody>
+      </p:sp>
+      <p:sp>
+        <p:nvSpPr>
+          <p:cNvPr id="56" name="PlaceHolder 2"/>
+          <p:cNvSpPr>
+            <a:spLocks noGrp="1"/>
+          </p:cNvSpPr>
+          <p:nvPr>
+            <p:ph type="body"/>
+          </p:nvPr>
+        </p:nvSpPr>
+        <p:spPr>
+          <a:xfrm>
+            <a:off x="504000" y="1768680"/>
+            <a:ext cx="4426920" cy="2090880"/>
+          </a:xfrm>
+          <a:prstGeom prst="rect">
+            <a:avLst/>
+          </a:prstGeom>
+        </p:spPr>
+        <p:txBody>
+          <a:bodyPr lIns="0" rIns="0" tIns="0" bIns="0"/>
+          <a:p>
+            <a:endParaRPr/>
+          </a:p>
+        </p:txBody>
+      </p:sp>
+      <p:sp>
+        <p:nvSpPr>
+          <p:cNvPr id="57" name="PlaceHolder 3"/>
+          <p:cNvSpPr>
+            <a:spLocks noGrp="1"/>
+          </p:cNvSpPr>
+          <p:nvPr>
+            <p:ph type="body"/>
+          </p:nvPr>
+        </p:nvSpPr>
+        <p:spPr>
+          <a:xfrm>
+            <a:off x="5152680" y="1768680"/>
+            <a:ext cx="4426920" cy="2090880"/>
+          </a:xfrm>
+          <a:prstGeom prst="rect">
+            <a:avLst/>
+          </a:prstGeom>
+        </p:spPr>
+        <p:txBody>
+          <a:bodyPr lIns="0" rIns="0" tIns="0" bIns="0"/>
+          <a:p>
+            <a:endParaRPr/>
+          </a:p>
+        </p:txBody>
+      </p:sp>
+      <p:sp>
+        <p:nvSpPr>
+          <p:cNvPr id="58" name="PlaceHolder 4"/>
+          <p:cNvSpPr>
+            <a:spLocks noGrp="1"/>
+          </p:cNvSpPr>
+          <p:nvPr>
+            <p:ph type="body"/>
+          </p:nvPr>
+        </p:nvSpPr>
+        <p:spPr>
+          <a:xfrm>
+            <a:off x="504000" y="4058640"/>
+            <a:ext cx="9072000" cy="2090880"/>
+          </a:xfrm>
+          <a:prstGeom prst="rect">
+            <a:avLst/>
+          </a:prstGeom>
+        </p:spPr>
+        <p:txBody>
+          <a:bodyPr lIns="0" rIns="0" tIns="0" bIns="0"/>
+          <a:p>
+            <a:endParaRPr/>
+          </a:p>
+        </p:txBody>
+      </p:sp>
+    </p:spTree>
+  </p:cSld>
+</p:sldLayout>
+</file>
+
+<file path=ppt/slideLayouts/slideLayout22.xml><?xml version="1.0" encoding="utf-8"?>
+<p:sldLayout xmlns:a="http://schemas.openxmlformats.org/drawingml/2006/main" xmlns:p="http://schemas.openxmlformats.org/presentationml/2006/main" xmlns:r="http://schemas.openxmlformats.org/officeDocument/2006/relationships" type="objOverTx" preserve="1">
+  <p:cSld name="Title, Content over Content">
+    <p:spTree>
+      <p:nvGrpSpPr>
+        <p:cNvPr id="1" name=""/>
+        <p:cNvGrpSpPr/>
+        <p:nvPr/>
+      </p:nvGrpSpPr>
+      <p:grpSpPr>
+        <a:xfrm>
+          <a:off x="0" y="0"/>
+          <a:ext cx="0" cy="0"/>
+          <a:chOff x="0" y="0"/>
+          <a:chExt cx="0" cy="0"/>
+        </a:xfrm>
+      </p:grpSpPr>
+      <p:sp>
+        <p:nvSpPr>
+          <p:cNvPr id="59" name="PlaceHolder 1"/>
+          <p:cNvSpPr>
+            <a:spLocks noGrp="1"/>
+          </p:cNvSpPr>
+          <p:nvPr>
+            <p:ph type="title"/>
+          </p:nvPr>
+        </p:nvSpPr>
+        <p:spPr>
+          <a:xfrm>
+            <a:off x="504000" y="301320"/>
+            <a:ext cx="9072000" cy="1261800"/>
+          </a:xfrm>
+          <a:prstGeom prst="rect">
+            <a:avLst/>
+          </a:prstGeom>
+        </p:spPr>
+        <p:txBody>
+          <a:bodyPr lIns="0" rIns="0" tIns="0" bIns="0" anchor="ctr"/>
+          <a:p>
+            <a:pPr algn="ctr"/>
+            <a:endParaRPr/>
+          </a:p>
+        </p:txBody>
+      </p:sp>
+      <p:sp>
+        <p:nvSpPr>
+          <p:cNvPr id="60" name="PlaceHolder 2"/>
+          <p:cNvSpPr>
+            <a:spLocks noGrp="1"/>
+          </p:cNvSpPr>
+          <p:nvPr>
+            <p:ph type="body"/>
+          </p:nvPr>
+        </p:nvSpPr>
+        <p:spPr>
+          <a:xfrm>
+            <a:off x="504000" y="1768680"/>
+            <a:ext cx="9072000" cy="2090880"/>
+          </a:xfrm>
+          <a:prstGeom prst="rect">
+            <a:avLst/>
+          </a:prstGeom>
+        </p:spPr>
+        <p:txBody>
+          <a:bodyPr lIns="0" rIns="0" tIns="0" bIns="0"/>
+          <a:p>
+            <a:endParaRPr/>
+          </a:p>
+        </p:txBody>
+      </p:sp>
+      <p:sp>
+        <p:nvSpPr>
+          <p:cNvPr id="61" name="PlaceHolder 3"/>
+          <p:cNvSpPr>
+            <a:spLocks noGrp="1"/>
+          </p:cNvSpPr>
+          <p:nvPr>
+            <p:ph type="body"/>
+          </p:nvPr>
+        </p:nvSpPr>
+        <p:spPr>
+          <a:xfrm>
+            <a:off x="504000" y="4058640"/>
+            <a:ext cx="9072000" cy="2090880"/>
+          </a:xfrm>
+          <a:prstGeom prst="rect">
+            <a:avLst/>
+          </a:prstGeom>
+        </p:spPr>
+        <p:txBody>
+          <a:bodyPr lIns="0" rIns="0" tIns="0" bIns="0"/>
+          <a:p>
+            <a:endParaRPr/>
+          </a:p>
+        </p:txBody>
+      </p:sp>
+    </p:spTree>
+  </p:cSld>
+</p:sldLayout>
+</file>
+
+<file path=ppt/slideLayouts/slideLayout23.xml><?xml version="1.0" encoding="utf-8"?>
+<p:sldLayout xmlns:a="http://schemas.openxmlformats.org/drawingml/2006/main" xmlns:p="http://schemas.openxmlformats.org/presentationml/2006/main" xmlns:r="http://schemas.openxmlformats.org/officeDocument/2006/relationships" type="fourObj" preserve="1">
+  <p:cSld name="Title, 4 Content">
+    <p:spTree>
+      <p:nvGrpSpPr>
+        <p:cNvPr id="1" name=""/>
+        <p:cNvGrpSpPr/>
+        <p:nvPr/>
+      </p:nvGrpSpPr>
+      <p:grpSpPr>
+        <a:xfrm>
+          <a:off x="0" y="0"/>
+          <a:ext cx="0" cy="0"/>
+          <a:chOff x="0" y="0"/>
+          <a:chExt cx="0" cy="0"/>
+        </a:xfrm>
+      </p:grpSpPr>
+      <p:sp>
+        <p:nvSpPr>
+          <p:cNvPr id="62" name="PlaceHolder 1"/>
+          <p:cNvSpPr>
+            <a:spLocks noGrp="1"/>
+          </p:cNvSpPr>
+          <p:nvPr>
+            <p:ph type="title"/>
+          </p:nvPr>
+        </p:nvSpPr>
+        <p:spPr>
+          <a:xfrm>
+            <a:off x="504000" y="301320"/>
+            <a:ext cx="9072000" cy="1261800"/>
+          </a:xfrm>
+          <a:prstGeom prst="rect">
+            <a:avLst/>
+          </a:prstGeom>
+        </p:spPr>
+        <p:txBody>
+          <a:bodyPr lIns="0" rIns="0" tIns="0" bIns="0" anchor="ctr"/>
+          <a:p>
+            <a:pPr algn="ctr"/>
+            <a:endParaRPr/>
+          </a:p>
+        </p:txBody>
+      </p:sp>
+      <p:sp>
+        <p:nvSpPr>
+          <p:cNvPr id="63" name="PlaceHolder 2"/>
+          <p:cNvSpPr>
+            <a:spLocks noGrp="1"/>
+          </p:cNvSpPr>
+          <p:nvPr>
+            <p:ph type="body"/>
+          </p:nvPr>
+        </p:nvSpPr>
+        <p:spPr>
+          <a:xfrm>
+            <a:off x="504000" y="1768680"/>
+            <a:ext cx="4426920" cy="2090880"/>
+          </a:xfrm>
+          <a:prstGeom prst="rect">
+            <a:avLst/>
+          </a:prstGeom>
+        </p:spPr>
+        <p:txBody>
+          <a:bodyPr lIns="0" rIns="0" tIns="0" bIns="0"/>
+          <a:p>
+            <a:endParaRPr/>
+          </a:p>
+        </p:txBody>
+      </p:sp>
+      <p:sp>
+        <p:nvSpPr>
+          <p:cNvPr id="64" name="PlaceHolder 3"/>
+          <p:cNvSpPr>
+            <a:spLocks noGrp="1"/>
+          </p:cNvSpPr>
+          <p:nvPr>
+            <p:ph type="body"/>
+          </p:nvPr>
+        </p:nvSpPr>
+        <p:spPr>
+          <a:xfrm>
+            <a:off x="5152680" y="1768680"/>
+            <a:ext cx="4426920" cy="2090880"/>
+          </a:xfrm>
+          <a:prstGeom prst="rect">
+            <a:avLst/>
+          </a:prstGeom>
+        </p:spPr>
+        <p:txBody>
+          <a:bodyPr lIns="0" rIns="0" tIns="0" bIns="0"/>
+          <a:p>
+            <a:endParaRPr/>
+          </a:p>
+        </p:txBody>
+      </p:sp>
+      <p:sp>
+        <p:nvSpPr>
+          <p:cNvPr id="65" name="PlaceHolder 4"/>
+          <p:cNvSpPr>
+            <a:spLocks noGrp="1"/>
+          </p:cNvSpPr>
+          <p:nvPr>
+            <p:ph type="body"/>
+          </p:nvPr>
+        </p:nvSpPr>
+        <p:spPr>
+          <a:xfrm>
+            <a:off x="5152680" y="4058640"/>
+            <a:ext cx="4426920" cy="2090880"/>
+          </a:xfrm>
+          <a:prstGeom prst="rect">
+            <a:avLst/>
+          </a:prstGeom>
+        </p:spPr>
+        <p:txBody>
+          <a:bodyPr lIns="0" rIns="0" tIns="0" bIns="0"/>
+          <a:p>
+            <a:endParaRPr/>
+          </a:p>
+        </p:txBody>
+      </p:sp>
+      <p:sp>
+        <p:nvSpPr>
+          <p:cNvPr id="66" name="PlaceHolder 5"/>
+          <p:cNvSpPr>
+            <a:spLocks noGrp="1"/>
+          </p:cNvSpPr>
+          <p:nvPr>
+            <p:ph type="body"/>
+          </p:nvPr>
+        </p:nvSpPr>
+        <p:spPr>
+          <a:xfrm>
+            <a:off x="504000" y="4058640"/>
+            <a:ext cx="4426920" cy="2090880"/>
+          </a:xfrm>
+          <a:prstGeom prst="rect">
+            <a:avLst/>
+          </a:prstGeom>
+        </p:spPr>
+        <p:txBody>
+          <a:bodyPr lIns="0" rIns="0" tIns="0" bIns="0"/>
+          <a:p>
+            <a:endParaRPr/>
+          </a:p>
+        </p:txBody>
+      </p:sp>
+    </p:spTree>
+  </p:cSld>
+</p:sldLayout>
+</file>
+
+<file path=ppt/slideLayouts/slideLayout24.xml><?xml version="1.0" encoding="utf-8"?>
+<p:sldLayout xmlns:a="http://schemas.openxmlformats.org/drawingml/2006/main" xmlns:p="http://schemas.openxmlformats.org/presentationml/2006/main" xmlns:r="http://schemas.openxmlformats.org/officeDocument/2006/relationships" type="blank" preserve="1">
+  <p:cSld name="Title, 6 Content">
+    <p:spTree>
+      <p:nvGrpSpPr>
+        <p:cNvPr id="1" name=""/>
+        <p:cNvGrpSpPr/>
+        <p:nvPr/>
+      </p:nvGrpSpPr>
+      <p:grpSpPr>
+        <a:xfrm>
+          <a:off x="0" y="0"/>
+          <a:ext cx="0" cy="0"/>
+          <a:chOff x="0" y="0"/>
+          <a:chExt cx="0" cy="0"/>
+        </a:xfrm>
+      </p:grpSpPr>
+      <p:sp>
+        <p:nvSpPr>
+          <p:cNvPr id="67" name="PlaceHolder 1"/>
+          <p:cNvSpPr>
+            <a:spLocks noGrp="1"/>
+          </p:cNvSpPr>
+          <p:nvPr>
+            <p:ph type="title"/>
+          </p:nvPr>
+        </p:nvSpPr>
+        <p:spPr>
+          <a:xfrm>
+            <a:off x="504000" y="301320"/>
+            <a:ext cx="9072000" cy="1261800"/>
+          </a:xfrm>
+          <a:prstGeom prst="rect">
+            <a:avLst/>
+          </a:prstGeom>
+        </p:spPr>
+        <p:txBody>
+          <a:bodyPr lIns="0" rIns="0" tIns="0" bIns="0" anchor="ctr"/>
+          <a:p>
+            <a:pPr algn="ctr"/>
+            <a:endParaRPr/>
+          </a:p>
+        </p:txBody>
+      </p:sp>
+      <p:sp>
+        <p:nvSpPr>
+          <p:cNvPr id="68" name="PlaceHolder 2"/>
+          <p:cNvSpPr>
+            <a:spLocks noGrp="1"/>
+          </p:cNvSpPr>
+          <p:nvPr>
+            <p:ph type="body"/>
+          </p:nvPr>
+        </p:nvSpPr>
+        <p:spPr>
+          <a:xfrm>
+            <a:off x="504000" y="1768680"/>
+            <a:ext cx="9072000" cy="4384080"/>
+          </a:xfrm>
+          <a:prstGeom prst="rect">
+            <a:avLst/>
+          </a:prstGeom>
+        </p:spPr>
+        <p:txBody>
+          <a:bodyPr lIns="0" rIns="0" tIns="0" bIns="0"/>
+          <a:p>
+            <a:endParaRPr/>
+          </a:p>
+        </p:txBody>
+      </p:sp>
+      <p:sp>
+        <p:nvSpPr>
+          <p:cNvPr id="69" name="PlaceHolder 3"/>
+          <p:cNvSpPr>
+            <a:spLocks noGrp="1"/>
+          </p:cNvSpPr>
+          <p:nvPr>
+            <p:ph type="body"/>
+          </p:nvPr>
+        </p:nvSpPr>
+        <p:spPr>
+          <a:xfrm>
+            <a:off x="504000" y="1768680"/>
+            <a:ext cx="9072000" cy="4384080"/>
+          </a:xfrm>
+          <a:prstGeom prst="rect">
+            <a:avLst/>
+          </a:prstGeom>
+        </p:spPr>
+        <p:txBody>
+          <a:bodyPr lIns="0" rIns="0" tIns="0" bIns="0"/>
+          <a:p>
+            <a:endParaRPr/>
+          </a:p>
+        </p:txBody>
+      </p:sp>
+      <p:pic>
+        <p:nvPicPr>
+          <p:cNvPr id="70" name="" descr=""/>
+          <p:cNvPicPr/>
+          <p:nvPr/>
+        </p:nvPicPr>
+        <p:blipFill>
+          <a:blip r:embed="rId2"/>
+          <a:stretch/>
+        </p:blipFill>
+        <p:spPr>
+          <a:xfrm>
+            <a:off x="2292480" y="1768680"/>
+            <a:ext cx="5494680" cy="4384080"/>
+          </a:xfrm>
+          <a:prstGeom prst="rect">
+            <a:avLst/>
+          </a:prstGeom>
+          <a:ln>
+            <a:noFill/>
+          </a:ln>
+        </p:spPr>
+      </p:pic>
+      <p:pic>
+        <p:nvPicPr>
+          <p:cNvPr id="71" name="" descr=""/>
+          <p:cNvPicPr/>
+          <p:nvPr/>
+        </p:nvPicPr>
+        <p:blipFill>
+          <a:blip r:embed="rId3"/>
+          <a:stretch/>
+        </p:blipFill>
+        <p:spPr>
+          <a:xfrm>
+            <a:off x="2292480" y="1768680"/>
+            <a:ext cx="5494680" cy="4384080"/>
+          </a:xfrm>
+          <a:prstGeom prst="rect">
+            <a:avLst/>
+          </a:prstGeom>
+          <a:ln>
+            <a:noFill/>
+          </a:ln>
+        </p:spPr>
+      </p:pic>
+    </p:spTree>
+  </p:cSld>
+</p:sldLayout>
+</file>
+
+<file path=ppt/slideLayouts/slideLayout25.xml><?xml version="1.0" encoding="utf-8"?>
+<p:sldLayout xmlns:a="http://schemas.openxmlformats.org/drawingml/2006/main" xmlns:p="http://schemas.openxmlformats.org/presentationml/2006/main" xmlns:r="http://schemas.openxmlformats.org/officeDocument/2006/relationships" type="blank" preserve="1">
+  <p:cSld name="Blank Slide">
+    <p:spTree>
+      <p:nvGrpSpPr>
+        <p:cNvPr id="1" name=""/>
+        <p:cNvGrpSpPr/>
+        <p:nvPr/>
+      </p:nvGrpSpPr>
+      <p:grpSpPr>
+        <a:xfrm>
+          <a:off x="0" y="0"/>
+          <a:ext cx="0" cy="0"/>
+          <a:chOff x="0" y="0"/>
+          <a:chExt cx="0" cy="0"/>
+        </a:xfrm>
+      </p:grpSpPr>
+    </p:spTree>
+  </p:cSld>
+</p:sldLayout>
+</file>
+
+<file path=ppt/slideLayouts/slideLayout26.xml><?xml version="1.0" encoding="utf-8"?>
+<p:sldLayout xmlns:a="http://schemas.openxmlformats.org/drawingml/2006/main" xmlns:p="http://schemas.openxmlformats.org/presentationml/2006/main" xmlns:r="http://schemas.openxmlformats.org/officeDocument/2006/relationships" type="tx" preserve="1">
+  <p:cSld name="Title Slide">
+    <p:spTree>
+      <p:nvGrpSpPr>
+        <p:cNvPr id="1" name=""/>
+        <p:cNvGrpSpPr/>
+        <p:nvPr/>
+      </p:nvGrpSpPr>
+      <p:grpSpPr>
+        <a:xfrm>
+          <a:off x="0" y="0"/>
+          <a:ext cx="0" cy="0"/>
+          <a:chOff x="0" y="0"/>
+          <a:chExt cx="0" cy="0"/>
+        </a:xfrm>
+      </p:grpSpPr>
+      <p:sp>
+        <p:nvSpPr>
+          <p:cNvPr id="74" name="PlaceHolder 1"/>
+          <p:cNvSpPr>
+            <a:spLocks noGrp="1"/>
+          </p:cNvSpPr>
+          <p:nvPr>
+            <p:ph type="title"/>
+          </p:nvPr>
+        </p:nvSpPr>
+        <p:spPr>
+          <a:xfrm>
+            <a:off x="504000" y="301320"/>
+            <a:ext cx="9072000" cy="1261800"/>
+          </a:xfrm>
+          <a:prstGeom prst="rect">
+            <a:avLst/>
+          </a:prstGeom>
+        </p:spPr>
+        <p:txBody>
+          <a:bodyPr lIns="0" rIns="0" tIns="0" bIns="0" anchor="ctr"/>
+          <a:p>
+            <a:pPr algn="ctr"/>
+            <a:endParaRPr/>
+          </a:p>
+        </p:txBody>
+      </p:sp>
+      <p:sp>
+        <p:nvSpPr>
+          <p:cNvPr id="75" name="PlaceHolder 2"/>
+          <p:cNvSpPr>
+            <a:spLocks noGrp="1"/>
+          </p:cNvSpPr>
+          <p:nvPr>
+            <p:ph type="subTitle"/>
+          </p:nvPr>
+        </p:nvSpPr>
+        <p:spPr>
+          <a:xfrm>
+            <a:off x="504000" y="1768680"/>
+            <a:ext cx="9072000" cy="4384080"/>
+          </a:xfrm>
+          <a:prstGeom prst="rect">
+            <a:avLst/>
+          </a:prstGeom>
+        </p:spPr>
+        <p:txBody>
+          <a:bodyPr lIns="0" rIns="0" tIns="0" bIns="0" anchor="ctr"/>
+          <a:p>
+            <a:pPr algn="ctr"/>
+            <a:endParaRPr/>
+          </a:p>
+        </p:txBody>
+      </p:sp>
+    </p:spTree>
+  </p:cSld>
+</p:sldLayout>
+</file>
+
+<file path=ppt/slideLayouts/slideLayout27.xml><?xml version="1.0" encoding="utf-8"?>
+<p:sldLayout xmlns:a="http://schemas.openxmlformats.org/drawingml/2006/main" xmlns:p="http://schemas.openxmlformats.org/presentationml/2006/main" xmlns:r="http://schemas.openxmlformats.org/officeDocument/2006/relationships" type="obj" preserve="1">
+  <p:cSld name="Title, Content">
+    <p:spTree>
+      <p:nvGrpSpPr>
+        <p:cNvPr id="1" name=""/>
+        <p:cNvGrpSpPr/>
+        <p:nvPr/>
+      </p:nvGrpSpPr>
+      <p:grpSpPr>
+        <a:xfrm>
+          <a:off x="0" y="0"/>
+          <a:ext cx="0" cy="0"/>
+          <a:chOff x="0" y="0"/>
+          <a:chExt cx="0" cy="0"/>
+        </a:xfrm>
+      </p:grpSpPr>
+      <p:sp>
+        <p:nvSpPr>
+          <p:cNvPr id="76" name="PlaceHolder 1"/>
+          <p:cNvSpPr>
+            <a:spLocks noGrp="1"/>
+          </p:cNvSpPr>
+          <p:nvPr>
+            <p:ph type="title"/>
+          </p:nvPr>
+        </p:nvSpPr>
+        <p:spPr>
+          <a:xfrm>
+            <a:off x="504000" y="301320"/>
+            <a:ext cx="9072000" cy="1261800"/>
+          </a:xfrm>
+          <a:prstGeom prst="rect">
+            <a:avLst/>
+          </a:prstGeom>
+        </p:spPr>
+        <p:txBody>
+          <a:bodyPr lIns="0" rIns="0" tIns="0" bIns="0" anchor="ctr"/>
+          <a:p>
+            <a:pPr algn="ctr"/>
+            <a:endParaRPr/>
+          </a:p>
+        </p:txBody>
+      </p:sp>
+      <p:sp>
+        <p:nvSpPr>
+          <p:cNvPr id="77" name="PlaceHolder 2"/>
+          <p:cNvSpPr>
+            <a:spLocks noGrp="1"/>
+          </p:cNvSpPr>
+          <p:nvPr>
+            <p:ph type="body"/>
+          </p:nvPr>
+        </p:nvSpPr>
+        <p:spPr>
+          <a:xfrm>
+            <a:off x="504000" y="1768680"/>
+            <a:ext cx="9072000" cy="4384080"/>
+          </a:xfrm>
+          <a:prstGeom prst="rect">
+            <a:avLst/>
+          </a:prstGeom>
+        </p:spPr>
+        <p:txBody>
+          <a:bodyPr lIns="0" rIns="0" tIns="0" bIns="0"/>
+          <a:p>
+            <a:endParaRPr/>
+          </a:p>
+        </p:txBody>
+      </p:sp>
+    </p:spTree>
+  </p:cSld>
+</p:sldLayout>
+</file>
+
+<file path=ppt/slideLayouts/slideLayout28.xml><?xml version="1.0" encoding="utf-8"?>
+<p:sldLayout xmlns:a="http://schemas.openxmlformats.org/drawingml/2006/main" xmlns:p="http://schemas.openxmlformats.org/presentationml/2006/main" xmlns:r="http://schemas.openxmlformats.org/officeDocument/2006/relationships" type="twoObj" preserve="1">
+  <p:cSld name="Title, 2 Content">
+    <p:spTree>
+      <p:nvGrpSpPr>
+        <p:cNvPr id="1" name=""/>
+        <p:cNvGrpSpPr/>
+        <p:nvPr/>
+      </p:nvGrpSpPr>
+      <p:grpSpPr>
+        <a:xfrm>
+          <a:off x="0" y="0"/>
+          <a:ext cx="0" cy="0"/>
+          <a:chOff x="0" y="0"/>
+          <a:chExt cx="0" cy="0"/>
+        </a:xfrm>
+      </p:grpSpPr>
+      <p:sp>
+        <p:nvSpPr>
+          <p:cNvPr id="78" name="PlaceHolder 1"/>
+          <p:cNvSpPr>
+            <a:spLocks noGrp="1"/>
+          </p:cNvSpPr>
+          <p:nvPr>
+            <p:ph type="title"/>
+          </p:nvPr>
+        </p:nvSpPr>
+        <p:spPr>
+          <a:xfrm>
+            <a:off x="504000" y="301320"/>
+            <a:ext cx="9072000" cy="1261800"/>
+          </a:xfrm>
+          <a:prstGeom prst="rect">
+            <a:avLst/>
+          </a:prstGeom>
+        </p:spPr>
+        <p:txBody>
+          <a:bodyPr lIns="0" rIns="0" tIns="0" bIns="0" anchor="ctr"/>
+          <a:p>
+            <a:pPr algn="ctr"/>
+            <a:endParaRPr/>
+          </a:p>
+        </p:txBody>
+      </p:sp>
+      <p:sp>
+        <p:nvSpPr>
+          <p:cNvPr id="79" name="PlaceHolder 2"/>
+          <p:cNvSpPr>
+            <a:spLocks noGrp="1"/>
+          </p:cNvSpPr>
+          <p:nvPr>
+            <p:ph type="body"/>
+          </p:nvPr>
+        </p:nvSpPr>
+        <p:spPr>
+          <a:xfrm>
+            <a:off x="504000" y="1768680"/>
+            <a:ext cx="4426920" cy="4384080"/>
+          </a:xfrm>
+          <a:prstGeom prst="rect">
+            <a:avLst/>
+          </a:prstGeom>
+        </p:spPr>
+        <p:txBody>
+          <a:bodyPr lIns="0" rIns="0" tIns="0" bIns="0"/>
+          <a:p>
+            <a:endParaRPr/>
+          </a:p>
+        </p:txBody>
+      </p:sp>
+      <p:sp>
+        <p:nvSpPr>
+          <p:cNvPr id="80" name="PlaceHolder 3"/>
+          <p:cNvSpPr>
+            <a:spLocks noGrp="1"/>
+          </p:cNvSpPr>
+          <p:nvPr>
+            <p:ph type="body"/>
+          </p:nvPr>
+        </p:nvSpPr>
+        <p:spPr>
+          <a:xfrm>
+            <a:off x="5152680" y="1768680"/>
+            <a:ext cx="4426920" cy="4384080"/>
+          </a:xfrm>
+          <a:prstGeom prst="rect">
+            <a:avLst/>
+          </a:prstGeom>
+        </p:spPr>
+        <p:txBody>
+          <a:bodyPr lIns="0" rIns="0" tIns="0" bIns="0"/>
+          <a:p>
+            <a:endParaRPr/>
+          </a:p>
+        </p:txBody>
+      </p:sp>
+    </p:spTree>
+  </p:cSld>
+</p:sldLayout>
+</file>
+
+<file path=ppt/slideLayouts/slideLayout29.xml><?xml version="1.0" encoding="utf-8"?>
+<p:sldLayout xmlns:a="http://schemas.openxmlformats.org/drawingml/2006/main" xmlns:p="http://schemas.openxmlformats.org/presentationml/2006/main" xmlns:r="http://schemas.openxmlformats.org/officeDocument/2006/relationships" type="titleOnly" preserve="1">
+  <p:cSld name="Title Only">
+    <p:spTree>
+      <p:nvGrpSpPr>
+        <p:cNvPr id="1" name=""/>
+        <p:cNvGrpSpPr/>
+        <p:nvPr/>
+      </p:nvGrpSpPr>
+      <p:grpSpPr>
+        <a:xfrm>
+          <a:off x="0" y="0"/>
+          <a:ext cx="0" cy="0"/>
+          <a:chOff x="0" y="0"/>
+          <a:chExt cx="0" cy="0"/>
+        </a:xfrm>
+      </p:grpSpPr>
+      <p:sp>
+        <p:nvSpPr>
+          <p:cNvPr id="81" name="PlaceHolder 1"/>
+          <p:cNvSpPr>
+            <a:spLocks noGrp="1"/>
+          </p:cNvSpPr>
+          <p:nvPr>
+            <p:ph type="title"/>
+          </p:nvPr>
+        </p:nvSpPr>
+        <p:spPr>
+          <a:xfrm>
+            <a:off x="504000" y="301320"/>
+            <a:ext cx="9072000" cy="1261800"/>
           </a:xfrm>
           <a:prstGeom prst="rect">
             <a:avLst/>
@@ -532,7 +2011,7 @@
       </p:grpSpPr>
       <p:sp>
         <p:nvSpPr>
-          <p:cNvPr id="7" name="PlaceHolder 1"/>
+          <p:cNvPr id="4" name="PlaceHolder 1"/>
           <p:cNvSpPr>
             <a:spLocks noGrp="1"/>
           </p:cNvSpPr>
@@ -543,7 +2022,7 @@
         <p:spPr>
           <a:xfrm>
             <a:off x="504000" y="301320"/>
-            <a:ext cx="9071640" cy="1262160"/>
+            <a:ext cx="9072000" cy="1261800"/>
           </a:xfrm>
           <a:prstGeom prst="rect">
             <a:avLst/>
@@ -559,30 +2038,861 @@
       </p:sp>
       <p:sp>
         <p:nvSpPr>
-          <p:cNvPr id="8" name="PlaceHolder 2"/>
-          <p:cNvSpPr>
-            <a:spLocks noGrp="1"/>
-          </p:cNvSpPr>
-          <p:nvPr>
-            <p:ph type="body"/>
-          </p:nvPr>
-        </p:nvSpPr>
-        <p:spPr>
-          <a:xfrm>
-            <a:off x="504000" y="1769040"/>
-            <a:ext cx="9071640" cy="4384440"/>
-          </a:xfrm>
-          <a:prstGeom prst="rect">
-            <a:avLst/>
-          </a:prstGeom>
-        </p:spPr>
-        <p:txBody>
-          <a:bodyPr lIns="0" rIns="0" tIns="0" bIns="0"/>
-          <a:p>
-            <a:endParaRPr/>
-          </a:p>
-        </p:txBody>
-      </p:sp>
+          <p:cNvPr id="5" name="PlaceHolder 2"/>
+          <p:cNvSpPr>
+            <a:spLocks noGrp="1"/>
+          </p:cNvSpPr>
+          <p:nvPr>
+            <p:ph type="body"/>
+          </p:nvPr>
+        </p:nvSpPr>
+        <p:spPr>
+          <a:xfrm>
+            <a:off x="504000" y="1768680"/>
+            <a:ext cx="9072000" cy="4384080"/>
+          </a:xfrm>
+          <a:prstGeom prst="rect">
+            <a:avLst/>
+          </a:prstGeom>
+        </p:spPr>
+        <p:txBody>
+          <a:bodyPr lIns="0" rIns="0" tIns="0" bIns="0"/>
+          <a:p>
+            <a:endParaRPr/>
+          </a:p>
+        </p:txBody>
+      </p:sp>
+    </p:spTree>
+  </p:cSld>
+</p:sldLayout>
+</file>
+
+<file path=ppt/slideLayouts/slideLayout30.xml><?xml version="1.0" encoding="utf-8"?>
+<p:sldLayout xmlns:a="http://schemas.openxmlformats.org/drawingml/2006/main" xmlns:p="http://schemas.openxmlformats.org/presentationml/2006/main" xmlns:r="http://schemas.openxmlformats.org/officeDocument/2006/relationships" type="objOnly" preserve="1">
+  <p:cSld name="Centered Text">
+    <p:spTree>
+      <p:nvGrpSpPr>
+        <p:cNvPr id="1" name=""/>
+        <p:cNvGrpSpPr/>
+        <p:nvPr/>
+      </p:nvGrpSpPr>
+      <p:grpSpPr>
+        <a:xfrm>
+          <a:off x="0" y="0"/>
+          <a:ext cx="0" cy="0"/>
+          <a:chOff x="0" y="0"/>
+          <a:chExt cx="0" cy="0"/>
+        </a:xfrm>
+      </p:grpSpPr>
+      <p:sp>
+        <p:nvSpPr>
+          <p:cNvPr id="82" name="PlaceHolder 1"/>
+          <p:cNvSpPr>
+            <a:spLocks noGrp="1"/>
+          </p:cNvSpPr>
+          <p:nvPr>
+            <p:ph type="subTitle"/>
+          </p:nvPr>
+        </p:nvSpPr>
+        <p:spPr>
+          <a:xfrm>
+            <a:off x="504000" y="301320"/>
+            <a:ext cx="9072000" cy="5850360"/>
+          </a:xfrm>
+          <a:prstGeom prst="rect">
+            <a:avLst/>
+          </a:prstGeom>
+        </p:spPr>
+        <p:txBody>
+          <a:bodyPr lIns="0" rIns="0" tIns="0" bIns="0" anchor="ctr"/>
+          <a:p>
+            <a:pPr algn="ctr"/>
+            <a:endParaRPr/>
+          </a:p>
+        </p:txBody>
+      </p:sp>
+    </p:spTree>
+  </p:cSld>
+</p:sldLayout>
+</file>
+
+<file path=ppt/slideLayouts/slideLayout31.xml><?xml version="1.0" encoding="utf-8"?>
+<p:sldLayout xmlns:a="http://schemas.openxmlformats.org/drawingml/2006/main" xmlns:p="http://schemas.openxmlformats.org/presentationml/2006/main" xmlns:r="http://schemas.openxmlformats.org/officeDocument/2006/relationships" type="twoObjAndObj" preserve="1">
+  <p:cSld name="Title, 2 Content and Content">
+    <p:spTree>
+      <p:nvGrpSpPr>
+        <p:cNvPr id="1" name=""/>
+        <p:cNvGrpSpPr/>
+        <p:nvPr/>
+      </p:nvGrpSpPr>
+      <p:grpSpPr>
+        <a:xfrm>
+          <a:off x="0" y="0"/>
+          <a:ext cx="0" cy="0"/>
+          <a:chOff x="0" y="0"/>
+          <a:chExt cx="0" cy="0"/>
+        </a:xfrm>
+      </p:grpSpPr>
+      <p:sp>
+        <p:nvSpPr>
+          <p:cNvPr id="83" name="PlaceHolder 1"/>
+          <p:cNvSpPr>
+            <a:spLocks noGrp="1"/>
+          </p:cNvSpPr>
+          <p:nvPr>
+            <p:ph type="title"/>
+          </p:nvPr>
+        </p:nvSpPr>
+        <p:spPr>
+          <a:xfrm>
+            <a:off x="504000" y="301320"/>
+            <a:ext cx="9072000" cy="1261800"/>
+          </a:xfrm>
+          <a:prstGeom prst="rect">
+            <a:avLst/>
+          </a:prstGeom>
+        </p:spPr>
+        <p:txBody>
+          <a:bodyPr lIns="0" rIns="0" tIns="0" bIns="0" anchor="ctr"/>
+          <a:p>
+            <a:pPr algn="ctr"/>
+            <a:endParaRPr/>
+          </a:p>
+        </p:txBody>
+      </p:sp>
+      <p:sp>
+        <p:nvSpPr>
+          <p:cNvPr id="84" name="PlaceHolder 2"/>
+          <p:cNvSpPr>
+            <a:spLocks noGrp="1"/>
+          </p:cNvSpPr>
+          <p:nvPr>
+            <p:ph type="body"/>
+          </p:nvPr>
+        </p:nvSpPr>
+        <p:spPr>
+          <a:xfrm>
+            <a:off x="504000" y="1768680"/>
+            <a:ext cx="4426920" cy="2090880"/>
+          </a:xfrm>
+          <a:prstGeom prst="rect">
+            <a:avLst/>
+          </a:prstGeom>
+        </p:spPr>
+        <p:txBody>
+          <a:bodyPr lIns="0" rIns="0" tIns="0" bIns="0"/>
+          <a:p>
+            <a:endParaRPr/>
+          </a:p>
+        </p:txBody>
+      </p:sp>
+      <p:sp>
+        <p:nvSpPr>
+          <p:cNvPr id="85" name="PlaceHolder 3"/>
+          <p:cNvSpPr>
+            <a:spLocks noGrp="1"/>
+          </p:cNvSpPr>
+          <p:nvPr>
+            <p:ph type="body"/>
+          </p:nvPr>
+        </p:nvSpPr>
+        <p:spPr>
+          <a:xfrm>
+            <a:off x="504000" y="4058640"/>
+            <a:ext cx="4426920" cy="2090880"/>
+          </a:xfrm>
+          <a:prstGeom prst="rect">
+            <a:avLst/>
+          </a:prstGeom>
+        </p:spPr>
+        <p:txBody>
+          <a:bodyPr lIns="0" rIns="0" tIns="0" bIns="0"/>
+          <a:p>
+            <a:endParaRPr/>
+          </a:p>
+        </p:txBody>
+      </p:sp>
+      <p:sp>
+        <p:nvSpPr>
+          <p:cNvPr id="86" name="PlaceHolder 4"/>
+          <p:cNvSpPr>
+            <a:spLocks noGrp="1"/>
+          </p:cNvSpPr>
+          <p:nvPr>
+            <p:ph type="body"/>
+          </p:nvPr>
+        </p:nvSpPr>
+        <p:spPr>
+          <a:xfrm>
+            <a:off x="5152680" y="1768680"/>
+            <a:ext cx="4426920" cy="4384080"/>
+          </a:xfrm>
+          <a:prstGeom prst="rect">
+            <a:avLst/>
+          </a:prstGeom>
+        </p:spPr>
+        <p:txBody>
+          <a:bodyPr lIns="0" rIns="0" tIns="0" bIns="0"/>
+          <a:p>
+            <a:endParaRPr/>
+          </a:p>
+        </p:txBody>
+      </p:sp>
+    </p:spTree>
+  </p:cSld>
+</p:sldLayout>
+</file>
+
+<file path=ppt/slideLayouts/slideLayout32.xml><?xml version="1.0" encoding="utf-8"?>
+<p:sldLayout xmlns:a="http://schemas.openxmlformats.org/drawingml/2006/main" xmlns:p="http://schemas.openxmlformats.org/presentationml/2006/main" xmlns:r="http://schemas.openxmlformats.org/officeDocument/2006/relationships" type="objAndTwoObj" preserve="1">
+  <p:cSld name="Title Content and 2 Content">
+    <p:spTree>
+      <p:nvGrpSpPr>
+        <p:cNvPr id="1" name=""/>
+        <p:cNvGrpSpPr/>
+        <p:nvPr/>
+      </p:nvGrpSpPr>
+      <p:grpSpPr>
+        <a:xfrm>
+          <a:off x="0" y="0"/>
+          <a:ext cx="0" cy="0"/>
+          <a:chOff x="0" y="0"/>
+          <a:chExt cx="0" cy="0"/>
+        </a:xfrm>
+      </p:grpSpPr>
+      <p:sp>
+        <p:nvSpPr>
+          <p:cNvPr id="87" name="PlaceHolder 1"/>
+          <p:cNvSpPr>
+            <a:spLocks noGrp="1"/>
+          </p:cNvSpPr>
+          <p:nvPr>
+            <p:ph type="title"/>
+          </p:nvPr>
+        </p:nvSpPr>
+        <p:spPr>
+          <a:xfrm>
+            <a:off x="504000" y="301320"/>
+            <a:ext cx="9072000" cy="1261800"/>
+          </a:xfrm>
+          <a:prstGeom prst="rect">
+            <a:avLst/>
+          </a:prstGeom>
+        </p:spPr>
+        <p:txBody>
+          <a:bodyPr lIns="0" rIns="0" tIns="0" bIns="0" anchor="ctr"/>
+          <a:p>
+            <a:pPr algn="ctr"/>
+            <a:endParaRPr/>
+          </a:p>
+        </p:txBody>
+      </p:sp>
+      <p:sp>
+        <p:nvSpPr>
+          <p:cNvPr id="88" name="PlaceHolder 2"/>
+          <p:cNvSpPr>
+            <a:spLocks noGrp="1"/>
+          </p:cNvSpPr>
+          <p:nvPr>
+            <p:ph type="body"/>
+          </p:nvPr>
+        </p:nvSpPr>
+        <p:spPr>
+          <a:xfrm>
+            <a:off x="504000" y="1768680"/>
+            <a:ext cx="4426920" cy="4384080"/>
+          </a:xfrm>
+          <a:prstGeom prst="rect">
+            <a:avLst/>
+          </a:prstGeom>
+        </p:spPr>
+        <p:txBody>
+          <a:bodyPr lIns="0" rIns="0" tIns="0" bIns="0"/>
+          <a:p>
+            <a:endParaRPr/>
+          </a:p>
+        </p:txBody>
+      </p:sp>
+      <p:sp>
+        <p:nvSpPr>
+          <p:cNvPr id="89" name="PlaceHolder 3"/>
+          <p:cNvSpPr>
+            <a:spLocks noGrp="1"/>
+          </p:cNvSpPr>
+          <p:nvPr>
+            <p:ph type="body"/>
+          </p:nvPr>
+        </p:nvSpPr>
+        <p:spPr>
+          <a:xfrm>
+            <a:off x="5152680" y="1768680"/>
+            <a:ext cx="4426920" cy="2090880"/>
+          </a:xfrm>
+          <a:prstGeom prst="rect">
+            <a:avLst/>
+          </a:prstGeom>
+        </p:spPr>
+        <p:txBody>
+          <a:bodyPr lIns="0" rIns="0" tIns="0" bIns="0"/>
+          <a:p>
+            <a:endParaRPr/>
+          </a:p>
+        </p:txBody>
+      </p:sp>
+      <p:sp>
+        <p:nvSpPr>
+          <p:cNvPr id="90" name="PlaceHolder 4"/>
+          <p:cNvSpPr>
+            <a:spLocks noGrp="1"/>
+          </p:cNvSpPr>
+          <p:nvPr>
+            <p:ph type="body"/>
+          </p:nvPr>
+        </p:nvSpPr>
+        <p:spPr>
+          <a:xfrm>
+            <a:off x="5152680" y="4058640"/>
+            <a:ext cx="4426920" cy="2090880"/>
+          </a:xfrm>
+          <a:prstGeom prst="rect">
+            <a:avLst/>
+          </a:prstGeom>
+        </p:spPr>
+        <p:txBody>
+          <a:bodyPr lIns="0" rIns="0" tIns="0" bIns="0"/>
+          <a:p>
+            <a:endParaRPr/>
+          </a:p>
+        </p:txBody>
+      </p:sp>
+    </p:spTree>
+  </p:cSld>
+</p:sldLayout>
+</file>
+
+<file path=ppt/slideLayouts/slideLayout33.xml><?xml version="1.0" encoding="utf-8"?>
+<p:sldLayout xmlns:a="http://schemas.openxmlformats.org/drawingml/2006/main" xmlns:p="http://schemas.openxmlformats.org/presentationml/2006/main" xmlns:r="http://schemas.openxmlformats.org/officeDocument/2006/relationships" type="twoObjOverTx" preserve="1">
+  <p:cSld name="Title, 2 Content over Content">
+    <p:spTree>
+      <p:nvGrpSpPr>
+        <p:cNvPr id="1" name=""/>
+        <p:cNvGrpSpPr/>
+        <p:nvPr/>
+      </p:nvGrpSpPr>
+      <p:grpSpPr>
+        <a:xfrm>
+          <a:off x="0" y="0"/>
+          <a:ext cx="0" cy="0"/>
+          <a:chOff x="0" y="0"/>
+          <a:chExt cx="0" cy="0"/>
+        </a:xfrm>
+      </p:grpSpPr>
+      <p:sp>
+        <p:nvSpPr>
+          <p:cNvPr id="91" name="PlaceHolder 1"/>
+          <p:cNvSpPr>
+            <a:spLocks noGrp="1"/>
+          </p:cNvSpPr>
+          <p:nvPr>
+            <p:ph type="title"/>
+          </p:nvPr>
+        </p:nvSpPr>
+        <p:spPr>
+          <a:xfrm>
+            <a:off x="504000" y="301320"/>
+            <a:ext cx="9072000" cy="1261800"/>
+          </a:xfrm>
+          <a:prstGeom prst="rect">
+            <a:avLst/>
+          </a:prstGeom>
+        </p:spPr>
+        <p:txBody>
+          <a:bodyPr lIns="0" rIns="0" tIns="0" bIns="0" anchor="ctr"/>
+          <a:p>
+            <a:pPr algn="ctr"/>
+            <a:endParaRPr/>
+          </a:p>
+        </p:txBody>
+      </p:sp>
+      <p:sp>
+        <p:nvSpPr>
+          <p:cNvPr id="92" name="PlaceHolder 2"/>
+          <p:cNvSpPr>
+            <a:spLocks noGrp="1"/>
+          </p:cNvSpPr>
+          <p:nvPr>
+            <p:ph type="body"/>
+          </p:nvPr>
+        </p:nvSpPr>
+        <p:spPr>
+          <a:xfrm>
+            <a:off x="504000" y="1768680"/>
+            <a:ext cx="4426920" cy="2090880"/>
+          </a:xfrm>
+          <a:prstGeom prst="rect">
+            <a:avLst/>
+          </a:prstGeom>
+        </p:spPr>
+        <p:txBody>
+          <a:bodyPr lIns="0" rIns="0" tIns="0" bIns="0"/>
+          <a:p>
+            <a:endParaRPr/>
+          </a:p>
+        </p:txBody>
+      </p:sp>
+      <p:sp>
+        <p:nvSpPr>
+          <p:cNvPr id="93" name="PlaceHolder 3"/>
+          <p:cNvSpPr>
+            <a:spLocks noGrp="1"/>
+          </p:cNvSpPr>
+          <p:nvPr>
+            <p:ph type="body"/>
+          </p:nvPr>
+        </p:nvSpPr>
+        <p:spPr>
+          <a:xfrm>
+            <a:off x="5152680" y="1768680"/>
+            <a:ext cx="4426920" cy="2090880"/>
+          </a:xfrm>
+          <a:prstGeom prst="rect">
+            <a:avLst/>
+          </a:prstGeom>
+        </p:spPr>
+        <p:txBody>
+          <a:bodyPr lIns="0" rIns="0" tIns="0" bIns="0"/>
+          <a:p>
+            <a:endParaRPr/>
+          </a:p>
+        </p:txBody>
+      </p:sp>
+      <p:sp>
+        <p:nvSpPr>
+          <p:cNvPr id="94" name="PlaceHolder 4"/>
+          <p:cNvSpPr>
+            <a:spLocks noGrp="1"/>
+          </p:cNvSpPr>
+          <p:nvPr>
+            <p:ph type="body"/>
+          </p:nvPr>
+        </p:nvSpPr>
+        <p:spPr>
+          <a:xfrm>
+            <a:off x="504000" y="4058640"/>
+            <a:ext cx="9072000" cy="2090880"/>
+          </a:xfrm>
+          <a:prstGeom prst="rect">
+            <a:avLst/>
+          </a:prstGeom>
+        </p:spPr>
+        <p:txBody>
+          <a:bodyPr lIns="0" rIns="0" tIns="0" bIns="0"/>
+          <a:p>
+            <a:endParaRPr/>
+          </a:p>
+        </p:txBody>
+      </p:sp>
+    </p:spTree>
+  </p:cSld>
+</p:sldLayout>
+</file>
+
+<file path=ppt/slideLayouts/slideLayout34.xml><?xml version="1.0" encoding="utf-8"?>
+<p:sldLayout xmlns:a="http://schemas.openxmlformats.org/drawingml/2006/main" xmlns:p="http://schemas.openxmlformats.org/presentationml/2006/main" xmlns:r="http://schemas.openxmlformats.org/officeDocument/2006/relationships" type="objOverTx" preserve="1">
+  <p:cSld name="Title, Content over Content">
+    <p:spTree>
+      <p:nvGrpSpPr>
+        <p:cNvPr id="1" name=""/>
+        <p:cNvGrpSpPr/>
+        <p:nvPr/>
+      </p:nvGrpSpPr>
+      <p:grpSpPr>
+        <a:xfrm>
+          <a:off x="0" y="0"/>
+          <a:ext cx="0" cy="0"/>
+          <a:chOff x="0" y="0"/>
+          <a:chExt cx="0" cy="0"/>
+        </a:xfrm>
+      </p:grpSpPr>
+      <p:sp>
+        <p:nvSpPr>
+          <p:cNvPr id="95" name="PlaceHolder 1"/>
+          <p:cNvSpPr>
+            <a:spLocks noGrp="1"/>
+          </p:cNvSpPr>
+          <p:nvPr>
+            <p:ph type="title"/>
+          </p:nvPr>
+        </p:nvSpPr>
+        <p:spPr>
+          <a:xfrm>
+            <a:off x="504000" y="301320"/>
+            <a:ext cx="9072000" cy="1261800"/>
+          </a:xfrm>
+          <a:prstGeom prst="rect">
+            <a:avLst/>
+          </a:prstGeom>
+        </p:spPr>
+        <p:txBody>
+          <a:bodyPr lIns="0" rIns="0" tIns="0" bIns="0" anchor="ctr"/>
+          <a:p>
+            <a:pPr algn="ctr"/>
+            <a:endParaRPr/>
+          </a:p>
+        </p:txBody>
+      </p:sp>
+      <p:sp>
+        <p:nvSpPr>
+          <p:cNvPr id="96" name="PlaceHolder 2"/>
+          <p:cNvSpPr>
+            <a:spLocks noGrp="1"/>
+          </p:cNvSpPr>
+          <p:nvPr>
+            <p:ph type="body"/>
+          </p:nvPr>
+        </p:nvSpPr>
+        <p:spPr>
+          <a:xfrm>
+            <a:off x="504000" y="1768680"/>
+            <a:ext cx="9072000" cy="2090880"/>
+          </a:xfrm>
+          <a:prstGeom prst="rect">
+            <a:avLst/>
+          </a:prstGeom>
+        </p:spPr>
+        <p:txBody>
+          <a:bodyPr lIns="0" rIns="0" tIns="0" bIns="0"/>
+          <a:p>
+            <a:endParaRPr/>
+          </a:p>
+        </p:txBody>
+      </p:sp>
+      <p:sp>
+        <p:nvSpPr>
+          <p:cNvPr id="97" name="PlaceHolder 3"/>
+          <p:cNvSpPr>
+            <a:spLocks noGrp="1"/>
+          </p:cNvSpPr>
+          <p:nvPr>
+            <p:ph type="body"/>
+          </p:nvPr>
+        </p:nvSpPr>
+        <p:spPr>
+          <a:xfrm>
+            <a:off x="504000" y="4058640"/>
+            <a:ext cx="9072000" cy="2090880"/>
+          </a:xfrm>
+          <a:prstGeom prst="rect">
+            <a:avLst/>
+          </a:prstGeom>
+        </p:spPr>
+        <p:txBody>
+          <a:bodyPr lIns="0" rIns="0" tIns="0" bIns="0"/>
+          <a:p>
+            <a:endParaRPr/>
+          </a:p>
+        </p:txBody>
+      </p:sp>
+    </p:spTree>
+  </p:cSld>
+</p:sldLayout>
+</file>
+
+<file path=ppt/slideLayouts/slideLayout35.xml><?xml version="1.0" encoding="utf-8"?>
+<p:sldLayout xmlns:a="http://schemas.openxmlformats.org/drawingml/2006/main" xmlns:p="http://schemas.openxmlformats.org/presentationml/2006/main" xmlns:r="http://schemas.openxmlformats.org/officeDocument/2006/relationships" type="fourObj" preserve="1">
+  <p:cSld name="Title, 4 Content">
+    <p:spTree>
+      <p:nvGrpSpPr>
+        <p:cNvPr id="1" name=""/>
+        <p:cNvGrpSpPr/>
+        <p:nvPr/>
+      </p:nvGrpSpPr>
+      <p:grpSpPr>
+        <a:xfrm>
+          <a:off x="0" y="0"/>
+          <a:ext cx="0" cy="0"/>
+          <a:chOff x="0" y="0"/>
+          <a:chExt cx="0" cy="0"/>
+        </a:xfrm>
+      </p:grpSpPr>
+      <p:sp>
+        <p:nvSpPr>
+          <p:cNvPr id="98" name="PlaceHolder 1"/>
+          <p:cNvSpPr>
+            <a:spLocks noGrp="1"/>
+          </p:cNvSpPr>
+          <p:nvPr>
+            <p:ph type="title"/>
+          </p:nvPr>
+        </p:nvSpPr>
+        <p:spPr>
+          <a:xfrm>
+            <a:off x="504000" y="301320"/>
+            <a:ext cx="9072000" cy="1261800"/>
+          </a:xfrm>
+          <a:prstGeom prst="rect">
+            <a:avLst/>
+          </a:prstGeom>
+        </p:spPr>
+        <p:txBody>
+          <a:bodyPr lIns="0" rIns="0" tIns="0" bIns="0" anchor="ctr"/>
+          <a:p>
+            <a:pPr algn="ctr"/>
+            <a:endParaRPr/>
+          </a:p>
+        </p:txBody>
+      </p:sp>
+      <p:sp>
+        <p:nvSpPr>
+          <p:cNvPr id="99" name="PlaceHolder 2"/>
+          <p:cNvSpPr>
+            <a:spLocks noGrp="1"/>
+          </p:cNvSpPr>
+          <p:nvPr>
+            <p:ph type="body"/>
+          </p:nvPr>
+        </p:nvSpPr>
+        <p:spPr>
+          <a:xfrm>
+            <a:off x="504000" y="1768680"/>
+            <a:ext cx="4426920" cy="2090880"/>
+          </a:xfrm>
+          <a:prstGeom prst="rect">
+            <a:avLst/>
+          </a:prstGeom>
+        </p:spPr>
+        <p:txBody>
+          <a:bodyPr lIns="0" rIns="0" tIns="0" bIns="0"/>
+          <a:p>
+            <a:endParaRPr/>
+          </a:p>
+        </p:txBody>
+      </p:sp>
+      <p:sp>
+        <p:nvSpPr>
+          <p:cNvPr id="100" name="PlaceHolder 3"/>
+          <p:cNvSpPr>
+            <a:spLocks noGrp="1"/>
+          </p:cNvSpPr>
+          <p:nvPr>
+            <p:ph type="body"/>
+          </p:nvPr>
+        </p:nvSpPr>
+        <p:spPr>
+          <a:xfrm>
+            <a:off x="5152680" y="1768680"/>
+            <a:ext cx="4426920" cy="2090880"/>
+          </a:xfrm>
+          <a:prstGeom prst="rect">
+            <a:avLst/>
+          </a:prstGeom>
+        </p:spPr>
+        <p:txBody>
+          <a:bodyPr lIns="0" rIns="0" tIns="0" bIns="0"/>
+          <a:p>
+            <a:endParaRPr/>
+          </a:p>
+        </p:txBody>
+      </p:sp>
+      <p:sp>
+        <p:nvSpPr>
+          <p:cNvPr id="101" name="PlaceHolder 4"/>
+          <p:cNvSpPr>
+            <a:spLocks noGrp="1"/>
+          </p:cNvSpPr>
+          <p:nvPr>
+            <p:ph type="body"/>
+          </p:nvPr>
+        </p:nvSpPr>
+        <p:spPr>
+          <a:xfrm>
+            <a:off x="5152680" y="4058640"/>
+            <a:ext cx="4426920" cy="2090880"/>
+          </a:xfrm>
+          <a:prstGeom prst="rect">
+            <a:avLst/>
+          </a:prstGeom>
+        </p:spPr>
+        <p:txBody>
+          <a:bodyPr lIns="0" rIns="0" tIns="0" bIns="0"/>
+          <a:p>
+            <a:endParaRPr/>
+          </a:p>
+        </p:txBody>
+      </p:sp>
+      <p:sp>
+        <p:nvSpPr>
+          <p:cNvPr id="102" name="PlaceHolder 5"/>
+          <p:cNvSpPr>
+            <a:spLocks noGrp="1"/>
+          </p:cNvSpPr>
+          <p:nvPr>
+            <p:ph type="body"/>
+          </p:nvPr>
+        </p:nvSpPr>
+        <p:spPr>
+          <a:xfrm>
+            <a:off x="504000" y="4058640"/>
+            <a:ext cx="4426920" cy="2090880"/>
+          </a:xfrm>
+          <a:prstGeom prst="rect">
+            <a:avLst/>
+          </a:prstGeom>
+        </p:spPr>
+        <p:txBody>
+          <a:bodyPr lIns="0" rIns="0" tIns="0" bIns="0"/>
+          <a:p>
+            <a:endParaRPr/>
+          </a:p>
+        </p:txBody>
+      </p:sp>
+    </p:spTree>
+  </p:cSld>
+</p:sldLayout>
+</file>
+
+<file path=ppt/slideLayouts/slideLayout36.xml><?xml version="1.0" encoding="utf-8"?>
+<p:sldLayout xmlns:a="http://schemas.openxmlformats.org/drawingml/2006/main" xmlns:p="http://schemas.openxmlformats.org/presentationml/2006/main" xmlns:r="http://schemas.openxmlformats.org/officeDocument/2006/relationships" type="blank" preserve="1">
+  <p:cSld name="Title, 6 Content">
+    <p:spTree>
+      <p:nvGrpSpPr>
+        <p:cNvPr id="1" name=""/>
+        <p:cNvGrpSpPr/>
+        <p:nvPr/>
+      </p:nvGrpSpPr>
+      <p:grpSpPr>
+        <a:xfrm>
+          <a:off x="0" y="0"/>
+          <a:ext cx="0" cy="0"/>
+          <a:chOff x="0" y="0"/>
+          <a:chExt cx="0" cy="0"/>
+        </a:xfrm>
+      </p:grpSpPr>
+      <p:sp>
+        <p:nvSpPr>
+          <p:cNvPr id="103" name="PlaceHolder 1"/>
+          <p:cNvSpPr>
+            <a:spLocks noGrp="1"/>
+          </p:cNvSpPr>
+          <p:nvPr>
+            <p:ph type="title"/>
+          </p:nvPr>
+        </p:nvSpPr>
+        <p:spPr>
+          <a:xfrm>
+            <a:off x="504000" y="301320"/>
+            <a:ext cx="9072000" cy="1261800"/>
+          </a:xfrm>
+          <a:prstGeom prst="rect">
+            <a:avLst/>
+          </a:prstGeom>
+        </p:spPr>
+        <p:txBody>
+          <a:bodyPr lIns="0" rIns="0" tIns="0" bIns="0" anchor="ctr"/>
+          <a:p>
+            <a:pPr algn="ctr"/>
+            <a:endParaRPr/>
+          </a:p>
+        </p:txBody>
+      </p:sp>
+      <p:sp>
+        <p:nvSpPr>
+          <p:cNvPr id="104" name="PlaceHolder 2"/>
+          <p:cNvSpPr>
+            <a:spLocks noGrp="1"/>
+          </p:cNvSpPr>
+          <p:nvPr>
+            <p:ph type="body"/>
+          </p:nvPr>
+        </p:nvSpPr>
+        <p:spPr>
+          <a:xfrm>
+            <a:off x="504000" y="1768680"/>
+            <a:ext cx="9072000" cy="4384080"/>
+          </a:xfrm>
+          <a:prstGeom prst="rect">
+            <a:avLst/>
+          </a:prstGeom>
+        </p:spPr>
+        <p:txBody>
+          <a:bodyPr lIns="0" rIns="0" tIns="0" bIns="0"/>
+          <a:p>
+            <a:endParaRPr/>
+          </a:p>
+        </p:txBody>
+      </p:sp>
+      <p:sp>
+        <p:nvSpPr>
+          <p:cNvPr id="105" name="PlaceHolder 3"/>
+          <p:cNvSpPr>
+            <a:spLocks noGrp="1"/>
+          </p:cNvSpPr>
+          <p:nvPr>
+            <p:ph type="body"/>
+          </p:nvPr>
+        </p:nvSpPr>
+        <p:spPr>
+          <a:xfrm>
+            <a:off x="504000" y="1768680"/>
+            <a:ext cx="9072000" cy="4384080"/>
+          </a:xfrm>
+          <a:prstGeom prst="rect">
+            <a:avLst/>
+          </a:prstGeom>
+        </p:spPr>
+        <p:txBody>
+          <a:bodyPr lIns="0" rIns="0" tIns="0" bIns="0"/>
+          <a:p>
+            <a:endParaRPr/>
+          </a:p>
+        </p:txBody>
+      </p:sp>
+      <p:pic>
+        <p:nvPicPr>
+          <p:cNvPr id="106" name="" descr=""/>
+          <p:cNvPicPr/>
+          <p:nvPr/>
+        </p:nvPicPr>
+        <p:blipFill>
+          <a:blip r:embed="rId2"/>
+          <a:stretch/>
+        </p:blipFill>
+        <p:spPr>
+          <a:xfrm>
+            <a:off x="2292480" y="1768680"/>
+            <a:ext cx="5494680" cy="4384080"/>
+          </a:xfrm>
+          <a:prstGeom prst="rect">
+            <a:avLst/>
+          </a:prstGeom>
+          <a:ln>
+            <a:noFill/>
+          </a:ln>
+        </p:spPr>
+      </p:pic>
+      <p:pic>
+        <p:nvPicPr>
+          <p:cNvPr id="107" name="" descr=""/>
+          <p:cNvPicPr/>
+          <p:nvPr/>
+        </p:nvPicPr>
+        <p:blipFill>
+          <a:blip r:embed="rId3"/>
+          <a:stretch/>
+        </p:blipFill>
+        <p:spPr>
+          <a:xfrm>
+            <a:off x="2292480" y="1768680"/>
+            <a:ext cx="5494680" cy="4384080"/>
+          </a:xfrm>
+          <a:prstGeom prst="rect">
+            <a:avLst/>
+          </a:prstGeom>
+          <a:ln>
+            <a:noFill/>
+          </a:ln>
+        </p:spPr>
+      </p:pic>
     </p:spTree>
   </p:cSld>
 </p:sldLayout>
@@ -607,7 +2917,7 @@
       </p:grpSpPr>
       <p:sp>
         <p:nvSpPr>
-          <p:cNvPr id="9" name="PlaceHolder 1"/>
+          <p:cNvPr id="6" name="PlaceHolder 1"/>
           <p:cNvSpPr>
             <a:spLocks noGrp="1"/>
           </p:cNvSpPr>
@@ -618,7 +2928,7 @@
         <p:spPr>
           <a:xfrm>
             <a:off x="504000" y="301320"/>
-            <a:ext cx="9071640" cy="1262160"/>
+            <a:ext cx="9072000" cy="1261800"/>
           </a:xfrm>
           <a:prstGeom prst="rect">
             <a:avLst/>
@@ -634,44 +2944,44 @@
       </p:sp>
       <p:sp>
         <p:nvSpPr>
-          <p:cNvPr id="10" name="PlaceHolder 2"/>
-          <p:cNvSpPr>
-            <a:spLocks noGrp="1"/>
-          </p:cNvSpPr>
-          <p:nvPr>
-            <p:ph type="body"/>
-          </p:nvPr>
-        </p:nvSpPr>
-        <p:spPr>
-          <a:xfrm>
-            <a:off x="504000" y="1769040"/>
-            <a:ext cx="4426920" cy="4384440"/>
-          </a:xfrm>
-          <a:prstGeom prst="rect">
-            <a:avLst/>
-          </a:prstGeom>
-        </p:spPr>
-        <p:txBody>
-          <a:bodyPr lIns="0" rIns="0" tIns="0" bIns="0"/>
-          <a:p>
-            <a:endParaRPr/>
-          </a:p>
-        </p:txBody>
-      </p:sp>
-      <p:sp>
-        <p:nvSpPr>
-          <p:cNvPr id="11" name="PlaceHolder 3"/>
-          <p:cNvSpPr>
-            <a:spLocks noGrp="1"/>
-          </p:cNvSpPr>
-          <p:nvPr>
-            <p:ph type="body"/>
-          </p:nvPr>
-        </p:nvSpPr>
-        <p:spPr>
-          <a:xfrm>
-            <a:off x="5152680" y="1769040"/>
-            <a:ext cx="4426920" cy="4384440"/>
+          <p:cNvPr id="7" name="PlaceHolder 2"/>
+          <p:cNvSpPr>
+            <a:spLocks noGrp="1"/>
+          </p:cNvSpPr>
+          <p:nvPr>
+            <p:ph type="body"/>
+          </p:nvPr>
+        </p:nvSpPr>
+        <p:spPr>
+          <a:xfrm>
+            <a:off x="504000" y="1768680"/>
+            <a:ext cx="4426920" cy="4384080"/>
+          </a:xfrm>
+          <a:prstGeom prst="rect">
+            <a:avLst/>
+          </a:prstGeom>
+        </p:spPr>
+        <p:txBody>
+          <a:bodyPr lIns="0" rIns="0" tIns="0" bIns="0"/>
+          <a:p>
+            <a:endParaRPr/>
+          </a:p>
+        </p:txBody>
+      </p:sp>
+      <p:sp>
+        <p:nvSpPr>
+          <p:cNvPr id="8" name="PlaceHolder 3"/>
+          <p:cNvSpPr>
+            <a:spLocks noGrp="1"/>
+          </p:cNvSpPr>
+          <p:nvPr>
+            <p:ph type="body"/>
+          </p:nvPr>
+        </p:nvSpPr>
+        <p:spPr>
+          <a:xfrm>
+            <a:off x="5152680" y="1768680"/>
+            <a:ext cx="4426920" cy="4384080"/>
           </a:xfrm>
           <a:prstGeom prst="rect">
             <a:avLst/>
@@ -708,7 +3018,7 @@
       </p:grpSpPr>
       <p:sp>
         <p:nvSpPr>
-          <p:cNvPr id="12" name="PlaceHolder 1"/>
+          <p:cNvPr id="9" name="PlaceHolder 1"/>
           <p:cNvSpPr>
             <a:spLocks noGrp="1"/>
           </p:cNvSpPr>
@@ -719,7 +3029,7 @@
         <p:spPr>
           <a:xfrm>
             <a:off x="504000" y="301320"/>
-            <a:ext cx="9071640" cy="1262160"/>
+            <a:ext cx="9072000" cy="1261800"/>
           </a:xfrm>
           <a:prstGeom prst="rect">
             <a:avLst/>
@@ -757,7 +3067,7 @@
       </p:grpSpPr>
       <p:sp>
         <p:nvSpPr>
-          <p:cNvPr id="13" name="PlaceHolder 1"/>
+          <p:cNvPr id="10" name="PlaceHolder 1"/>
           <p:cNvSpPr>
             <a:spLocks noGrp="1"/>
           </p:cNvSpPr>
@@ -768,7 +3078,7 @@
         <p:spPr>
           <a:xfrm>
             <a:off x="504000" y="301320"/>
-            <a:ext cx="9071640" cy="5851800"/>
+            <a:ext cx="9072000" cy="5850360"/>
           </a:xfrm>
           <a:prstGeom prst="rect">
             <a:avLst/>
@@ -806,7 +3116,7 @@
       </p:grpSpPr>
       <p:sp>
         <p:nvSpPr>
-          <p:cNvPr id="14" name="PlaceHolder 1"/>
+          <p:cNvPr id="11" name="PlaceHolder 1"/>
           <p:cNvSpPr>
             <a:spLocks noGrp="1"/>
           </p:cNvSpPr>
@@ -817,7 +3127,7 @@
         <p:spPr>
           <a:xfrm>
             <a:off x="504000" y="301320"/>
-            <a:ext cx="9071640" cy="1262160"/>
+            <a:ext cx="9072000" cy="1261800"/>
           </a:xfrm>
           <a:prstGeom prst="rect">
             <a:avLst/>
@@ -833,70 +3143,70 @@
       </p:sp>
       <p:sp>
         <p:nvSpPr>
-          <p:cNvPr id="15" name="PlaceHolder 2"/>
-          <p:cNvSpPr>
-            <a:spLocks noGrp="1"/>
-          </p:cNvSpPr>
-          <p:nvPr>
-            <p:ph type="body"/>
-          </p:nvPr>
-        </p:nvSpPr>
-        <p:spPr>
-          <a:xfrm>
-            <a:off x="504000" y="1769040"/>
-            <a:ext cx="4426920" cy="2091240"/>
-          </a:xfrm>
-          <a:prstGeom prst="rect">
-            <a:avLst/>
-          </a:prstGeom>
-        </p:spPr>
-        <p:txBody>
-          <a:bodyPr lIns="0" rIns="0" tIns="0" bIns="0"/>
-          <a:p>
-            <a:endParaRPr/>
-          </a:p>
-        </p:txBody>
-      </p:sp>
-      <p:sp>
-        <p:nvSpPr>
-          <p:cNvPr id="16" name="PlaceHolder 3"/>
-          <p:cNvSpPr>
-            <a:spLocks noGrp="1"/>
-          </p:cNvSpPr>
-          <p:nvPr>
-            <p:ph type="body"/>
-          </p:nvPr>
-        </p:nvSpPr>
-        <p:spPr>
-          <a:xfrm>
-            <a:off x="504000" y="4059360"/>
-            <a:ext cx="4426920" cy="2091240"/>
-          </a:xfrm>
-          <a:prstGeom prst="rect">
-            <a:avLst/>
-          </a:prstGeom>
-        </p:spPr>
-        <p:txBody>
-          <a:bodyPr lIns="0" rIns="0" tIns="0" bIns="0"/>
-          <a:p>
-            <a:endParaRPr/>
-          </a:p>
-        </p:txBody>
-      </p:sp>
-      <p:sp>
-        <p:nvSpPr>
-          <p:cNvPr id="17" name="PlaceHolder 4"/>
-          <p:cNvSpPr>
-            <a:spLocks noGrp="1"/>
-          </p:cNvSpPr>
-          <p:nvPr>
-            <p:ph type="body"/>
-          </p:nvPr>
-        </p:nvSpPr>
-        <p:spPr>
-          <a:xfrm>
-            <a:off x="5152680" y="1769040"/>
-            <a:ext cx="4426920" cy="4384440"/>
+          <p:cNvPr id="12" name="PlaceHolder 2"/>
+          <p:cNvSpPr>
+            <a:spLocks noGrp="1"/>
+          </p:cNvSpPr>
+          <p:nvPr>
+            <p:ph type="body"/>
+          </p:nvPr>
+        </p:nvSpPr>
+        <p:spPr>
+          <a:xfrm>
+            <a:off x="504000" y="1768680"/>
+            <a:ext cx="4426920" cy="2090880"/>
+          </a:xfrm>
+          <a:prstGeom prst="rect">
+            <a:avLst/>
+          </a:prstGeom>
+        </p:spPr>
+        <p:txBody>
+          <a:bodyPr lIns="0" rIns="0" tIns="0" bIns="0"/>
+          <a:p>
+            <a:endParaRPr/>
+          </a:p>
+        </p:txBody>
+      </p:sp>
+      <p:sp>
+        <p:nvSpPr>
+          <p:cNvPr id="13" name="PlaceHolder 3"/>
+          <p:cNvSpPr>
+            <a:spLocks noGrp="1"/>
+          </p:cNvSpPr>
+          <p:nvPr>
+            <p:ph type="body"/>
+          </p:nvPr>
+        </p:nvSpPr>
+        <p:spPr>
+          <a:xfrm>
+            <a:off x="504000" y="4058640"/>
+            <a:ext cx="4426920" cy="2090880"/>
+          </a:xfrm>
+          <a:prstGeom prst="rect">
+            <a:avLst/>
+          </a:prstGeom>
+        </p:spPr>
+        <p:txBody>
+          <a:bodyPr lIns="0" rIns="0" tIns="0" bIns="0"/>
+          <a:p>
+            <a:endParaRPr/>
+          </a:p>
+        </p:txBody>
+      </p:sp>
+      <p:sp>
+        <p:nvSpPr>
+          <p:cNvPr id="14" name="PlaceHolder 4"/>
+          <p:cNvSpPr>
+            <a:spLocks noGrp="1"/>
+          </p:cNvSpPr>
+          <p:nvPr>
+            <p:ph type="body"/>
+          </p:nvPr>
+        </p:nvSpPr>
+        <p:spPr>
+          <a:xfrm>
+            <a:off x="5152680" y="1768680"/>
+            <a:ext cx="4426920" cy="4384080"/>
           </a:xfrm>
           <a:prstGeom prst="rect">
             <a:avLst/>
@@ -933,7 +3243,7 @@
       </p:grpSpPr>
       <p:sp>
         <p:nvSpPr>
-          <p:cNvPr id="18" name="PlaceHolder 1"/>
+          <p:cNvPr id="15" name="PlaceHolder 1"/>
           <p:cNvSpPr>
             <a:spLocks noGrp="1"/>
           </p:cNvSpPr>
@@ -944,7 +3254,7 @@
         <p:spPr>
           <a:xfrm>
             <a:off x="504000" y="301320"/>
-            <a:ext cx="9071640" cy="1262160"/>
+            <a:ext cx="9072000" cy="1261800"/>
           </a:xfrm>
           <a:prstGeom prst="rect">
             <a:avLst/>
@@ -960,70 +3270,70 @@
       </p:sp>
       <p:sp>
         <p:nvSpPr>
-          <p:cNvPr id="19" name="PlaceHolder 2"/>
-          <p:cNvSpPr>
-            <a:spLocks noGrp="1"/>
-          </p:cNvSpPr>
-          <p:nvPr>
-            <p:ph type="body"/>
-          </p:nvPr>
-        </p:nvSpPr>
-        <p:spPr>
-          <a:xfrm>
-            <a:off x="504000" y="1769040"/>
-            <a:ext cx="4426920" cy="4384440"/>
-          </a:xfrm>
-          <a:prstGeom prst="rect">
-            <a:avLst/>
-          </a:prstGeom>
-        </p:spPr>
-        <p:txBody>
-          <a:bodyPr lIns="0" rIns="0" tIns="0" bIns="0"/>
-          <a:p>
-            <a:endParaRPr/>
-          </a:p>
-        </p:txBody>
-      </p:sp>
-      <p:sp>
-        <p:nvSpPr>
-          <p:cNvPr id="20" name="PlaceHolder 3"/>
-          <p:cNvSpPr>
-            <a:spLocks noGrp="1"/>
-          </p:cNvSpPr>
-          <p:nvPr>
-            <p:ph type="body"/>
-          </p:nvPr>
-        </p:nvSpPr>
-        <p:spPr>
-          <a:xfrm>
-            <a:off x="5152680" y="1769040"/>
-            <a:ext cx="4426920" cy="2091240"/>
-          </a:xfrm>
-          <a:prstGeom prst="rect">
-            <a:avLst/>
-          </a:prstGeom>
-        </p:spPr>
-        <p:txBody>
-          <a:bodyPr lIns="0" rIns="0" tIns="0" bIns="0"/>
-          <a:p>
-            <a:endParaRPr/>
-          </a:p>
-        </p:txBody>
-      </p:sp>
-      <p:sp>
-        <p:nvSpPr>
-          <p:cNvPr id="21" name="PlaceHolder 4"/>
-          <p:cNvSpPr>
-            <a:spLocks noGrp="1"/>
-          </p:cNvSpPr>
-          <p:nvPr>
-            <p:ph type="body"/>
-          </p:nvPr>
-        </p:nvSpPr>
-        <p:spPr>
-          <a:xfrm>
-            <a:off x="5152680" y="4059360"/>
-            <a:ext cx="4426920" cy="2091240"/>
+          <p:cNvPr id="16" name="PlaceHolder 2"/>
+          <p:cNvSpPr>
+            <a:spLocks noGrp="1"/>
+          </p:cNvSpPr>
+          <p:nvPr>
+            <p:ph type="body"/>
+          </p:nvPr>
+        </p:nvSpPr>
+        <p:spPr>
+          <a:xfrm>
+            <a:off x="504000" y="1768680"/>
+            <a:ext cx="4426920" cy="4384080"/>
+          </a:xfrm>
+          <a:prstGeom prst="rect">
+            <a:avLst/>
+          </a:prstGeom>
+        </p:spPr>
+        <p:txBody>
+          <a:bodyPr lIns="0" rIns="0" tIns="0" bIns="0"/>
+          <a:p>
+            <a:endParaRPr/>
+          </a:p>
+        </p:txBody>
+      </p:sp>
+      <p:sp>
+        <p:nvSpPr>
+          <p:cNvPr id="17" name="PlaceHolder 3"/>
+          <p:cNvSpPr>
+            <a:spLocks noGrp="1"/>
+          </p:cNvSpPr>
+          <p:nvPr>
+            <p:ph type="body"/>
+          </p:nvPr>
+        </p:nvSpPr>
+        <p:spPr>
+          <a:xfrm>
+            <a:off x="5152680" y="1768680"/>
+            <a:ext cx="4426920" cy="2090880"/>
+          </a:xfrm>
+          <a:prstGeom prst="rect">
+            <a:avLst/>
+          </a:prstGeom>
+        </p:spPr>
+        <p:txBody>
+          <a:bodyPr lIns="0" rIns="0" tIns="0" bIns="0"/>
+          <a:p>
+            <a:endParaRPr/>
+          </a:p>
+        </p:txBody>
+      </p:sp>
+      <p:sp>
+        <p:nvSpPr>
+          <p:cNvPr id="18" name="PlaceHolder 4"/>
+          <p:cNvSpPr>
+            <a:spLocks noGrp="1"/>
+          </p:cNvSpPr>
+          <p:nvPr>
+            <p:ph type="body"/>
+          </p:nvPr>
+        </p:nvSpPr>
+        <p:spPr>
+          <a:xfrm>
+            <a:off x="5152680" y="4058640"/>
+            <a:ext cx="4426920" cy="2090880"/>
           </a:xfrm>
           <a:prstGeom prst="rect">
             <a:avLst/>
@@ -1060,7 +3370,7 @@
       </p:grpSpPr>
       <p:sp>
         <p:nvSpPr>
-          <p:cNvPr id="22" name="PlaceHolder 1"/>
+          <p:cNvPr id="19" name="PlaceHolder 1"/>
           <p:cNvSpPr>
             <a:spLocks noGrp="1"/>
           </p:cNvSpPr>
@@ -1071,7 +3381,7 @@
         <p:spPr>
           <a:xfrm>
             <a:off x="504000" y="301320"/>
-            <a:ext cx="9071640" cy="1262160"/>
+            <a:ext cx="9072000" cy="1261800"/>
           </a:xfrm>
           <a:prstGeom prst="rect">
             <a:avLst/>
@@ -1087,70 +3397,70 @@
       </p:sp>
       <p:sp>
         <p:nvSpPr>
-          <p:cNvPr id="23" name="PlaceHolder 2"/>
-          <p:cNvSpPr>
-            <a:spLocks noGrp="1"/>
-          </p:cNvSpPr>
-          <p:nvPr>
-            <p:ph type="body"/>
-          </p:nvPr>
-        </p:nvSpPr>
-        <p:spPr>
-          <a:xfrm>
-            <a:off x="504000" y="1769040"/>
-            <a:ext cx="4426920" cy="2091240"/>
-          </a:xfrm>
-          <a:prstGeom prst="rect">
-            <a:avLst/>
-          </a:prstGeom>
-        </p:spPr>
-        <p:txBody>
-          <a:bodyPr lIns="0" rIns="0" tIns="0" bIns="0"/>
-          <a:p>
-            <a:endParaRPr/>
-          </a:p>
-        </p:txBody>
-      </p:sp>
-      <p:sp>
-        <p:nvSpPr>
-          <p:cNvPr id="24" name="PlaceHolder 3"/>
-          <p:cNvSpPr>
-            <a:spLocks noGrp="1"/>
-          </p:cNvSpPr>
-          <p:nvPr>
-            <p:ph type="body"/>
-          </p:nvPr>
-        </p:nvSpPr>
-        <p:spPr>
-          <a:xfrm>
-            <a:off x="5152680" y="1769040"/>
-            <a:ext cx="4426920" cy="2091240"/>
-          </a:xfrm>
-          <a:prstGeom prst="rect">
-            <a:avLst/>
-          </a:prstGeom>
-        </p:spPr>
-        <p:txBody>
-          <a:bodyPr lIns="0" rIns="0" tIns="0" bIns="0"/>
-          <a:p>
-            <a:endParaRPr/>
-          </a:p>
-        </p:txBody>
-      </p:sp>
-      <p:sp>
-        <p:nvSpPr>
-          <p:cNvPr id="25" name="PlaceHolder 4"/>
-          <p:cNvSpPr>
-            <a:spLocks noGrp="1"/>
-          </p:cNvSpPr>
-          <p:nvPr>
-            <p:ph type="body"/>
-          </p:nvPr>
-        </p:nvSpPr>
-        <p:spPr>
-          <a:xfrm>
-            <a:off x="504000" y="4059360"/>
-            <a:ext cx="9071640" cy="2091240"/>
+          <p:cNvPr id="20" name="PlaceHolder 2"/>
+          <p:cNvSpPr>
+            <a:spLocks noGrp="1"/>
+          </p:cNvSpPr>
+          <p:nvPr>
+            <p:ph type="body"/>
+          </p:nvPr>
+        </p:nvSpPr>
+        <p:spPr>
+          <a:xfrm>
+            <a:off x="504000" y="1768680"/>
+            <a:ext cx="4426920" cy="2090880"/>
+          </a:xfrm>
+          <a:prstGeom prst="rect">
+            <a:avLst/>
+          </a:prstGeom>
+        </p:spPr>
+        <p:txBody>
+          <a:bodyPr lIns="0" rIns="0" tIns="0" bIns="0"/>
+          <a:p>
+            <a:endParaRPr/>
+          </a:p>
+        </p:txBody>
+      </p:sp>
+      <p:sp>
+        <p:nvSpPr>
+          <p:cNvPr id="21" name="PlaceHolder 3"/>
+          <p:cNvSpPr>
+            <a:spLocks noGrp="1"/>
+          </p:cNvSpPr>
+          <p:nvPr>
+            <p:ph type="body"/>
+          </p:nvPr>
+        </p:nvSpPr>
+        <p:spPr>
+          <a:xfrm>
+            <a:off x="5152680" y="1768680"/>
+            <a:ext cx="4426920" cy="2090880"/>
+          </a:xfrm>
+          <a:prstGeom prst="rect">
+            <a:avLst/>
+          </a:prstGeom>
+        </p:spPr>
+        <p:txBody>
+          <a:bodyPr lIns="0" rIns="0" tIns="0" bIns="0"/>
+          <a:p>
+            <a:endParaRPr/>
+          </a:p>
+        </p:txBody>
+      </p:sp>
+      <p:sp>
+        <p:nvSpPr>
+          <p:cNvPr id="22" name="PlaceHolder 4"/>
+          <p:cNvSpPr>
+            <a:spLocks noGrp="1"/>
+          </p:cNvSpPr>
+          <p:nvPr>
+            <p:ph type="body"/>
+          </p:nvPr>
+        </p:nvSpPr>
+        <p:spPr>
+          <a:xfrm>
+            <a:off x="504000" y="4058640"/>
+            <a:ext cx="9072000" cy="2090880"/>
           </a:xfrm>
           <a:prstGeom prst="rect">
             <a:avLst/>
@@ -1198,7 +3508,7 @@
         <p:spPr>
           <a:xfrm>
             <a:off x="504000" y="301320"/>
-            <a:ext cx="9071640" cy="1262160"/>
+            <a:ext cx="9071280" cy="1261800"/>
           </a:xfrm>
           <a:prstGeom prst="rect">
             <a:avLst/>
@@ -1207,9 +3517,8 @@
         <p:txBody>
           <a:bodyPr lIns="0" rIns="0" tIns="0" bIns="0" anchor="ctr"/>
           <a:p>
-            <a:pPr algn="ctr"/>
             <a:r>
-              <a:rPr lang="en-US" sz="4400">
+              <a:rPr lang="en-US">
                 <a:latin typeface="Arial"/>
               </a:rPr>
               <a:t>Click to edit the title text format</a:t>
@@ -1231,7 +3540,7 @@
         <p:spPr>
           <a:xfrm>
             <a:off x="504000" y="1769040"/>
-            <a:ext cx="9071640" cy="4384440"/>
+            <a:ext cx="9071280" cy="4384080"/>
           </a:xfrm>
           <a:prstGeom prst="rect">
             <a:avLst/>
@@ -1246,7 +3555,7 @@
               <a:buChar char=""/>
             </a:pPr>
             <a:r>
-              <a:rPr lang="en-US" sz="3200">
+              <a:rPr lang="en-US">
                 <a:latin typeface="Arial"/>
               </a:rPr>
               <a:t>Click to edit the outline text format</a:t>
@@ -1260,7 +3569,7 @@
               <a:buChar char=""/>
             </a:pPr>
             <a:r>
-              <a:rPr lang="en-US" sz="2800">
+              <a:rPr lang="en-US">
                 <a:latin typeface="Arial"/>
               </a:rPr>
               <a:t>Second Outline Level</a:t>
@@ -1274,7 +3583,7 @@
               <a:buChar char=""/>
             </a:pPr>
             <a:r>
-              <a:rPr lang="en-US" sz="2400">
+              <a:rPr lang="en-US">
                 <a:latin typeface="Arial"/>
               </a:rPr>
               <a:t>Third Outline Level</a:t>
@@ -1288,7 +3597,7 @@
               <a:buChar char=""/>
             </a:pPr>
             <a:r>
-              <a:rPr lang="en-US" sz="2000">
+              <a:rPr lang="en-US">
                 <a:latin typeface="Arial"/>
               </a:rPr>
               <a:t>Fourth Outline Level</a:t>
@@ -1302,7 +3611,7 @@
               <a:buChar char=""/>
             </a:pPr>
             <a:r>
-              <a:rPr lang="en-US" sz="2000">
+              <a:rPr lang="en-US">
                 <a:latin typeface="Arial"/>
               </a:rPr>
               <a:t>Fifth Outline Level</a:t>
@@ -1316,7 +3625,7 @@
               <a:buChar char=""/>
             </a:pPr>
             <a:r>
-              <a:rPr lang="en-US" sz="2000">
+              <a:rPr lang="en-US">
                 <a:latin typeface="Arial"/>
               </a:rPr>
               <a:t>Sixth Outline Level</a:t>
@@ -1330,109 +3639,11 @@
               <a:buChar char=""/>
             </a:pPr>
             <a:r>
-              <a:rPr lang="en-US" sz="2000">
+              <a:rPr lang="en-US">
                 <a:latin typeface="Arial"/>
               </a:rPr>
               <a:t>Seventh Outline Level</a:t>
             </a:r>
-            <a:endParaRPr/>
-          </a:p>
-        </p:txBody>
-      </p:sp>
-      <p:sp>
-        <p:nvSpPr>
-          <p:cNvPr id="2" name="PlaceHolder 3"/>
-          <p:cNvSpPr>
-            <a:spLocks noGrp="1"/>
-          </p:cNvSpPr>
-          <p:nvPr>
-            <p:ph type="dt"/>
-          </p:nvPr>
-        </p:nvSpPr>
-        <p:spPr>
-          <a:xfrm>
-            <a:off x="504000" y="6887160"/>
-            <a:ext cx="2348280" cy="521280"/>
-          </a:xfrm>
-          <a:prstGeom prst="rect">
-            <a:avLst/>
-          </a:prstGeom>
-        </p:spPr>
-        <p:txBody>
-          <a:bodyPr lIns="0" rIns="0" tIns="0" bIns="0"/>
-          <a:p>
-            <a:r>
-              <a:rPr lang="en-US" sz="1400">
-                <a:latin typeface="Times New Roman"/>
-              </a:rPr>
-              <a:t>&lt;date/time&gt;</a:t>
-            </a:r>
-            <a:endParaRPr/>
-          </a:p>
-        </p:txBody>
-      </p:sp>
-      <p:sp>
-        <p:nvSpPr>
-          <p:cNvPr id="3" name="PlaceHolder 4"/>
-          <p:cNvSpPr>
-            <a:spLocks noGrp="1"/>
-          </p:cNvSpPr>
-          <p:nvPr>
-            <p:ph type="ftr"/>
-          </p:nvPr>
-        </p:nvSpPr>
-        <p:spPr>
-          <a:xfrm>
-            <a:off x="3447360" y="6887160"/>
-            <a:ext cx="3195000" cy="521280"/>
-          </a:xfrm>
-          <a:prstGeom prst="rect">
-            <a:avLst/>
-          </a:prstGeom>
-        </p:spPr>
-        <p:txBody>
-          <a:bodyPr lIns="0" rIns="0" tIns="0" bIns="0"/>
-          <a:p>
-            <a:pPr algn="ctr"/>
-            <a:r>
-              <a:rPr lang="en-US" sz="1400">
-                <a:latin typeface="Times New Roman"/>
-              </a:rPr>
-              <a:t>&lt;footer&gt;</a:t>
-            </a:r>
-            <a:endParaRPr/>
-          </a:p>
-        </p:txBody>
-      </p:sp>
-      <p:sp>
-        <p:nvSpPr>
-          <p:cNvPr id="4" name="PlaceHolder 5"/>
-          <p:cNvSpPr>
-            <a:spLocks noGrp="1"/>
-          </p:cNvSpPr>
-          <p:nvPr>
-            <p:ph type="sldNum"/>
-          </p:nvPr>
-        </p:nvSpPr>
-        <p:spPr>
-          <a:xfrm>
-            <a:off x="7227360" y="6887160"/>
-            <a:ext cx="2348280" cy="521280"/>
-          </a:xfrm>
-          <a:prstGeom prst="rect">
-            <a:avLst/>
-          </a:prstGeom>
-        </p:spPr>
-        <p:txBody>
-          <a:bodyPr lIns="0" rIns="0" tIns="0" bIns="0"/>
-          <a:p>
-            <a:pPr algn="r"/>
-            <a:fld id="{5F94E86F-BD34-42E9-88C0-0EBBCBE0801E}" type="slidenum">
-              <a:rPr lang="en-US" sz="1400">
-                <a:latin typeface="Times New Roman"/>
-              </a:rPr>
-              <a:t>&lt;number&gt;</a:t>
-            </a:fld>
             <a:endParaRPr/>
           </a:p>
         </p:txBody>
@@ -1453,6 +3664,387 @@
     <p:sldLayoutId id="2147483658" r:id="rId11"/>
     <p:sldLayoutId id="2147483659" r:id="rId12"/>
     <p:sldLayoutId id="2147483660" r:id="rId13"/>
+  </p:sldLayoutIdLst>
+</p:sldMaster>
+</file>
+
+<file path=ppt/slideMasters/slideMaster2.xml><?xml version="1.0" encoding="utf-8"?>
+<p:sldMaster xmlns:a="http://schemas.openxmlformats.org/drawingml/2006/main" xmlns:p="http://schemas.openxmlformats.org/presentationml/2006/main" xmlns:r="http://schemas.openxmlformats.org/officeDocument/2006/relationships">
+  <p:cSld>
+    <p:spTree>
+      <p:nvGrpSpPr>
+        <p:cNvPr id="1" name=""/>
+        <p:cNvGrpSpPr/>
+        <p:nvPr/>
+      </p:nvGrpSpPr>
+      <p:grpSpPr>
+        <a:xfrm>
+          <a:off x="0" y="0"/>
+          <a:ext cx="0" cy="0"/>
+          <a:chOff x="0" y="0"/>
+          <a:chExt cx="0" cy="0"/>
+        </a:xfrm>
+      </p:grpSpPr>
+      <p:sp>
+        <p:nvSpPr>
+          <p:cNvPr id="36" name="PlaceHolder 1"/>
+          <p:cNvSpPr>
+            <a:spLocks noGrp="1"/>
+          </p:cNvSpPr>
+          <p:nvPr>
+            <p:ph type="title"/>
+          </p:nvPr>
+        </p:nvSpPr>
+        <p:spPr>
+          <a:xfrm>
+            <a:off x="504000" y="301320"/>
+            <a:ext cx="9071280" cy="1261800"/>
+          </a:xfrm>
+          <a:prstGeom prst="rect">
+            <a:avLst/>
+          </a:prstGeom>
+        </p:spPr>
+        <p:txBody>
+          <a:bodyPr lIns="0" rIns="0" tIns="0" bIns="0" anchor="ctr"/>
+          <a:p>
+            <a:r>
+              <a:rPr lang="en-US">
+                <a:latin typeface="Arial"/>
+              </a:rPr>
+              <a:t>Click to edit the title text format</a:t>
+            </a:r>
+            <a:endParaRPr/>
+          </a:p>
+        </p:txBody>
+      </p:sp>
+      <p:sp>
+        <p:nvSpPr>
+          <p:cNvPr id="37" name="PlaceHolder 2"/>
+          <p:cNvSpPr>
+            <a:spLocks noGrp="1"/>
+          </p:cNvSpPr>
+          <p:nvPr>
+            <p:ph type="body"/>
+          </p:nvPr>
+        </p:nvSpPr>
+        <p:spPr>
+          <a:xfrm>
+            <a:off x="504000" y="1768680"/>
+            <a:ext cx="9072000" cy="4384080"/>
+          </a:xfrm>
+          <a:prstGeom prst="rect">
+            <a:avLst/>
+          </a:prstGeom>
+        </p:spPr>
+        <p:txBody>
+          <a:bodyPr lIns="0" rIns="0" tIns="0" bIns="0"/>
+          <a:p>
+            <a:pPr>
+              <a:buSzPct val="45000"/>
+              <a:buFont typeface="StarSymbol"/>
+              <a:buChar char=""/>
+            </a:pPr>
+            <a:r>
+              <a:rPr lang="en-US" sz="3200">
+                <a:latin typeface="Arial"/>
+              </a:rPr>
+              <a:t>Click to edit the outline text format</a:t>
+            </a:r>
+            <a:endParaRPr/>
+          </a:p>
+          <a:p>
+            <a:pPr lvl="1">
+              <a:buSzPct val="75000"/>
+              <a:buFont typeface="StarSymbol"/>
+              <a:buChar char=""/>
+            </a:pPr>
+            <a:r>
+              <a:rPr lang="en-US" sz="2800">
+                <a:latin typeface="Arial"/>
+              </a:rPr>
+              <a:t>Second Outline Level</a:t>
+            </a:r>
+            <a:endParaRPr/>
+          </a:p>
+          <a:p>
+            <a:pPr lvl="2">
+              <a:buSzPct val="45000"/>
+              <a:buFont typeface="StarSymbol"/>
+              <a:buChar char=""/>
+            </a:pPr>
+            <a:r>
+              <a:rPr lang="en-US" sz="2400">
+                <a:latin typeface="Arial"/>
+              </a:rPr>
+              <a:t>Third Outline Level</a:t>
+            </a:r>
+            <a:endParaRPr/>
+          </a:p>
+          <a:p>
+            <a:pPr lvl="3">
+              <a:buSzPct val="75000"/>
+              <a:buFont typeface="StarSymbol"/>
+              <a:buChar char=""/>
+            </a:pPr>
+            <a:r>
+              <a:rPr lang="en-US" sz="2000">
+                <a:latin typeface="Arial"/>
+              </a:rPr>
+              <a:t>Fourth Outline Level</a:t>
+            </a:r>
+            <a:endParaRPr/>
+          </a:p>
+          <a:p>
+            <a:pPr lvl="4">
+              <a:buSzPct val="45000"/>
+              <a:buFont typeface="StarSymbol"/>
+              <a:buChar char=""/>
+            </a:pPr>
+            <a:r>
+              <a:rPr lang="en-US" sz="2000">
+                <a:latin typeface="Arial"/>
+              </a:rPr>
+              <a:t>Fifth Outline Level</a:t>
+            </a:r>
+            <a:endParaRPr/>
+          </a:p>
+          <a:p>
+            <a:pPr lvl="5">
+              <a:buSzPct val="45000"/>
+              <a:buFont typeface="StarSymbol"/>
+              <a:buChar char=""/>
+            </a:pPr>
+            <a:r>
+              <a:rPr lang="en-US" sz="2000">
+                <a:latin typeface="Arial"/>
+              </a:rPr>
+              <a:t>Sixth Outline Level</a:t>
+            </a:r>
+            <a:endParaRPr/>
+          </a:p>
+          <a:p>
+            <a:pPr lvl="6">
+              <a:buSzPct val="45000"/>
+              <a:buFont typeface="StarSymbol"/>
+              <a:buChar char=""/>
+            </a:pPr>
+            <a:r>
+              <a:rPr lang="en-US" sz="2000">
+                <a:latin typeface="Arial"/>
+              </a:rPr>
+              <a:t>Seventh Outline Level</a:t>
+            </a:r>
+            <a:endParaRPr/>
+          </a:p>
+        </p:txBody>
+      </p:sp>
+    </p:spTree>
+  </p:cSld>
+  <p:clrMap bg1="lt1" bg2="lt2" tx1="dk1" tx2="dk2" accent1="accent1" accent2="accent2" accent3="accent3" accent4="accent4" accent5="accent5" accent6="accent6" hlink="hlink" folHlink="folHlink"/>
+  <p:sldLayoutIdLst>
+    <p:sldLayoutId id="2147483662" r:id="rId2"/>
+    <p:sldLayoutId id="2147483663" r:id="rId3"/>
+    <p:sldLayoutId id="2147483664" r:id="rId4"/>
+    <p:sldLayoutId id="2147483665" r:id="rId5"/>
+    <p:sldLayoutId id="2147483666" r:id="rId6"/>
+    <p:sldLayoutId id="2147483667" r:id="rId7"/>
+    <p:sldLayoutId id="2147483668" r:id="rId8"/>
+    <p:sldLayoutId id="2147483669" r:id="rId9"/>
+    <p:sldLayoutId id="2147483670" r:id="rId10"/>
+    <p:sldLayoutId id="2147483671" r:id="rId11"/>
+    <p:sldLayoutId id="2147483672" r:id="rId12"/>
+    <p:sldLayoutId id="2147483673" r:id="rId13"/>
+  </p:sldLayoutIdLst>
+</p:sldMaster>
+</file>
+
+<file path=ppt/slideMasters/slideMaster3.xml><?xml version="1.0" encoding="utf-8"?>
+<p:sldMaster xmlns:a="http://schemas.openxmlformats.org/drawingml/2006/main" xmlns:p="http://schemas.openxmlformats.org/presentationml/2006/main" xmlns:r="http://schemas.openxmlformats.org/officeDocument/2006/relationships">
+  <p:cSld>
+    <p:spTree>
+      <p:nvGrpSpPr>
+        <p:cNvPr id="1" name=""/>
+        <p:cNvGrpSpPr/>
+        <p:nvPr/>
+      </p:nvGrpSpPr>
+      <p:grpSpPr>
+        <a:xfrm>
+          <a:off x="0" y="0"/>
+          <a:ext cx="0" cy="0"/>
+          <a:chOff x="0" y="0"/>
+          <a:chExt cx="0" cy="0"/>
+        </a:xfrm>
+      </p:grpSpPr>
+      <p:sp>
+        <p:nvSpPr>
+          <p:cNvPr id="72" name="PlaceHolder 1"/>
+          <p:cNvSpPr>
+            <a:spLocks noGrp="1"/>
+          </p:cNvSpPr>
+          <p:nvPr>
+            <p:ph type="title"/>
+          </p:nvPr>
+        </p:nvSpPr>
+        <p:spPr>
+          <a:xfrm>
+            <a:off x="504000" y="301320"/>
+            <a:ext cx="9072000" cy="1261800"/>
+          </a:xfrm>
+          <a:prstGeom prst="rect">
+            <a:avLst/>
+          </a:prstGeom>
+        </p:spPr>
+        <p:txBody>
+          <a:bodyPr lIns="0" rIns="0" tIns="0" bIns="0" anchor="ctr"/>
+          <a:p>
+            <a:pPr algn="ctr"/>
+            <a:r>
+              <a:rPr lang="en-US" sz="4400">
+                <a:latin typeface="Arial"/>
+              </a:rPr>
+              <a:t>Click to edit the title text format</a:t>
+            </a:r>
+            <a:endParaRPr/>
+          </a:p>
+        </p:txBody>
+      </p:sp>
+      <p:sp>
+        <p:nvSpPr>
+          <p:cNvPr id="73" name="PlaceHolder 2"/>
+          <p:cNvSpPr>
+            <a:spLocks noGrp="1"/>
+          </p:cNvSpPr>
+          <p:nvPr>
+            <p:ph type="body"/>
+          </p:nvPr>
+        </p:nvSpPr>
+        <p:spPr>
+          <a:xfrm>
+            <a:off x="504000" y="1768680"/>
+            <a:ext cx="9072000" cy="4384080"/>
+          </a:xfrm>
+          <a:prstGeom prst="rect">
+            <a:avLst/>
+          </a:prstGeom>
+        </p:spPr>
+        <p:txBody>
+          <a:bodyPr lIns="0" rIns="0" tIns="0" bIns="0"/>
+          <a:p>
+            <a:pPr>
+              <a:buSzPct val="45000"/>
+              <a:buFont typeface="StarSymbol"/>
+              <a:buChar char=""/>
+            </a:pPr>
+            <a:r>
+              <a:rPr lang="en-US" sz="3200">
+                <a:latin typeface="Arial"/>
+              </a:rPr>
+              <a:t>Click to edit the outline text format</a:t>
+            </a:r>
+            <a:endParaRPr/>
+          </a:p>
+          <a:p>
+            <a:pPr lvl="1">
+              <a:buSzPct val="75000"/>
+              <a:buFont typeface="StarSymbol"/>
+              <a:buChar char=""/>
+            </a:pPr>
+            <a:r>
+              <a:rPr lang="en-US" sz="2800">
+                <a:latin typeface="Arial"/>
+              </a:rPr>
+              <a:t>Second Outline Level</a:t>
+            </a:r>
+            <a:endParaRPr/>
+          </a:p>
+          <a:p>
+            <a:pPr lvl="2">
+              <a:buSzPct val="45000"/>
+              <a:buFont typeface="StarSymbol"/>
+              <a:buChar char=""/>
+            </a:pPr>
+            <a:r>
+              <a:rPr lang="en-US" sz="2400">
+                <a:latin typeface="Arial"/>
+              </a:rPr>
+              <a:t>Third Outline Level</a:t>
+            </a:r>
+            <a:endParaRPr/>
+          </a:p>
+          <a:p>
+            <a:pPr lvl="3">
+              <a:buSzPct val="75000"/>
+              <a:buFont typeface="StarSymbol"/>
+              <a:buChar char=""/>
+            </a:pPr>
+            <a:r>
+              <a:rPr lang="en-US" sz="2000">
+                <a:latin typeface="Arial"/>
+              </a:rPr>
+              <a:t>Fourth Outline Level</a:t>
+            </a:r>
+            <a:endParaRPr/>
+          </a:p>
+          <a:p>
+            <a:pPr lvl="4">
+              <a:buSzPct val="45000"/>
+              <a:buFont typeface="StarSymbol"/>
+              <a:buChar char=""/>
+            </a:pPr>
+            <a:r>
+              <a:rPr lang="en-US" sz="2000">
+                <a:latin typeface="Arial"/>
+              </a:rPr>
+              <a:t>Fifth Outline Level</a:t>
+            </a:r>
+            <a:endParaRPr/>
+          </a:p>
+          <a:p>
+            <a:pPr lvl="5">
+              <a:buSzPct val="45000"/>
+              <a:buFont typeface="StarSymbol"/>
+              <a:buChar char=""/>
+            </a:pPr>
+            <a:r>
+              <a:rPr lang="en-US" sz="2000">
+                <a:latin typeface="Arial"/>
+              </a:rPr>
+              <a:t>Sixth Outline Level</a:t>
+            </a:r>
+            <a:endParaRPr/>
+          </a:p>
+          <a:p>
+            <a:pPr lvl="6">
+              <a:buSzPct val="45000"/>
+              <a:buFont typeface="StarSymbol"/>
+              <a:buChar char=""/>
+            </a:pPr>
+            <a:r>
+              <a:rPr lang="en-US" sz="2000">
+                <a:latin typeface="Arial"/>
+              </a:rPr>
+              <a:t>Seventh Outline Level</a:t>
+            </a:r>
+            <a:endParaRPr/>
+          </a:p>
+        </p:txBody>
+      </p:sp>
+    </p:spTree>
+  </p:cSld>
+  <p:clrMap bg1="lt1" bg2="lt2" tx1="dk1" tx2="dk2" accent1="accent1" accent2="accent2" accent3="accent3" accent4="accent4" accent5="accent5" accent6="accent6" hlink="hlink" folHlink="folHlink"/>
+  <p:sldLayoutIdLst>
+    <p:sldLayoutId id="2147483675" r:id="rId2"/>
+    <p:sldLayoutId id="2147483676" r:id="rId3"/>
+    <p:sldLayoutId id="2147483677" r:id="rId4"/>
+    <p:sldLayoutId id="2147483678" r:id="rId5"/>
+    <p:sldLayoutId id="2147483679" r:id="rId6"/>
+    <p:sldLayoutId id="2147483680" r:id="rId7"/>
+    <p:sldLayoutId id="2147483681" r:id="rId8"/>
+    <p:sldLayoutId id="2147483682" r:id="rId9"/>
+    <p:sldLayoutId id="2147483683" r:id="rId10"/>
+    <p:sldLayoutId id="2147483684" r:id="rId11"/>
+    <p:sldLayoutId id="2147483685" r:id="rId12"/>
+    <p:sldLayoutId id="2147483686" r:id="rId13"/>
   </p:sldLayoutIdLst>
 </p:sldMaster>
 </file>
@@ -1476,14 +4068,14 @@
       </p:grpSpPr>
       <p:sp>
         <p:nvSpPr>
-          <p:cNvPr id="39" name="TextShape 1"/>
-          <p:cNvSpPr txBox="1"/>
+          <p:cNvPr id="108" name="CustomShape 1"/>
+          <p:cNvSpPr/>
           <p:nvPr/>
         </p:nvSpPr>
         <p:spPr>
           <a:xfrm>
             <a:off x="504000" y="301320"/>
-            <a:ext cx="9071640" cy="1262160"/>
+            <a:ext cx="9071280" cy="1261800"/>
           </a:xfrm>
           <a:prstGeom prst="rect">
             <a:avLst/>
@@ -1493,12 +4085,22 @@
             <a:noFill/>
           </a:ln>
         </p:spPr>
+        <p:style>
+          <a:lnRef idx="0"/>
+          <a:fillRef idx="0"/>
+          <a:effectRef idx="0"/>
+          <a:fontRef idx="minor"/>
+        </p:style>
         <p:txBody>
           <a:bodyPr lIns="0" rIns="0" tIns="0" bIns="0" anchor="ctr"/>
           <a:p>
-            <a:pPr algn="ctr"/>
+            <a:pPr algn="ctr">
+              <a:lnSpc>
+                <a:spcPct val="100000"/>
+              </a:lnSpc>
+            </a:pPr>
             <a:r>
-              <a:rPr lang="en-US" sz="4400">
+              <a:rPr lang="en-US" sz="4400" strike="noStrike">
                 <a:latin typeface="Arial"/>
               </a:rPr>
               <a:t>Effective FP Data Structures</a:t>
@@ -1509,14 +4111,14 @@
       </p:sp>
       <p:sp>
         <p:nvSpPr>
-          <p:cNvPr id="40" name="TextShape 2"/>
-          <p:cNvSpPr txBox="1"/>
+          <p:cNvPr id="109" name="CustomShape 2"/>
+          <p:cNvSpPr/>
           <p:nvPr/>
         </p:nvSpPr>
         <p:spPr>
           <a:xfrm>
             <a:off x="504000" y="1769040"/>
-            <a:ext cx="9071640" cy="4384440"/>
+            <a:ext cx="9071280" cy="4384080"/>
           </a:xfrm>
           <a:prstGeom prst="rect">
             <a:avLst/>
@@ -1526,11 +4128,17 @@
             <a:noFill/>
           </a:ln>
         </p:spPr>
+        <p:style>
+          <a:lnRef idx="0"/>
+          <a:fillRef idx="0"/>
+          <a:effectRef idx="0"/>
+          <a:fontRef idx="minor"/>
+        </p:style>
         <p:txBody>
           <a:bodyPr lIns="0" rIns="0" tIns="0" bIns="0"/>
           <a:p>
             <a:r>
-              <a:rPr lang="en-US" sz="2000">
+              <a:rPr lang="en-US" sz="2000" strike="noStrike">
                 <a:solidFill>
                   <a:srgbClr val="000000"/>
                 </a:solidFill>
@@ -1542,7 +4150,7 @@
           </a:p>
           <a:p>
             <a:r>
-              <a:rPr lang="en-US" sz="2000">
+              <a:rPr lang="en-US" sz="2000" strike="noStrike">
                 <a:solidFill>
                   <a:srgbClr val="000000"/>
                 </a:solidFill>
@@ -1554,7 +4162,7 @@
           </a:p>
           <a:p>
             <a:r>
-              <a:rPr lang="en-US" sz="2000">
+              <a:rPr lang="en-US" sz="2000" strike="noStrike">
                 <a:solidFill>
                   <a:srgbClr val="000000"/>
                 </a:solidFill>
@@ -1575,7 +4183,7 @@
           </a:p>
           <a:p>
             <a:r>
-              <a:rPr lang="en-US" sz="1600">
+              <a:rPr lang="en-US" sz="1600" strike="noStrike">
                 <a:solidFill>
                   <a:srgbClr val="000000"/>
                 </a:solidFill>
@@ -1638,14 +4246,14 @@
       </p:grpSpPr>
       <p:sp>
         <p:nvSpPr>
-          <p:cNvPr id="41" name="TextShape 1"/>
-          <p:cNvSpPr txBox="1"/>
+          <p:cNvPr id="110" name="CustomShape 1"/>
+          <p:cNvSpPr/>
           <p:nvPr/>
         </p:nvSpPr>
         <p:spPr>
           <a:xfrm>
             <a:off x="0" y="9720"/>
-            <a:ext cx="10080000" cy="456120"/>
+            <a:ext cx="10079640" cy="455760"/>
           </a:xfrm>
           <a:prstGeom prst="rect">
             <a:avLst/>
@@ -1655,12 +4263,22 @@
             <a:noFill/>
           </a:ln>
         </p:spPr>
+        <p:style>
+          <a:lnRef idx="0"/>
+          <a:fillRef idx="0"/>
+          <a:effectRef idx="0"/>
+          <a:fontRef idx="minor"/>
+        </p:style>
         <p:txBody>
           <a:bodyPr lIns="0" rIns="0" tIns="0" bIns="0" anchor="ctr"/>
           <a:p>
-            <a:pPr algn="ctr"/>
+            <a:pPr algn="ctr">
+              <a:lnSpc>
+                <a:spcPct val="100000"/>
+              </a:lnSpc>
+            </a:pPr>
             <a:r>
-              <a:rPr lang="en-US" sz="3200">
+              <a:rPr lang="en-US" sz="3200" strike="noStrike">
                 <a:latin typeface="Arial"/>
               </a:rPr>
               <a:t>Asymptotic Growth</a:t>
@@ -1671,14 +4289,14 @@
       </p:sp>
       <p:sp>
         <p:nvSpPr>
-          <p:cNvPr id="42" name="TextShape 2"/>
-          <p:cNvSpPr txBox="1"/>
+          <p:cNvPr id="111" name="CustomShape 2"/>
+          <p:cNvSpPr/>
           <p:nvPr/>
         </p:nvSpPr>
         <p:spPr>
           <a:xfrm>
             <a:off x="548640" y="548640"/>
-            <a:ext cx="9418320" cy="6858000"/>
+            <a:ext cx="9417960" cy="6857640"/>
           </a:xfrm>
           <a:prstGeom prst="rect">
             <a:avLst/>
@@ -1688,50 +4306,65 @@
             <a:noFill/>
           </a:ln>
         </p:spPr>
+        <p:style>
+          <a:lnRef idx="0"/>
+          <a:fillRef idx="0"/>
+          <a:effectRef idx="0"/>
+          <a:fontRef idx="minor"/>
+        </p:style>
         <p:txBody>
           <a:bodyPr lIns="0" rIns="0" tIns="0" bIns="0"/>
           <a:p>
             <a:r>
-              <a:rPr lang="en-US" sz="2400">
+              <a:rPr lang="en-US" sz="2400" strike="noStrike">
                 <a:solidFill>
                   <a:srgbClr val="0047ff"/>
                 </a:solidFill>
                 <a:latin typeface="Arial"/>
               </a:rPr>
-              <a:t>y</a:t>
+              <a:t>y = x * ((ln x) / (ln 2))      </a:t>
             </a:r>
             <a:r>
-              <a:rPr lang="en-US" sz="2400">
-                <a:latin typeface="Arial"/>
-              </a:rPr>
-              <a:t> = x * ((ln x) / (ln 2))      </a:t>
-            </a:r>
-            <a:r>
-              <a:rPr i="1" lang="en-US" sz="2400">
+              <a:rPr i="1" lang="en-US" sz="2400" strike="noStrike">
+                <a:solidFill>
+                  <a:srgbClr val="0047ff"/>
+                </a:solidFill>
                 <a:latin typeface="Arial"/>
               </a:rPr>
               <a:t>n</a:t>
             </a:r>
             <a:r>
-              <a:rPr lang="en-US" sz="2400">
+              <a:rPr lang="en-US" sz="2400" strike="noStrike">
+                <a:solidFill>
+                  <a:srgbClr val="0047ff"/>
+                </a:solidFill>
                 <a:latin typeface="Arial"/>
               </a:rPr>
               <a:t> × log</a:t>
             </a:r>
             <a:r>
-              <a:rPr lang="en-US" sz="2400" baseline="-33000">
+              <a:rPr lang="en-US" sz="2400" strike="noStrike" baseline="-33000">
+                <a:solidFill>
+                  <a:srgbClr val="0047ff"/>
+                </a:solidFill>
                 <a:latin typeface="Arial"/>
               </a:rPr>
               <a:t>2</a:t>
             </a:r>
             <a:r>
-              <a:rPr lang="en-US" sz="2400">
+              <a:rPr lang="en-US" sz="2400" strike="noStrike">
+                <a:solidFill>
+                  <a:srgbClr val="0047ff"/>
+                </a:solidFill>
                 <a:latin typeface="Arial"/>
               </a:rPr>
               <a:t> </a:t>
             </a:r>
             <a:r>
-              <a:rPr i="1" lang="en-US" sz="2400">
+              <a:rPr i="1" lang="en-US" sz="2400" strike="noStrike">
+                <a:solidFill>
+                  <a:srgbClr val="0047ff"/>
+                </a:solidFill>
                 <a:latin typeface="Arial"/>
               </a:rPr>
               <a:t>n</a:t>
@@ -1740,52 +4373,49 @@
           </a:p>
           <a:p>
             <a:r>
-              <a:rPr lang="en-US" sz="2400">
+              <a:rPr lang="en-US" sz="2400" strike="noStrike">
                 <a:solidFill>
                   <a:srgbClr val="ff0000"/>
                 </a:solidFill>
                 <a:latin typeface="Arial"/>
               </a:rPr>
-              <a:t>y</a:t>
+              <a:t>y = x</a:t>
             </a:r>
+            <a:endParaRPr/>
+          </a:p>
+          <a:p>
             <a:r>
-              <a:rPr lang="en-US" sz="2400">
-                <a:latin typeface="Arial"/>
-              </a:rPr>
-              <a:t> = x</a:t>
-            </a:r>
-            <a:endParaRPr/>
-          </a:p>
-          <a:p>
-            <a:r>
-              <a:rPr lang="en-US" sz="2400">
+              <a:rPr lang="en-US" sz="2400" strike="noStrike">
                 <a:solidFill>
                   <a:srgbClr val="ff950e"/>
                 </a:solidFill>
                 <a:latin typeface="Arial"/>
               </a:rPr>
-              <a:t>y</a:t>
+              <a:t>y = (ln x) / (ln 2)              log</a:t>
             </a:r>
             <a:r>
-              <a:rPr lang="en-US" sz="2400">
-                <a:latin typeface="Arial"/>
-              </a:rPr>
-              <a:t> = (ln x) / (ln 2)              log</a:t>
-            </a:r>
-            <a:r>
-              <a:rPr lang="en-US" sz="2400" baseline="-33000">
+              <a:rPr lang="en-US" sz="2400" strike="noStrike" baseline="-33000">
+                <a:solidFill>
+                  <a:srgbClr val="ff950e"/>
+                </a:solidFill>
                 <a:latin typeface="Arial"/>
               </a:rPr>
               <a:t>2</a:t>
             </a:r>
             <a:r>
-              <a:rPr lang="en-US" sz="2400">
+              <a:rPr lang="en-US" sz="2400" strike="noStrike">
+                <a:solidFill>
+                  <a:srgbClr val="ff950e"/>
+                </a:solidFill>
                 <a:latin typeface="Arial"/>
               </a:rPr>
               <a:t> </a:t>
             </a:r>
             <a:r>
-              <a:rPr i="1" lang="en-US" sz="2400">
+              <a:rPr i="1" lang="en-US" sz="2400" strike="noStrike">
+                <a:solidFill>
+                  <a:srgbClr val="ff950e"/>
+                </a:solidFill>
                 <a:latin typeface="Arial"/>
               </a:rPr>
               <a:t>n</a:t>
@@ -1794,34 +4424,37 @@
           </a:p>
           <a:p>
             <a:r>
-              <a:rPr lang="en-US" sz="2400">
+              <a:rPr lang="en-US" sz="2400" strike="noStrike">
                 <a:solidFill>
                   <a:srgbClr val="008000"/>
                 </a:solidFill>
                 <a:latin typeface="Arial"/>
               </a:rPr>
-              <a:t>y</a:t>
+              <a:t>y = (ln x) / (ln 32)            log</a:t>
             </a:r>
             <a:r>
-              <a:rPr lang="en-US" sz="2400">
-                <a:latin typeface="Arial"/>
-              </a:rPr>
-              <a:t> = (ln x) / (ln 32)            log</a:t>
-            </a:r>
-            <a:r>
-              <a:rPr lang="en-US" sz="2400" baseline="-33000">
+              <a:rPr lang="en-US" sz="2400" strike="noStrike" baseline="-33000">
+                <a:solidFill>
+                  <a:srgbClr val="008000"/>
+                </a:solidFill>
                 <a:latin typeface="Arial"/>
               </a:rPr>
               <a:t>32</a:t>
             </a:r>
             <a:r>
-              <a:rPr lang="en-US" sz="2400">
+              <a:rPr lang="en-US" sz="2400" strike="noStrike">
+                <a:solidFill>
+                  <a:srgbClr val="008000"/>
+                </a:solidFill>
                 <a:latin typeface="Arial"/>
               </a:rPr>
               <a:t> </a:t>
             </a:r>
             <a:r>
-              <a:rPr i="1" lang="en-US" sz="2400">
+              <a:rPr i="1" lang="en-US" sz="2400" strike="noStrike">
+                <a:solidFill>
+                  <a:srgbClr val="008000"/>
+                </a:solidFill>
                 <a:latin typeface="Arial"/>
               </a:rPr>
               <a:t>n</a:t>
@@ -1838,7 +4471,7 @@
       </p:sp>
       <p:pic>
         <p:nvPicPr>
-          <p:cNvPr id="43" name="" descr=""/>
+          <p:cNvPr id="112" name="" descr=""/>
           <p:cNvPicPr/>
           <p:nvPr/>
         </p:nvPicPr>
@@ -1849,7 +4482,7 @@
         <p:spPr>
           <a:xfrm>
             <a:off x="457200" y="2286000"/>
-            <a:ext cx="9013680" cy="5170320"/>
+            <a:ext cx="9013320" cy="5169960"/>
           </a:xfrm>
           <a:prstGeom prst="rect">
             <a:avLst/>
@@ -1910,13 +4543,13 @@
       </p:grpSpPr>
       <p:graphicFrame>
         <p:nvGraphicFramePr>
-          <p:cNvPr id="44" name="Table 1"/>
+          <p:cNvPr id="113" name="Table 1"/>
           <p:cNvGraphicFramePr/>
           <p:nvPr/>
         </p:nvGraphicFramePr>
         <p:xfrm>
           <a:off x="182880" y="182880"/>
-          <a:ext cx="9600480" cy="7223760"/>
+          <a:ext cx="9600480" cy="7223400"/>
         </p:xfrm>
         <a:graphic>
           <a:graphicData uri="http://schemas.openxmlformats.org/drawingml/2006/table">
@@ -1936,7 +4569,7 @@
                     <a:bodyPr lIns="90000" rIns="90000" tIns="46800" bIns="46800"/>
                     <a:p>
                       <a:r>
-                        <a:rPr b="1" lang="en-US" sz="2400">
+                        <a:rPr b="1" lang="en-US" sz="2400" strike="noStrike">
                           <a:latin typeface="Arial"/>
                         </a:rPr>
                         <a:t>Ordered</a:t>
@@ -1951,7 +4584,7 @@
                     <a:bodyPr lIns="90000" rIns="90000" tIns="46800" bIns="46800"/>
                     <a:p>
                       <a:r>
-                        <a:rPr b="1" lang="en-US" sz="2400">
+                        <a:rPr b="1" lang="en-US" sz="2400" strike="noStrike">
                           <a:latin typeface="Arial"/>
                         </a:rPr>
                         <a:t>Unordered</a:t>
@@ -1967,9 +4600,13 @@
                   <a:txBody>
                     <a:bodyPr lIns="90000" rIns="90000" tIns="46800" bIns="46800"/>
                     <a:p>
-                      <a:pPr algn="r"/>
-                      <a:r>
-                        <a:rPr b="1" lang="en-US" sz="2400">
+                      <a:pPr algn="r">
+                        <a:lnSpc>
+                          <a:spcPct val="100000"/>
+                        </a:lnSpc>
+                      </a:pPr>
+                      <a:r>
+                        <a:rPr b="1" lang="en-US" sz="2400" strike="noStrike">
                           <a:latin typeface="Arial"/>
                         </a:rPr>
                         <a:t>Duplicates</a:t>
@@ -1984,7 +4621,7 @@
                     <a:bodyPr lIns="90000" rIns="90000" tIns="46800" bIns="46800"/>
                     <a:p>
                       <a:r>
-                        <a:rPr lang="en-US" sz="2400">
+                        <a:rPr lang="en-US" sz="2400" strike="noStrike">
                           <a:latin typeface="Arial"/>
                         </a:rPr>
                         <a:t>Vector</a:t>
@@ -1993,7 +4630,7 @@
                     </a:p>
                     <a:p>
                       <a:r>
-                        <a:rPr lang="en-US">
+                        <a:rPr lang="en-US" strike="noStrike">
                           <a:latin typeface="Courier 10 Pitch"/>
                         </a:rPr>
                         <a:t>setItemAt(int n, E e)</a:t>
@@ -2002,7 +4639,7 @@
                     </a:p>
                     <a:p>
                       <a:r>
-                        <a:rPr lang="en-US">
+                        <a:rPr lang="en-US" strike="noStrike">
                           <a:latin typeface="Courier 10 Pitch"/>
                         </a:rPr>
                         <a:t>T getItemAt(int n)</a:t>
@@ -2014,49 +4651,49 @@
                     </a:p>
                     <a:p>
                       <a:r>
-                        <a:rPr i="1" lang="en-US" sz="2400">
+                        <a:rPr i="1" lang="en-US" sz="2400" strike="noStrike">
                           <a:latin typeface="Arial"/>
                         </a:rPr>
                         <a:t>O</a:t>
                       </a:r>
                       <a:r>
-                        <a:rPr lang="en-US" sz="2400">
+                        <a:rPr lang="en-US" sz="2400" strike="noStrike">
                           <a:latin typeface="Arial"/>
                         </a:rPr>
                         <a:t>(3)    </a:t>
                       </a:r>
                       <a:r>
-                        <a:rPr i="1" lang="en-US" sz="2400">
+                        <a:rPr i="1" lang="en-US" sz="2400" strike="noStrike">
                           <a:latin typeface="Arial"/>
                         </a:rPr>
                         <a:t>O</a:t>
                       </a:r>
                       <a:r>
-                        <a:rPr lang="en-US" sz="2400">
+                        <a:rPr lang="en-US" sz="2400" strike="noStrike">
                           <a:latin typeface="Arial"/>
                         </a:rPr>
                         <a:t>(log</a:t>
                       </a:r>
                       <a:r>
-                        <a:rPr lang="en-US" sz="2400" baseline="-33000">
+                        <a:rPr lang="en-US" sz="2400" strike="noStrike" baseline="-33000">
                           <a:latin typeface="Arial"/>
                         </a:rPr>
                         <a:t>32</a:t>
                       </a:r>
                       <a:r>
-                        <a:rPr lang="en-US" sz="2400">
+                        <a:rPr lang="en-US" sz="2400" strike="noStrike">
                           <a:latin typeface="Arial"/>
                         </a:rPr>
                         <a:t> </a:t>
                       </a:r>
                       <a:r>
-                        <a:rPr i="1" lang="en-US" sz="2400">
+                        <a:rPr i="1" lang="en-US" sz="2400" strike="noStrike">
                           <a:latin typeface="Arial"/>
                         </a:rPr>
                         <a:t>n</a:t>
                       </a:r>
                       <a:r>
-                        <a:rPr lang="en-US" sz="2400">
+                        <a:rPr lang="en-US" sz="2400" strike="noStrike">
                           <a:latin typeface="Arial"/>
                         </a:rPr>
                         <a:t>)</a:t>
@@ -2075,9 +4712,13 @@
                   <a:txBody>
                     <a:bodyPr lIns="90000" rIns="90000" tIns="46800" bIns="46800"/>
                     <a:p>
-                      <a:pPr algn="r"/>
-                      <a:r>
-                        <a:rPr b="1" lang="en-US" sz="2400">
+                      <a:pPr algn="r">
+                        <a:lnSpc>
+                          <a:spcPct val="100000"/>
+                        </a:lnSpc>
+                      </a:pPr>
+                      <a:r>
+                        <a:rPr b="1" lang="en-US" sz="2400" strike="noStrike">
                           <a:latin typeface="Arial"/>
                         </a:rPr>
                         <a:t>No Duplicates</a:t>
@@ -2092,7 +4733,7 @@
                     <a:bodyPr lIns="90000" rIns="90000" tIns="46800" bIns="46800"/>
                     <a:p>
                       <a:r>
-                        <a:rPr lang="en-US" sz="2400">
+                        <a:rPr lang="en-US" sz="2400" strike="noStrike">
                           <a:latin typeface="Arial"/>
                         </a:rPr>
                         <a:t>TreeSet</a:t>
@@ -2101,7 +4742,7 @@
                     </a:p>
                     <a:p>
                       <a:r>
-                        <a:rPr lang="en-US">
+                        <a:rPr lang="en-US" strike="noStrike">
                           <a:latin typeface="Courier 10 Pitch"/>
                         </a:rPr>
                         <a:t>put(E e)</a:t>
@@ -2110,7 +4751,7 @@
                     </a:p>
                     <a:p>
                       <a:r>
-                        <a:rPr lang="en-US">
+                        <a:rPr lang="en-US" strike="noStrike">
                           <a:latin typeface="Courier 10 Pitch"/>
                         </a:rPr>
                         <a:t>contains(E e)</a:t>
@@ -2119,7 +4760,7 @@
                     </a:p>
                     <a:p>
                       <a:r>
-                        <a:rPr lang="en-US">
+                        <a:rPr lang="en-US" strike="noStrike">
                           <a:latin typeface="Courier 10 Pitch"/>
                         </a:rPr>
                         <a:t>first()</a:t>
@@ -2128,7 +4769,7 @@
                     </a:p>
                     <a:p>
                       <a:r>
-                        <a:rPr lang="en-US">
+                        <a:rPr lang="en-US" strike="noStrike">
                           <a:latin typeface="Courier 10 Pitch"/>
                         </a:rPr>
                         <a:t>rest()</a:t>
@@ -2140,37 +4781,37 @@
                     </a:p>
                     <a:p>
                       <a:r>
-                        <a:rPr i="1" lang="en-US" sz="2400">
+                        <a:rPr i="1" lang="en-US" sz="2400" strike="noStrike">
                           <a:latin typeface="Arial"/>
                         </a:rPr>
                         <a:t>O</a:t>
                       </a:r>
                       <a:r>
-                        <a:rPr lang="en-US" sz="2400">
+                        <a:rPr lang="en-US" sz="2400" strike="noStrike">
                           <a:latin typeface="Arial"/>
                         </a:rPr>
                         <a:t>(log</a:t>
                       </a:r>
                       <a:r>
-                        <a:rPr lang="en-US" sz="2400" baseline="-33000">
+                        <a:rPr lang="en-US" sz="2400" strike="noStrike" baseline="-33000">
                           <a:latin typeface="Arial"/>
                         </a:rPr>
                         <a:t>2</a:t>
                       </a:r>
                       <a:r>
-                        <a:rPr lang="en-US" sz="2400">
+                        <a:rPr lang="en-US" sz="2400" strike="noStrike">
                           <a:latin typeface="Arial"/>
                         </a:rPr>
                         <a:t> </a:t>
                       </a:r>
                       <a:r>
-                        <a:rPr i="1" lang="en-US" sz="2400">
+                        <a:rPr i="1" lang="en-US" sz="2400" strike="noStrike">
                           <a:latin typeface="Arial"/>
                         </a:rPr>
                         <a:t>n</a:t>
                       </a:r>
                       <a:r>
-                        <a:rPr lang="en-US" sz="2400">
+                        <a:rPr lang="en-US" sz="2400" strike="noStrike">
                           <a:latin typeface="Arial"/>
                         </a:rPr>
                         <a:t>)</a:t>
@@ -2185,7 +4826,7 @@
                     <a:bodyPr lIns="90000" rIns="90000" tIns="46800" bIns="46800"/>
                     <a:p>
                       <a:r>
-                        <a:rPr lang="en-US" sz="2400">
+                        <a:rPr lang="en-US" sz="2400" strike="noStrike">
                           <a:latin typeface="Arial"/>
                         </a:rPr>
                         <a:t>HashSet</a:t>
@@ -2194,7 +4835,7 @@
                     </a:p>
                     <a:p>
                       <a:r>
-                        <a:rPr lang="en-US">
+                        <a:rPr lang="en-US" strike="noStrike">
                           <a:latin typeface="Courier 10 Pitch"/>
                         </a:rPr>
                         <a:t>put(E e)</a:t>
@@ -2203,7 +4844,7 @@
                     </a:p>
                     <a:p>
                       <a:r>
-                        <a:rPr lang="en-US">
+                        <a:rPr lang="en-US" strike="noStrike">
                           <a:latin typeface="Courier 10 Pitch"/>
                         </a:rPr>
                         <a:t>contains(E e)</a:t>
@@ -2221,49 +4862,49 @@
                     </a:p>
                     <a:p>
                       <a:r>
-                        <a:rPr i="1" lang="en-US" sz="2400">
+                        <a:rPr i="1" lang="en-US" sz="2400" strike="noStrike">
                           <a:latin typeface="Arial"/>
                         </a:rPr>
                         <a:t>O</a:t>
                       </a:r>
                       <a:r>
-                        <a:rPr lang="en-US" sz="2400">
+                        <a:rPr lang="en-US" sz="2400" strike="noStrike">
                           <a:latin typeface="Arial"/>
                         </a:rPr>
                         <a:t>(3)    </a:t>
                       </a:r>
                       <a:r>
-                        <a:rPr i="1" lang="en-US" sz="2400">
+                        <a:rPr i="1" lang="en-US" sz="2400" strike="noStrike">
                           <a:latin typeface="Arial"/>
                         </a:rPr>
                         <a:t>O</a:t>
                       </a:r>
                       <a:r>
-                        <a:rPr lang="en-US" sz="2400">
+                        <a:rPr lang="en-US" sz="2400" strike="noStrike">
                           <a:latin typeface="Arial"/>
                         </a:rPr>
                         <a:t>(log</a:t>
                       </a:r>
                       <a:r>
-                        <a:rPr lang="en-US" sz="2400" baseline="-33000">
+                        <a:rPr lang="en-US" sz="2400" strike="noStrike" baseline="-33000">
                           <a:latin typeface="Arial"/>
                         </a:rPr>
                         <a:t>32</a:t>
                       </a:r>
                       <a:r>
-                        <a:rPr lang="en-US" sz="2400">
+                        <a:rPr lang="en-US" sz="2400" strike="noStrike">
                           <a:latin typeface="Arial"/>
                         </a:rPr>
                         <a:t> </a:t>
                       </a:r>
                       <a:r>
-                        <a:rPr i="1" lang="en-US" sz="2400">
+                        <a:rPr i="1" lang="en-US" sz="2400" strike="noStrike">
                           <a:latin typeface="Arial"/>
                         </a:rPr>
                         <a:t>n</a:t>
                       </a:r>
                       <a:r>
-                        <a:rPr lang="en-US" sz="2400">
+                        <a:rPr lang="en-US" sz="2400" strike="noStrike">
                           <a:latin typeface="Arial"/>
                         </a:rPr>
                         <a:t>)</a:t>
@@ -2279,9 +4920,13 @@
                   <a:txBody>
                     <a:bodyPr lIns="90000" rIns="90000" tIns="46800" bIns="46800"/>
                     <a:p>
-                      <a:pPr algn="r"/>
-                      <a:r>
-                        <a:rPr b="1" lang="en-US" sz="2400">
+                      <a:pPr algn="r">
+                        <a:lnSpc>
+                          <a:spcPct val="100000"/>
+                        </a:lnSpc>
+                      </a:pPr>
+                      <a:r>
+                        <a:rPr b="1" lang="en-US" sz="2400" strike="noStrike">
                           <a:latin typeface="Arial"/>
                         </a:rPr>
                         <a:t>No Duplicates</a:t>
@@ -2296,7 +4941,7 @@
                     <a:bodyPr lIns="90000" rIns="90000" tIns="46800" bIns="46800"/>
                     <a:p>
                       <a:r>
-                        <a:rPr lang="en-US" sz="2400">
+                        <a:rPr lang="en-US" sz="2400" strike="noStrike">
                           <a:latin typeface="Arial"/>
                         </a:rPr>
                         <a:t>TreeMap</a:t>
@@ -2305,7 +4950,7 @@
                     </a:p>
                     <a:p>
                       <a:r>
-                        <a:rPr lang="en-US">
+                        <a:rPr lang="en-US" strike="noStrike">
                           <a:latin typeface="Courier 10 Pitch"/>
                         </a:rPr>
                         <a:t>put(K k, V v)</a:t>
@@ -2314,7 +4959,7 @@
                     </a:p>
                     <a:p>
                       <a:r>
-                        <a:rPr lang="en-US">
+                        <a:rPr lang="en-US" strike="noStrike">
                           <a:latin typeface="Courier 10 Pitch"/>
                         </a:rPr>
                         <a:t>V get(K k)</a:t>
@@ -2323,7 +4968,7 @@
                     </a:p>
                     <a:p>
                       <a:r>
-                        <a:rPr lang="en-US">
+                        <a:rPr lang="en-US" strike="noStrike">
                           <a:latin typeface="Courier 10 Pitch"/>
                         </a:rPr>
                         <a:t>first()</a:t>
@@ -2332,7 +4977,7 @@
                     </a:p>
                     <a:p>
                       <a:r>
-                        <a:rPr lang="en-US">
+                        <a:rPr lang="en-US" strike="noStrike">
                           <a:latin typeface="Courier 10 Pitch"/>
                         </a:rPr>
                         <a:t>rest()</a:t>
@@ -2344,31 +4989,31 @@
                     </a:p>
                     <a:p>
                       <a:r>
-                        <a:rPr lang="en-US" sz="2400">
+                        <a:rPr lang="en-US" sz="2400" strike="noStrike">
                           <a:latin typeface="Arial"/>
                         </a:rPr>
                         <a:t>O(log</a:t>
                       </a:r>
                       <a:r>
-                        <a:rPr lang="en-US" sz="2400" baseline="-33000">
+                        <a:rPr lang="en-US" sz="2400" strike="noStrike" baseline="-33000">
                           <a:latin typeface="Arial"/>
                         </a:rPr>
                         <a:t>2</a:t>
                       </a:r>
                       <a:r>
-                        <a:rPr lang="en-US" sz="2400">
+                        <a:rPr lang="en-US" sz="2400" strike="noStrike">
                           <a:latin typeface="Arial"/>
                         </a:rPr>
                         <a:t> </a:t>
                       </a:r>
                       <a:r>
-                        <a:rPr i="1" lang="en-US" sz="2400">
+                        <a:rPr i="1" lang="en-US" sz="2400" strike="noStrike">
                           <a:latin typeface="Arial"/>
                         </a:rPr>
                         <a:t>n</a:t>
                       </a:r>
                       <a:r>
-                        <a:rPr lang="en-US" sz="2400">
+                        <a:rPr lang="en-US" sz="2400" strike="noStrike">
                           <a:latin typeface="Arial"/>
                         </a:rPr>
                         <a:t>)</a:t>
@@ -2383,7 +5028,7 @@
                     <a:bodyPr lIns="90000" rIns="90000" tIns="46800" bIns="46800"/>
                     <a:p>
                       <a:r>
-                        <a:rPr lang="en-US" sz="2400">
+                        <a:rPr lang="en-US" sz="2400" strike="noStrike">
                           <a:latin typeface="Arial"/>
                         </a:rPr>
                         <a:t>HashMap</a:t>
@@ -2392,7 +5037,7 @@
                     </a:p>
                     <a:p>
                       <a:r>
-                        <a:rPr lang="en-US">
+                        <a:rPr lang="en-US" strike="noStrike">
                           <a:latin typeface="Courier 10 Pitch"/>
                         </a:rPr>
                         <a:t>put(K k, V v)</a:t>
@@ -2401,7 +5046,7 @@
                     </a:p>
                     <a:p>
                       <a:r>
-                        <a:rPr lang="en-US">
+                        <a:rPr lang="en-US" strike="noStrike">
                           <a:latin typeface="Courier 10 Pitch"/>
                         </a:rPr>
                         <a:t>V get(K k)</a:t>
@@ -2410,7 +5055,7 @@
                     </a:p>
                     <a:p>
                       <a:r>
-                        <a:rPr lang="en-US">
+                        <a:rPr lang="en-US" strike="noStrike">
                           <a:latin typeface="Courier 10 Pitch"/>
                         </a:rPr>
                         <a:t>Set&lt;Entry&lt;K,V&gt;&gt; entrySet()</a:t>
@@ -2425,49 +5070,49 @@
                     </a:p>
                     <a:p>
                       <a:r>
-                        <a:rPr i="1" lang="en-US" sz="2400">
+                        <a:rPr i="1" lang="en-US" sz="2400" strike="noStrike">
                           <a:latin typeface="Arial"/>
                         </a:rPr>
                         <a:t>O</a:t>
                       </a:r>
                       <a:r>
-                        <a:rPr lang="en-US" sz="2400">
+                        <a:rPr lang="en-US" sz="2400" strike="noStrike">
                           <a:latin typeface="Arial"/>
                         </a:rPr>
                         <a:t>(3)    </a:t>
                       </a:r>
                       <a:r>
-                        <a:rPr i="1" lang="en-US" sz="2400">
+                        <a:rPr i="1" lang="en-US" sz="2400" strike="noStrike">
                           <a:latin typeface="Arial"/>
                         </a:rPr>
                         <a:t>O</a:t>
                       </a:r>
                       <a:r>
-                        <a:rPr lang="en-US" sz="2400">
+                        <a:rPr lang="en-US" sz="2400" strike="noStrike">
                           <a:latin typeface="Arial"/>
                         </a:rPr>
                         <a:t>(log</a:t>
                       </a:r>
                       <a:r>
-                        <a:rPr lang="en-US" sz="2400" baseline="-33000">
+                        <a:rPr lang="en-US" sz="2400" strike="noStrike" baseline="-33000">
                           <a:latin typeface="Arial"/>
                         </a:rPr>
                         <a:t>32</a:t>
                       </a:r>
                       <a:r>
-                        <a:rPr lang="en-US" sz="2400">
+                        <a:rPr lang="en-US" sz="2400" strike="noStrike">
                           <a:latin typeface="Arial"/>
                         </a:rPr>
                         <a:t> </a:t>
                       </a:r>
                       <a:r>
-                        <a:rPr i="1" lang="en-US" sz="2400">
+                        <a:rPr i="1" lang="en-US" sz="2400" strike="noStrike">
                           <a:latin typeface="Arial"/>
                         </a:rPr>
                         <a:t>n</a:t>
                       </a:r>
                       <a:r>
-                        <a:rPr lang="en-US" sz="2400">
+                        <a:rPr lang="en-US" sz="2400" strike="noStrike">
                           <a:latin typeface="Arial"/>
                         </a:rPr>
                         <a:t>)</a:t>
@@ -2735,4 +5380,450 @@
     </a:fmtScheme>
   </a:themeElements>
 </a:theme>
+</file>
+
+<file path=ppt/theme/theme2.xml><?xml version="1.0" encoding="utf-8"?>
+<a:theme xmlns:a="http://schemas.openxmlformats.org/drawingml/2006/main" name="Office Theme">
+  <a:themeElements>
+    <a:clrScheme name="Office">
+      <a:dk1>
+        <a:sysClr val="windowText" lastClr="000000"/>
+      </a:dk1>
+      <a:lt1>
+        <a:sysClr val="window" lastClr="FFFFFF"/>
+      </a:lt1>
+      <a:dk2>
+        <a:srgbClr val="1F497D"/>
+      </a:dk2>
+      <a:lt2>
+        <a:srgbClr val="EEECE1"/>
+      </a:lt2>
+      <a:accent1>
+        <a:srgbClr val="4F81BD"/>
+      </a:accent1>
+      <a:accent2>
+        <a:srgbClr val="C0504D"/>
+      </a:accent2>
+      <a:accent3>
+        <a:srgbClr val="9BBB59"/>
+      </a:accent3>
+      <a:accent4>
+        <a:srgbClr val="8064A2"/>
+      </a:accent4>
+      <a:accent5>
+        <a:srgbClr val="4BACC6"/>
+      </a:accent5>
+      <a:accent6>
+        <a:srgbClr val="F79646"/>
+      </a:accent6>
+      <a:hlink>
+        <a:srgbClr val="0000FF"/>
+      </a:hlink>
+      <a:folHlink>
+        <a:srgbClr val="800080"/>
+      </a:folHlink>
+    </a:clrScheme>
+    <a:fontScheme name="Office">
+      <a:majorFont>
+        <a:latin typeface="Arial"/>
+        <a:ea typeface="DejaVu Sans"/>
+        <a:cs typeface="DejaVu Sans"/>
+      </a:majorFont>
+      <a:minorFont>
+        <a:latin typeface="Arial"/>
+        <a:ea typeface="DejaVu Sans"/>
+        <a:cs typeface="DejaVu Sans"/>
+      </a:minorFont>
+    </a:fontScheme>
+    <a:fmtScheme name="Office">
+      <a:fillStyleLst>
+        <a:solidFill>
+          <a:schemeClr val="phClr"/>
+        </a:solidFill>
+        <a:gradFill rotWithShape="1">
+          <a:gsLst>
+            <a:gs pos="0">
+              <a:schemeClr val="phClr">
+                <a:tint val="50000"/>
+                <a:satMod val="300000"/>
+              </a:schemeClr>
+            </a:gs>
+            <a:gs pos="35000">
+              <a:schemeClr val="phClr">
+                <a:tint val="37000"/>
+                <a:satMod val="300000"/>
+              </a:schemeClr>
+            </a:gs>
+            <a:gs pos="100000">
+              <a:schemeClr val="phClr">
+                <a:tint val="15000"/>
+                <a:satMod val="350000"/>
+              </a:schemeClr>
+            </a:gs>
+          </a:gsLst>
+          <a:lin ang="16200000" scaled="1"/>
+        </a:gradFill>
+        <a:gradFill rotWithShape="1">
+          <a:gsLst>
+            <a:gs pos="0">
+              <a:schemeClr val="phClr">
+                <a:shade val="51000"/>
+                <a:satMod val="130000"/>
+              </a:schemeClr>
+            </a:gs>
+            <a:gs pos="80000">
+              <a:schemeClr val="phClr">
+                <a:shade val="93000"/>
+                <a:satMod val="130000"/>
+              </a:schemeClr>
+            </a:gs>
+            <a:gs pos="100000">
+              <a:schemeClr val="phClr">
+                <a:shade val="94000"/>
+                <a:satMod val="135000"/>
+              </a:schemeClr>
+            </a:gs>
+          </a:gsLst>
+          <a:lin ang="16200000" scaled="0"/>
+        </a:gradFill>
+      </a:fillStyleLst>
+      <a:lnStyleLst>
+        <a:ln w="9525" cap="flat" cmpd="sng" algn="ctr">
+          <a:solidFill>
+            <a:schemeClr val="phClr">
+              <a:shade val="95000"/>
+              <a:satMod val="105000"/>
+            </a:schemeClr>
+          </a:solidFill>
+          <a:prstDash val="solid"/>
+        </a:ln>
+        <a:ln w="25400" cap="flat" cmpd="sng" algn="ctr">
+          <a:solidFill>
+            <a:schemeClr val="phClr"/>
+          </a:solidFill>
+          <a:prstDash val="solid"/>
+        </a:ln>
+        <a:ln w="38100" cap="flat" cmpd="sng" algn="ctr">
+          <a:solidFill>
+            <a:schemeClr val="phClr"/>
+          </a:solidFill>
+          <a:prstDash val="solid"/>
+        </a:ln>
+      </a:lnStyleLst>
+      <a:effectStyleLst>
+        <a:effectStyle>
+          <a:effectLst>
+            <a:outerShdw blurRad="40000" dist="20000" dir="5400000" rotWithShape="0">
+              <a:srgbClr val="000000">
+                <a:alpha val="38000"/>
+              </a:srgbClr>
+            </a:outerShdw>
+          </a:effectLst>
+        </a:effectStyle>
+        <a:effectStyle>
+          <a:effectLst>
+            <a:outerShdw blurRad="40000" dist="23000" dir="5400000" rotWithShape="0">
+              <a:srgbClr val="000000">
+                <a:alpha val="35000"/>
+              </a:srgbClr>
+            </a:outerShdw>
+          </a:effectLst>
+        </a:effectStyle>
+        <a:effectStyle>
+          <a:effectLst>
+            <a:outerShdw blurRad="40000" dist="23000" dir="5400000" rotWithShape="0">
+              <a:srgbClr val="000000">
+                <a:alpha val="35000"/>
+              </a:srgbClr>
+            </a:outerShdw>
+          </a:effectLst>
+          <a:scene3d>
+            <a:camera prst="orthographicFront">
+              <a:rot lat="0" lon="0" rev="0"/>
+            </a:camera>
+            <a:lightRig rig="threePt" dir="t">
+              <a:rot lat="0" lon="0" rev="1200000"/>
+            </a:lightRig>
+          </a:scene3d>
+          <a:sp3d>
+            <a:bevelT w="63500" h="25400"/>
+          </a:sp3d>
+        </a:effectStyle>
+      </a:effectStyleLst>
+      <a:bgFillStyleLst>
+        <a:solidFill>
+          <a:schemeClr val="phClr"/>
+        </a:solidFill>
+        <a:gradFill rotWithShape="1">
+          <a:gsLst>
+            <a:gs pos="0">
+              <a:schemeClr val="phClr">
+                <a:tint val="40000"/>
+                <a:satMod val="350000"/>
+              </a:schemeClr>
+            </a:gs>
+            <a:gs pos="40000">
+              <a:schemeClr val="phClr">
+                <a:tint val="45000"/>
+                <a:shade val="99000"/>
+                <a:satMod val="350000"/>
+              </a:schemeClr>
+            </a:gs>
+            <a:gs pos="100000">
+              <a:schemeClr val="phClr">
+                <a:shade val="20000"/>
+                <a:satMod val="255000"/>
+              </a:schemeClr>
+            </a:gs>
+          </a:gsLst>
+          <a:path path="circle">
+            <a:fillToRect l="50000" t="-80000" r="50000" b="180000"/>
+          </a:path>
+        </a:gradFill>
+        <a:gradFill rotWithShape="1">
+          <a:gsLst>
+            <a:gs pos="0">
+              <a:schemeClr val="phClr">
+                <a:tint val="80000"/>
+                <a:satMod val="300000"/>
+              </a:schemeClr>
+            </a:gs>
+            <a:gs pos="100000">
+              <a:schemeClr val="phClr">
+                <a:shade val="30000"/>
+                <a:satMod val="200000"/>
+              </a:schemeClr>
+            </a:gs>
+          </a:gsLst>
+          <a:path path="circle">
+            <a:fillToRect l="50000" t="50000" r="50000" b="50000"/>
+          </a:path>
+        </a:gradFill>
+      </a:bgFillStyleLst>
+    </a:fmtScheme>
+  </a:themeElements>
+</a:theme>
+</file>
+
+<file path=ppt/theme/theme3.xml><?xml version="1.0" encoding="utf-8"?>
+<a:theme xmlns:a="http://schemas.openxmlformats.org/drawingml/2006/main" name="Office Theme">
+  <a:themeElements>
+    <a:clrScheme name="Office">
+      <a:dk1>
+        <a:sysClr val="windowText" lastClr="000000"/>
+      </a:dk1>
+      <a:lt1>
+        <a:sysClr val="window" lastClr="FFFFFF"/>
+      </a:lt1>
+      <a:dk2>
+        <a:srgbClr val="1F497D"/>
+      </a:dk2>
+      <a:lt2>
+        <a:srgbClr val="EEECE1"/>
+      </a:lt2>
+      <a:accent1>
+        <a:srgbClr val="4F81BD"/>
+      </a:accent1>
+      <a:accent2>
+        <a:srgbClr val="C0504D"/>
+      </a:accent2>
+      <a:accent3>
+        <a:srgbClr val="9BBB59"/>
+      </a:accent3>
+      <a:accent4>
+        <a:srgbClr val="8064A2"/>
+      </a:accent4>
+      <a:accent5>
+        <a:srgbClr val="4BACC6"/>
+      </a:accent5>
+      <a:accent6>
+        <a:srgbClr val="F79646"/>
+      </a:accent6>
+      <a:hlink>
+        <a:srgbClr val="0000FF"/>
+      </a:hlink>
+      <a:folHlink>
+        <a:srgbClr val="800080"/>
+      </a:folHlink>
+    </a:clrScheme>
+    <a:fontScheme name="Office">
+      <a:majorFont>
+        <a:latin typeface="Arial"/>
+        <a:ea typeface="DejaVu Sans"/>
+        <a:cs typeface="DejaVu Sans"/>
+      </a:majorFont>
+      <a:minorFont>
+        <a:latin typeface="Arial"/>
+        <a:ea typeface="DejaVu Sans"/>
+        <a:cs typeface="DejaVu Sans"/>
+      </a:minorFont>
+    </a:fontScheme>
+    <a:fmtScheme name="Office">
+      <a:fillStyleLst>
+        <a:solidFill>
+          <a:schemeClr val="phClr"/>
+        </a:solidFill>
+        <a:gradFill rotWithShape="1">
+          <a:gsLst>
+            <a:gs pos="0">
+              <a:schemeClr val="phClr">
+                <a:tint val="50000"/>
+                <a:satMod val="300000"/>
+              </a:schemeClr>
+            </a:gs>
+            <a:gs pos="35000">
+              <a:schemeClr val="phClr">
+                <a:tint val="37000"/>
+                <a:satMod val="300000"/>
+              </a:schemeClr>
+            </a:gs>
+            <a:gs pos="100000">
+              <a:schemeClr val="phClr">
+                <a:tint val="15000"/>
+                <a:satMod val="350000"/>
+              </a:schemeClr>
+            </a:gs>
+          </a:gsLst>
+          <a:lin ang="16200000" scaled="1"/>
+        </a:gradFill>
+        <a:gradFill rotWithShape="1">
+          <a:gsLst>
+            <a:gs pos="0">
+              <a:schemeClr val="phClr">
+                <a:shade val="51000"/>
+                <a:satMod val="130000"/>
+              </a:schemeClr>
+            </a:gs>
+            <a:gs pos="80000">
+              <a:schemeClr val="phClr">
+                <a:shade val="93000"/>
+                <a:satMod val="130000"/>
+              </a:schemeClr>
+            </a:gs>
+            <a:gs pos="100000">
+              <a:schemeClr val="phClr">
+                <a:shade val="94000"/>
+                <a:satMod val="135000"/>
+              </a:schemeClr>
+            </a:gs>
+          </a:gsLst>
+          <a:lin ang="16200000" scaled="0"/>
+        </a:gradFill>
+      </a:fillStyleLst>
+      <a:lnStyleLst>
+        <a:ln w="9525" cap="flat" cmpd="sng" algn="ctr">
+          <a:solidFill>
+            <a:schemeClr val="phClr">
+              <a:shade val="95000"/>
+              <a:satMod val="105000"/>
+            </a:schemeClr>
+          </a:solidFill>
+          <a:prstDash val="solid"/>
+        </a:ln>
+        <a:ln w="25400" cap="flat" cmpd="sng" algn="ctr">
+          <a:solidFill>
+            <a:schemeClr val="phClr"/>
+          </a:solidFill>
+          <a:prstDash val="solid"/>
+        </a:ln>
+        <a:ln w="38100" cap="flat" cmpd="sng" algn="ctr">
+          <a:solidFill>
+            <a:schemeClr val="phClr"/>
+          </a:solidFill>
+          <a:prstDash val="solid"/>
+        </a:ln>
+      </a:lnStyleLst>
+      <a:effectStyleLst>
+        <a:effectStyle>
+          <a:effectLst>
+            <a:outerShdw blurRad="40000" dist="20000" dir="5400000" rotWithShape="0">
+              <a:srgbClr val="000000">
+                <a:alpha val="38000"/>
+              </a:srgbClr>
+            </a:outerShdw>
+          </a:effectLst>
+        </a:effectStyle>
+        <a:effectStyle>
+          <a:effectLst>
+            <a:outerShdw blurRad="40000" dist="23000" dir="5400000" rotWithShape="0">
+              <a:srgbClr val="000000">
+                <a:alpha val="35000"/>
+              </a:srgbClr>
+            </a:outerShdw>
+          </a:effectLst>
+        </a:effectStyle>
+        <a:effectStyle>
+          <a:effectLst>
+            <a:outerShdw blurRad="40000" dist="23000" dir="5400000" rotWithShape="0">
+              <a:srgbClr val="000000">
+                <a:alpha val="35000"/>
+              </a:srgbClr>
+            </a:outerShdw>
+          </a:effectLst>
+          <a:scene3d>
+            <a:camera prst="orthographicFront">
+              <a:rot lat="0" lon="0" rev="0"/>
+            </a:camera>
+            <a:lightRig rig="threePt" dir="t">
+              <a:rot lat="0" lon="0" rev="1200000"/>
+            </a:lightRig>
+          </a:scene3d>
+          <a:sp3d>
+            <a:bevelT w="63500" h="25400"/>
+          </a:sp3d>
+        </a:effectStyle>
+      </a:effectStyleLst>
+      <a:bgFillStyleLst>
+        <a:solidFill>
+          <a:schemeClr val="phClr"/>
+        </a:solidFill>
+        <a:gradFill rotWithShape="1">
+          <a:gsLst>
+            <a:gs pos="0">
+              <a:schemeClr val="phClr">
+                <a:tint val="40000"/>
+                <a:satMod val="350000"/>
+              </a:schemeClr>
+            </a:gs>
+            <a:gs pos="40000">
+              <a:schemeClr val="phClr">
+                <a:tint val="45000"/>
+                <a:shade val="99000"/>
+                <a:satMod val="350000"/>
+              </a:schemeClr>
+            </a:gs>
+            <a:gs pos="100000">
+              <a:schemeClr val="phClr">
+                <a:shade val="20000"/>
+                <a:satMod val="255000"/>
+              </a:schemeClr>
+            </a:gs>
+          </a:gsLst>
+          <a:path path="circle">
+            <a:fillToRect l="50000" t="-80000" r="50000" b="180000"/>
+          </a:path>
+        </a:gradFill>
+        <a:gradFill rotWithShape="1">
+          <a:gsLst>
+            <a:gs pos="0">
+              <a:schemeClr val="phClr">
+                <a:tint val="80000"/>
+                <a:satMod val="300000"/>
+              </a:schemeClr>
+            </a:gs>
+            <a:gs pos="100000">
+              <a:schemeClr val="phClr">
+                <a:shade val="30000"/>
+                <a:satMod val="200000"/>
+              </a:schemeClr>
+            </a:gs>
+          </a:gsLst>
+          <a:path path="circle">
+            <a:fillToRect l="50000" t="50000" r="50000" b="50000"/>
+          </a:path>
+        </a:gradFill>
+      </a:bgFillStyleLst>
+    </a:fmtScheme>
+  </a:themeElements>
+</a:theme>
 </file>
--- a/presentation.pptx
+++ b/presentation.pptx
@@ -3508,7 +3508,7 @@
         <p:spPr>
           <a:xfrm>
             <a:off x="504000" y="301320"/>
-            <a:ext cx="9071280" cy="1261800"/>
+            <a:ext cx="9072000" cy="1261800"/>
           </a:xfrm>
           <a:prstGeom prst="rect">
             <a:avLst/>
@@ -3517,8 +3517,9 @@
         <p:txBody>
           <a:bodyPr lIns="0" rIns="0" tIns="0" bIns="0" anchor="ctr"/>
           <a:p>
-            <a:r>
-              <a:rPr lang="en-US">
+            <a:pPr algn="ctr"/>
+            <a:r>
+              <a:rPr lang="en-US" sz="4400">
                 <a:latin typeface="Arial"/>
               </a:rPr>
               <a:t>Click to edit the title text format</a:t>
@@ -3539,8 +3540,8 @@
         </p:nvSpPr>
         <p:spPr>
           <a:xfrm>
-            <a:off x="504000" y="1769040"/>
-            <a:ext cx="9071280" cy="4384080"/>
+            <a:off x="504000" y="1768680"/>
+            <a:ext cx="9072000" cy="4384080"/>
           </a:xfrm>
           <a:prstGeom prst="rect">
             <a:avLst/>
@@ -3555,7 +3556,7 @@
               <a:buChar char=""/>
             </a:pPr>
             <a:r>
-              <a:rPr lang="en-US">
+              <a:rPr lang="en-US" sz="3200">
                 <a:latin typeface="Arial"/>
               </a:rPr>
               <a:t>Click to edit the outline text format</a:t>
@@ -3569,7 +3570,7 @@
               <a:buChar char=""/>
             </a:pPr>
             <a:r>
-              <a:rPr lang="en-US">
+              <a:rPr lang="en-US" sz="2800">
                 <a:latin typeface="Arial"/>
               </a:rPr>
               <a:t>Second Outline Level</a:t>
@@ -3583,7 +3584,7 @@
               <a:buChar char=""/>
             </a:pPr>
             <a:r>
-              <a:rPr lang="en-US">
+              <a:rPr lang="en-US" sz="2400">
                 <a:latin typeface="Arial"/>
               </a:rPr>
               <a:t>Third Outline Level</a:t>
@@ -3597,7 +3598,7 @@
               <a:buChar char=""/>
             </a:pPr>
             <a:r>
-              <a:rPr lang="en-US">
+              <a:rPr lang="en-US" sz="2000">
                 <a:latin typeface="Arial"/>
               </a:rPr>
               <a:t>Fourth Outline Level</a:t>
@@ -3611,7 +3612,7 @@
               <a:buChar char=""/>
             </a:pPr>
             <a:r>
-              <a:rPr lang="en-US">
+              <a:rPr lang="en-US" sz="2000">
                 <a:latin typeface="Arial"/>
               </a:rPr>
               <a:t>Fifth Outline Level</a:t>
@@ -3625,7 +3626,7 @@
               <a:buChar char=""/>
             </a:pPr>
             <a:r>
-              <a:rPr lang="en-US">
+              <a:rPr lang="en-US" sz="2000">
                 <a:latin typeface="Arial"/>
               </a:rPr>
               <a:t>Sixth Outline Level</a:t>
@@ -3639,7 +3640,7 @@
               <a:buChar char=""/>
             </a:pPr>
             <a:r>
-              <a:rPr lang="en-US">
+              <a:rPr lang="en-US" sz="2000">
                 <a:latin typeface="Arial"/>
               </a:rPr>
               <a:t>Seventh Outline Level</a:t>
@@ -3698,7 +3699,7 @@
         <p:spPr>
           <a:xfrm>
             <a:off x="504000" y="301320"/>
-            <a:ext cx="9071280" cy="1261800"/>
+            <a:ext cx="9072000" cy="1261800"/>
           </a:xfrm>
           <a:prstGeom prst="rect">
             <a:avLst/>
@@ -3707,8 +3708,9 @@
         <p:txBody>
           <a:bodyPr lIns="0" rIns="0" tIns="0" bIns="0" anchor="ctr"/>
           <a:p>
-            <a:r>
-              <a:rPr lang="en-US">
+            <a:pPr algn="ctr"/>
+            <a:r>
+              <a:rPr lang="en-US" sz="4400">
                 <a:latin typeface="Arial"/>
               </a:rPr>
               <a:t>Click to edit the title text format</a:t>
@@ -4075,7 +4077,7 @@
         <p:spPr>
           <a:xfrm>
             <a:off x="504000" y="301320"/>
-            <a:ext cx="9071280" cy="1261800"/>
+            <a:ext cx="9070560" cy="1261080"/>
           </a:xfrm>
           <a:prstGeom prst="rect">
             <a:avLst/>
@@ -4101,7 +4103,11 @@
             </a:pPr>
             <a:r>
               <a:rPr lang="en-US" sz="4400" strike="noStrike">
-                <a:latin typeface="Arial"/>
+                <a:solidFill>
+                  <a:srgbClr val="000000"/>
+                </a:solidFill>
+                <a:latin typeface="Arial"/>
+                <a:ea typeface="DejaVu Sans"/>
               </a:rPr>
               <a:t>Effective FP Data Structures</a:t>
             </a:r>
@@ -4118,7 +4124,7 @@
         <p:spPr>
           <a:xfrm>
             <a:off x="504000" y="1769040"/>
-            <a:ext cx="9071280" cy="4384080"/>
+            <a:ext cx="9070560" cy="4383360"/>
           </a:xfrm>
           <a:prstGeom prst="rect">
             <a:avLst/>
@@ -4143,6 +4149,7 @@
                   <a:srgbClr val="000000"/>
                 </a:solidFill>
                 <a:latin typeface="Arial"/>
+                <a:ea typeface="DejaVu Sans"/>
               </a:rPr>
               <a:t>Glen Peterson 2015</a:t>
             </a:r>
@@ -4155,6 +4162,7 @@
                   <a:srgbClr val="000000"/>
                 </a:solidFill>
                 <a:latin typeface="Arial"/>
+                <a:ea typeface="DejaVu Sans"/>
               </a:rPr>
               <a:t>@GlenKPeterson</a:t>
             </a:r>
@@ -4167,6 +4175,7 @@
                   <a:srgbClr val="000000"/>
                 </a:solidFill>
                 <a:latin typeface="Arial"/>
+                <a:ea typeface="DejaVu Sans"/>
               </a:rPr>
               <a:t>https://github.com/GlenKPeterson/UncleJim</a:t>
             </a:r>
@@ -4188,6 +4197,7 @@
                   <a:srgbClr val="000000"/>
                 </a:solidFill>
                 <a:latin typeface="Arial"/>
+                <a:ea typeface="DejaVu Sans"/>
               </a:rPr>
               <a:t>This work is licensed under a Creative Commons Attribution-ShareAlike 4.0 International License.</a:t>
             </a:r>
@@ -4253,7 +4263,7 @@
         <p:spPr>
           <a:xfrm>
             <a:off x="0" y="9720"/>
-            <a:ext cx="10079640" cy="455760"/>
+            <a:ext cx="10078920" cy="721800"/>
           </a:xfrm>
           <a:prstGeom prst="rect">
             <a:avLst/>
@@ -4279,199 +4289,21 @@
             </a:pPr>
             <a:r>
               <a:rPr lang="en-US" sz="3200" strike="noStrike">
-                <a:latin typeface="Arial"/>
-              </a:rPr>
-              <a:t>Asymptotic Growth</a:t>
-            </a:r>
-            <a:endParaRPr/>
-          </a:p>
-        </p:txBody>
-      </p:sp>
-      <p:sp>
-        <p:nvSpPr>
-          <p:cNvPr id="111" name="CustomShape 2"/>
-          <p:cNvSpPr/>
-          <p:nvPr/>
-        </p:nvSpPr>
-        <p:spPr>
-          <a:xfrm>
-            <a:off x="548640" y="548640"/>
-            <a:ext cx="9417960" cy="6857640"/>
-          </a:xfrm>
-          <a:prstGeom prst="rect">
-            <a:avLst/>
-          </a:prstGeom>
-          <a:noFill/>
-          <a:ln>
-            <a:noFill/>
-          </a:ln>
-        </p:spPr>
-        <p:style>
-          <a:lnRef idx="0"/>
-          <a:fillRef idx="0"/>
-          <a:effectRef idx="0"/>
-          <a:fontRef idx="minor"/>
-        </p:style>
-        <p:txBody>
-          <a:bodyPr lIns="0" rIns="0" tIns="0" bIns="0"/>
-          <a:p>
-            <a:r>
-              <a:rPr lang="en-US" sz="2400" strike="noStrike">
                 <a:solidFill>
-                  <a:srgbClr val="0047ff"/>
+                  <a:srgbClr val="000000"/>
                 </a:solidFill>
                 <a:latin typeface="Arial"/>
-              </a:rPr>
-              <a:t>y = x * ((ln x) / (ln 2))      </a:t>
-            </a:r>
-            <a:r>
-              <a:rPr i="1" lang="en-US" sz="2400" strike="noStrike">
-                <a:solidFill>
-                  <a:srgbClr val="0047ff"/>
-                </a:solidFill>
-                <a:latin typeface="Arial"/>
-              </a:rPr>
-              <a:t>n</a:t>
-            </a:r>
-            <a:r>
-              <a:rPr lang="en-US" sz="2400" strike="noStrike">
-                <a:solidFill>
-                  <a:srgbClr val="0047ff"/>
-                </a:solidFill>
-                <a:latin typeface="Arial"/>
-              </a:rPr>
-              <a:t> × log</a:t>
-            </a:r>
-            <a:r>
-              <a:rPr lang="en-US" sz="2400" strike="noStrike" baseline="-33000">
-                <a:solidFill>
-                  <a:srgbClr val="0047ff"/>
-                </a:solidFill>
-                <a:latin typeface="Arial"/>
-              </a:rPr>
-              <a:t>2</a:t>
-            </a:r>
-            <a:r>
-              <a:rPr lang="en-US" sz="2400" strike="noStrike">
-                <a:solidFill>
-                  <a:srgbClr val="0047ff"/>
-                </a:solidFill>
-                <a:latin typeface="Arial"/>
-              </a:rPr>
-              <a:t> </a:t>
-            </a:r>
-            <a:r>
-              <a:rPr i="1" lang="en-US" sz="2400" strike="noStrike">
-                <a:solidFill>
-                  <a:srgbClr val="0047ff"/>
-                </a:solidFill>
-                <a:latin typeface="Arial"/>
-              </a:rPr>
-              <a:t>n</a:t>
-            </a:r>
-            <a:endParaRPr/>
-          </a:p>
-          <a:p>
-            <a:r>
-              <a:rPr lang="en-US" sz="2400" strike="noStrike">
-                <a:solidFill>
-                  <a:srgbClr val="ff0000"/>
-                </a:solidFill>
-                <a:latin typeface="Arial"/>
-              </a:rPr>
-              <a:t>y = x</a:t>
-            </a:r>
-            <a:endParaRPr/>
-          </a:p>
-          <a:p>
-            <a:r>
-              <a:rPr lang="en-US" sz="2400" strike="noStrike">
-                <a:solidFill>
-                  <a:srgbClr val="ff950e"/>
-                </a:solidFill>
-                <a:latin typeface="Arial"/>
-              </a:rPr>
-              <a:t>y = (ln x) / (ln 2)              log</a:t>
-            </a:r>
-            <a:r>
-              <a:rPr lang="en-US" sz="2400" strike="noStrike" baseline="-33000">
-                <a:solidFill>
-                  <a:srgbClr val="ff950e"/>
-                </a:solidFill>
-                <a:latin typeface="Arial"/>
-              </a:rPr>
-              <a:t>2</a:t>
-            </a:r>
-            <a:r>
-              <a:rPr lang="en-US" sz="2400" strike="noStrike">
-                <a:solidFill>
-                  <a:srgbClr val="ff950e"/>
-                </a:solidFill>
-                <a:latin typeface="Arial"/>
-              </a:rPr>
-              <a:t> </a:t>
-            </a:r>
-            <a:r>
-              <a:rPr i="1" lang="en-US" sz="2400" strike="noStrike">
-                <a:solidFill>
-                  <a:srgbClr val="ff950e"/>
-                </a:solidFill>
-                <a:latin typeface="Arial"/>
-              </a:rPr>
-              <a:t>n</a:t>
-            </a:r>
-            <a:endParaRPr/>
-          </a:p>
-          <a:p>
-            <a:r>
-              <a:rPr lang="en-US" sz="2400" strike="noStrike">
-                <a:solidFill>
-                  <a:srgbClr val="008000"/>
-                </a:solidFill>
-                <a:latin typeface="Arial"/>
-              </a:rPr>
-              <a:t>y = (ln x) / (ln 32)            log</a:t>
-            </a:r>
-            <a:r>
-              <a:rPr lang="en-US" sz="2400" strike="noStrike" baseline="-33000">
-                <a:solidFill>
-                  <a:srgbClr val="008000"/>
-                </a:solidFill>
-                <a:latin typeface="Arial"/>
-              </a:rPr>
-              <a:t>32</a:t>
-            </a:r>
-            <a:r>
-              <a:rPr lang="en-US" sz="2400" strike="noStrike">
-                <a:solidFill>
-                  <a:srgbClr val="008000"/>
-                </a:solidFill>
-                <a:latin typeface="Arial"/>
-              </a:rPr>
-              <a:t> </a:t>
-            </a:r>
-            <a:r>
-              <a:rPr i="1" lang="en-US" sz="2400" strike="noStrike">
-                <a:solidFill>
-                  <a:srgbClr val="008000"/>
-                </a:solidFill>
-                <a:latin typeface="Arial"/>
-              </a:rPr>
-              <a:t>n</a:t>
-            </a:r>
-            <a:endParaRPr/>
-          </a:p>
-          <a:p>
-            <a:endParaRPr/>
-          </a:p>
-          <a:p>
+                <a:ea typeface="DejaVu Sans"/>
+              </a:rPr>
+              <a:t>Asymptotic Growth (re: Collection Speed)</a:t>
+            </a:r>
             <a:endParaRPr/>
           </a:p>
         </p:txBody>
       </p:sp>
       <p:pic>
         <p:nvPicPr>
-          <p:cNvPr id="112" name="" descr=""/>
+          <p:cNvPr id="111" name="" descr=""/>
           <p:cNvPicPr/>
           <p:nvPr/>
         </p:nvPicPr>
@@ -4482,7 +4314,7 @@
         <p:spPr>
           <a:xfrm>
             <a:off x="457200" y="2286000"/>
-            <a:ext cx="9013320" cy="5169960"/>
+            <a:ext cx="9012600" cy="5169240"/>
           </a:xfrm>
           <a:prstGeom prst="rect">
             <a:avLst/>
@@ -4492,6 +4324,399 @@
           </a:ln>
         </p:spPr>
       </p:pic>
+      <p:sp>
+        <p:nvSpPr>
+          <p:cNvPr id="112" name="CustomShape 2"/>
+          <p:cNvSpPr/>
+          <p:nvPr/>
+        </p:nvSpPr>
+        <p:spPr>
+          <a:xfrm>
+            <a:off x="548640" y="822960"/>
+            <a:ext cx="9417240" cy="2011680"/>
+          </a:xfrm>
+          <a:prstGeom prst="rect">
+            <a:avLst/>
+          </a:prstGeom>
+          <a:solidFill>
+            <a:srgbClr val="ffffff"/>
+          </a:solidFill>
+          <a:ln>
+            <a:noFill/>
+          </a:ln>
+        </p:spPr>
+        <p:style>
+          <a:lnRef idx="0"/>
+          <a:fillRef idx="0"/>
+          <a:effectRef idx="0"/>
+          <a:fontRef idx="minor"/>
+        </p:style>
+        <p:txBody>
+          <a:bodyPr lIns="0" rIns="0" tIns="0" bIns="0"/>
+          <a:p>
+            <a:r>
+              <a:rPr lang="en-US" sz="2600" strike="noStrike">
+                <a:solidFill>
+                  <a:srgbClr val="0047ff"/>
+                </a:solidFill>
+                <a:latin typeface="Arial"/>
+                <a:ea typeface="DejaVu Sans"/>
+              </a:rPr>
+              <a:t>y = x * ((ln x) / (ln 2))      </a:t>
+            </a:r>
+            <a:r>
+              <a:rPr i="1" lang="en-US" sz="2600" strike="noStrike">
+                <a:solidFill>
+                  <a:srgbClr val="0047ff"/>
+                </a:solidFill>
+                <a:latin typeface="Arial"/>
+                <a:ea typeface="DejaVu Sans"/>
+              </a:rPr>
+              <a:t>O</a:t>
+            </a:r>
+            <a:r>
+              <a:rPr lang="en-US" sz="2600" strike="noStrike">
+                <a:solidFill>
+                  <a:srgbClr val="0047ff"/>
+                </a:solidFill>
+                <a:latin typeface="Arial"/>
+                <a:ea typeface="DejaVu Sans"/>
+              </a:rPr>
+              <a:t>(</a:t>
+            </a:r>
+            <a:r>
+              <a:rPr i="1" lang="en-US" sz="2600" strike="noStrike">
+                <a:solidFill>
+                  <a:srgbClr val="0047ff"/>
+                </a:solidFill>
+                <a:latin typeface="Arial"/>
+                <a:ea typeface="DejaVu Sans"/>
+              </a:rPr>
+              <a:t>n</a:t>
+            </a:r>
+            <a:r>
+              <a:rPr lang="en-US" sz="2600" strike="noStrike">
+                <a:solidFill>
+                  <a:srgbClr val="0047ff"/>
+                </a:solidFill>
+                <a:latin typeface="Arial"/>
+                <a:ea typeface="DejaVu Sans"/>
+              </a:rPr>
+              <a:t> × log</a:t>
+            </a:r>
+            <a:r>
+              <a:rPr lang="en-US" sz="2600" strike="noStrike" baseline="-33000">
+                <a:solidFill>
+                  <a:srgbClr val="0047ff"/>
+                </a:solidFill>
+                <a:latin typeface="Arial"/>
+                <a:ea typeface="DejaVu Sans"/>
+              </a:rPr>
+              <a:t>2</a:t>
+            </a:r>
+            <a:r>
+              <a:rPr lang="en-US" sz="2600" strike="noStrike">
+                <a:solidFill>
+                  <a:srgbClr val="0047ff"/>
+                </a:solidFill>
+                <a:latin typeface="Arial"/>
+                <a:ea typeface="DejaVu Sans"/>
+              </a:rPr>
+              <a:t> </a:t>
+            </a:r>
+            <a:r>
+              <a:rPr i="1" lang="en-US" sz="2600" strike="noStrike">
+                <a:solidFill>
+                  <a:srgbClr val="0047ff"/>
+                </a:solidFill>
+                <a:latin typeface="Arial"/>
+                <a:ea typeface="DejaVu Sans"/>
+              </a:rPr>
+              <a:t>n</a:t>
+            </a:r>
+            <a:r>
+              <a:rPr lang="en-US" sz="2600" strike="noStrike">
+                <a:solidFill>
+                  <a:srgbClr val="0047ff"/>
+                </a:solidFill>
+                <a:latin typeface="Arial"/>
+                <a:ea typeface="DejaVu Sans"/>
+              </a:rPr>
+              <a:t>)</a:t>
+            </a:r>
+            <a:endParaRPr/>
+          </a:p>
+          <a:p>
+            <a:r>
+              <a:rPr lang="en-US" sz="2600" strike="noStrike">
+                <a:solidFill>
+                  <a:srgbClr val="ff0000"/>
+                </a:solidFill>
+                <a:latin typeface="Arial"/>
+                <a:ea typeface="DejaVu Sans"/>
+              </a:rPr>
+              <a:t>y = x</a:t>
+            </a:r>
+            <a:r>
+              <a:rPr lang="en-US" sz="2600" strike="noStrike">
+                <a:solidFill>
+                  <a:srgbClr val="ff0000"/>
+                </a:solidFill>
+                <a:latin typeface="Arial"/>
+                <a:ea typeface="DejaVu Sans"/>
+              </a:rPr>
+              <a:t>	</a:t>
+            </a:r>
+            <a:r>
+              <a:rPr lang="en-US" sz="2600" strike="noStrike">
+                <a:solidFill>
+                  <a:srgbClr val="ff0000"/>
+                </a:solidFill>
+                <a:latin typeface="Arial"/>
+                <a:ea typeface="DejaVu Sans"/>
+              </a:rPr>
+              <a:t>	</a:t>
+            </a:r>
+            <a:r>
+              <a:rPr lang="en-US" sz="2600" strike="noStrike">
+                <a:solidFill>
+                  <a:srgbClr val="ff0000"/>
+                </a:solidFill>
+                <a:latin typeface="Arial"/>
+                <a:ea typeface="DejaVu Sans"/>
+              </a:rPr>
+              <a:t>	</a:t>
+            </a:r>
+            <a:r>
+              <a:rPr lang="en-US" sz="2600" strike="noStrike">
+                <a:solidFill>
+                  <a:srgbClr val="ff0000"/>
+                </a:solidFill>
+                <a:latin typeface="Arial"/>
+                <a:ea typeface="DejaVu Sans"/>
+              </a:rPr>
+              <a:t>	</a:t>
+            </a:r>
+            <a:r>
+              <a:rPr lang="en-US" sz="2600" strike="noStrike">
+                <a:solidFill>
+                  <a:srgbClr val="ff0000"/>
+                </a:solidFill>
+                <a:latin typeface="Arial"/>
+                <a:ea typeface="DejaVu Sans"/>
+              </a:rPr>
+              <a:t>	</a:t>
+            </a:r>
+            <a:r>
+              <a:rPr lang="en-US" sz="2600" strike="noStrike">
+                <a:solidFill>
+                  <a:srgbClr val="ff0000"/>
+                </a:solidFill>
+                <a:latin typeface="Arial"/>
+                <a:ea typeface="DejaVu Sans"/>
+              </a:rPr>
+              <a:t>	</a:t>
+            </a:r>
+            <a:r>
+              <a:rPr lang="en-US" sz="2600" strike="noStrike">
+                <a:solidFill>
+                  <a:srgbClr val="ff0000"/>
+                </a:solidFill>
+                <a:latin typeface="Arial"/>
+                <a:ea typeface="DejaVu Sans"/>
+              </a:rPr>
+              <a:t>    </a:t>
+            </a:r>
+            <a:r>
+              <a:rPr i="1" lang="en-US" sz="2600" strike="noStrike">
+                <a:solidFill>
+                  <a:srgbClr val="ff0000"/>
+                </a:solidFill>
+                <a:latin typeface="Arial"/>
+                <a:ea typeface="DejaVu Sans"/>
+              </a:rPr>
+              <a:t>O</a:t>
+            </a:r>
+            <a:r>
+              <a:rPr lang="en-US" sz="2600" strike="noStrike">
+                <a:solidFill>
+                  <a:srgbClr val="ff0000"/>
+                </a:solidFill>
+                <a:latin typeface="Arial"/>
+                <a:ea typeface="DejaVu Sans"/>
+              </a:rPr>
+              <a:t>(</a:t>
+            </a:r>
+            <a:r>
+              <a:rPr i="1" lang="en-US" sz="2600" strike="noStrike">
+                <a:solidFill>
+                  <a:srgbClr val="ff0000"/>
+                </a:solidFill>
+                <a:latin typeface="Arial"/>
+                <a:ea typeface="DejaVu Sans"/>
+              </a:rPr>
+              <a:t>n</a:t>
+            </a:r>
+            <a:r>
+              <a:rPr lang="en-US" sz="2600" strike="noStrike">
+                <a:solidFill>
+                  <a:srgbClr val="ff0000"/>
+                </a:solidFill>
+                <a:latin typeface="Arial"/>
+                <a:ea typeface="DejaVu Sans"/>
+              </a:rPr>
+              <a:t>)</a:t>
+            </a:r>
+            <a:endParaRPr/>
+          </a:p>
+          <a:p>
+            <a:r>
+              <a:rPr lang="en-US" sz="2600" strike="noStrike">
+                <a:solidFill>
+                  <a:srgbClr val="ff950e"/>
+                </a:solidFill>
+                <a:latin typeface="Arial"/>
+                <a:ea typeface="DejaVu Sans"/>
+              </a:rPr>
+              <a:t>y = (ln x) / (ln 2)              </a:t>
+            </a:r>
+            <a:r>
+              <a:rPr i="1" lang="en-US" sz="2600" strike="noStrike">
+                <a:solidFill>
+                  <a:srgbClr val="ff950e"/>
+                </a:solidFill>
+                <a:latin typeface="Arial"/>
+                <a:ea typeface="DejaVu Sans"/>
+              </a:rPr>
+              <a:t>O</a:t>
+            </a:r>
+            <a:r>
+              <a:rPr lang="en-US" sz="2600" strike="noStrike">
+                <a:solidFill>
+                  <a:srgbClr val="ff950e"/>
+                </a:solidFill>
+                <a:latin typeface="Arial"/>
+                <a:ea typeface="DejaVu Sans"/>
+              </a:rPr>
+              <a:t>(log</a:t>
+            </a:r>
+            <a:r>
+              <a:rPr lang="en-US" sz="2600" strike="noStrike" baseline="-33000">
+                <a:solidFill>
+                  <a:srgbClr val="ff950e"/>
+                </a:solidFill>
+                <a:latin typeface="Arial"/>
+                <a:ea typeface="DejaVu Sans"/>
+              </a:rPr>
+              <a:t>2</a:t>
+            </a:r>
+            <a:r>
+              <a:rPr lang="en-US" sz="2600" strike="noStrike">
+                <a:solidFill>
+                  <a:srgbClr val="ff950e"/>
+                </a:solidFill>
+                <a:latin typeface="Arial"/>
+                <a:ea typeface="DejaVu Sans"/>
+              </a:rPr>
+              <a:t> </a:t>
+            </a:r>
+            <a:r>
+              <a:rPr i="1" lang="en-US" sz="2600" strike="noStrike">
+                <a:solidFill>
+                  <a:srgbClr val="ff950e"/>
+                </a:solidFill>
+                <a:latin typeface="Arial"/>
+                <a:ea typeface="DejaVu Sans"/>
+              </a:rPr>
+              <a:t>n</a:t>
+            </a:r>
+            <a:r>
+              <a:rPr lang="en-US" sz="2600" strike="noStrike">
+                <a:solidFill>
+                  <a:srgbClr val="ff950e"/>
+                </a:solidFill>
+                <a:latin typeface="Arial"/>
+                <a:ea typeface="DejaVu Sans"/>
+              </a:rPr>
+              <a:t>)</a:t>
+            </a:r>
+            <a:endParaRPr/>
+          </a:p>
+          <a:p>
+            <a:r>
+              <a:rPr lang="en-US" sz="2600" strike="noStrike">
+                <a:solidFill>
+                  <a:srgbClr val="008000"/>
+                </a:solidFill>
+                <a:latin typeface="Arial"/>
+                <a:ea typeface="DejaVu Sans"/>
+              </a:rPr>
+              <a:t>y = (ln x) / (ln 32)            </a:t>
+            </a:r>
+            <a:r>
+              <a:rPr i="1" lang="en-US" sz="2600" strike="noStrike">
+                <a:solidFill>
+                  <a:srgbClr val="008000"/>
+                </a:solidFill>
+                <a:latin typeface="Arial"/>
+                <a:ea typeface="DejaVu Sans"/>
+              </a:rPr>
+              <a:t>O</a:t>
+            </a:r>
+            <a:r>
+              <a:rPr lang="en-US" sz="2600" strike="noStrike">
+                <a:solidFill>
+                  <a:srgbClr val="008000"/>
+                </a:solidFill>
+                <a:latin typeface="Arial"/>
+                <a:ea typeface="DejaVu Sans"/>
+              </a:rPr>
+              <a:t>(log</a:t>
+            </a:r>
+            <a:r>
+              <a:rPr lang="en-US" sz="2600" strike="noStrike" baseline="-33000">
+                <a:solidFill>
+                  <a:srgbClr val="008000"/>
+                </a:solidFill>
+                <a:latin typeface="Arial"/>
+                <a:ea typeface="DejaVu Sans"/>
+              </a:rPr>
+              <a:t>32</a:t>
+            </a:r>
+            <a:r>
+              <a:rPr lang="en-US" sz="2600" strike="noStrike">
+                <a:solidFill>
+                  <a:srgbClr val="008000"/>
+                </a:solidFill>
+                <a:latin typeface="Arial"/>
+                <a:ea typeface="DejaVu Sans"/>
+              </a:rPr>
+              <a:t> </a:t>
+            </a:r>
+            <a:r>
+              <a:rPr i="1" lang="en-US" sz="2600" strike="noStrike">
+                <a:solidFill>
+                  <a:srgbClr val="008000"/>
+                </a:solidFill>
+                <a:latin typeface="Arial"/>
+                <a:ea typeface="DejaVu Sans"/>
+              </a:rPr>
+              <a:t>n</a:t>
+            </a:r>
+            <a:r>
+              <a:rPr lang="en-US" sz="2600" strike="noStrike">
+                <a:solidFill>
+                  <a:srgbClr val="008000"/>
+                </a:solidFill>
+                <a:latin typeface="Arial"/>
+                <a:ea typeface="DejaVu Sans"/>
+              </a:rPr>
+              <a:t>)</a:t>
+            </a:r>
+            <a:endParaRPr/>
+          </a:p>
+        </p:txBody>
+      </p:sp>
     </p:spTree>
   </p:cSld>
   <p:timing>
@@ -4548,8 +4773,8 @@
           <p:nvPr/>
         </p:nvGraphicFramePr>
         <p:xfrm>
-          <a:off x="182880" y="182880"/>
-          <a:ext cx="9600480" cy="7223400"/>
+          <a:off x="199440" y="1047240"/>
+          <a:ext cx="9600480" cy="6766200"/>
         </p:xfrm>
         <a:graphic>
           <a:graphicData uri="http://schemas.openxmlformats.org/drawingml/2006/table">
@@ -4560,7 +4785,7 @@
                 <a:gridCol w="3304440"/>
                 <a:gridCol w="3990960"/>
               </a:tblGrid>
-              <a:tr h="437040">
+              <a:tr h="434880">
                 <a:tc>
                   <a:tcPr/>
                 </a:tc>
@@ -4595,7 +4820,7 @@
                   <a:tcPr/>
                 </a:tc>
               </a:tr>
-              <a:tr h="1996200">
+              <a:tr h="1646280">
                 <a:tc>
                   <a:txBody>
                     <a:bodyPr lIns="90000" rIns="90000" tIns="46800" bIns="46800"/>
@@ -4707,7 +4932,7 @@
                   <a:tcPr/>
                 </a:tc>
               </a:tr>
-              <a:tr h="2325240">
+              <a:tr h="2176920">
                 <a:tc>
                   <a:txBody>
                     <a:bodyPr lIns="90000" rIns="90000" tIns="46800" bIns="46800"/>
@@ -4915,7 +5140,7 @@
                   <a:tcPr/>
                 </a:tc>
               </a:tr>
-              <a:tr h="2465280">
+              <a:tr h="2176920">
                 <a:tc>
                   <a:txBody>
                     <a:bodyPr lIns="90000" rIns="90000" tIns="46800" bIns="46800"/>
@@ -5127,6 +5352,38 @@
           </a:graphicData>
         </a:graphic>
       </p:graphicFrame>
+      <p:sp>
+        <p:nvSpPr>
+          <p:cNvPr id="114" name="TextShape 2"/>
+          <p:cNvSpPr txBox="1"/>
+          <p:nvPr/>
+        </p:nvSpPr>
+        <p:spPr>
+          <a:xfrm>
+            <a:off x="2743200" y="274320"/>
+            <a:ext cx="4146120" cy="546120"/>
+          </a:xfrm>
+          <a:prstGeom prst="rect">
+            <a:avLst/>
+          </a:prstGeom>
+          <a:noFill/>
+          <a:ln>
+            <a:noFill/>
+          </a:ln>
+        </p:spPr>
+        <p:txBody>
+          <a:bodyPr lIns="90000" rIns="90000" tIns="45000" bIns="45000"/>
+          <a:p>
+            <a:r>
+              <a:rPr lang="en-US" sz="3200">
+                <a:latin typeface="Arial"/>
+              </a:rPr>
+              <a:t>Choosing a Collection</a:t>
+            </a:r>
+            <a:endParaRPr/>
+          </a:p>
+        </p:txBody>
+      </p:sp>
     </p:spTree>
   </p:cSld>
   <p:timing>
